--- a/網站開發與安全/20210303.pptx
+++ b/網站開發與安全/20210303.pptx
@@ -4,31 +4,58 @@
   <p:sldMasterIdLst>
     <p:sldMasterId id="2147483648" r:id="rId1"/>
   </p:sldMasterIdLst>
+  <p:notesMasterIdLst>
+    <p:notesMasterId r:id="rId50"/>
+  </p:notesMasterIdLst>
   <p:sldIdLst>
     <p:sldId id="256" r:id="rId2"/>
     <p:sldId id="257" r:id="rId3"/>
     <p:sldId id="258" r:id="rId4"/>
     <p:sldId id="259" r:id="rId5"/>
-    <p:sldId id="260" r:id="rId6"/>
-    <p:sldId id="262" r:id="rId7"/>
-    <p:sldId id="265" r:id="rId8"/>
-    <p:sldId id="264" r:id="rId9"/>
-    <p:sldId id="263" r:id="rId10"/>
-    <p:sldId id="261" r:id="rId11"/>
-    <p:sldId id="266" r:id="rId12"/>
-    <p:sldId id="267" r:id="rId13"/>
-    <p:sldId id="268" r:id="rId14"/>
-    <p:sldId id="269" r:id="rId15"/>
-    <p:sldId id="270" r:id="rId16"/>
-    <p:sldId id="272" r:id="rId17"/>
-    <p:sldId id="271" r:id="rId18"/>
-    <p:sldId id="273" r:id="rId19"/>
-    <p:sldId id="274" r:id="rId20"/>
-    <p:sldId id="275" r:id="rId21"/>
-    <p:sldId id="276" r:id="rId22"/>
-    <p:sldId id="277" r:id="rId23"/>
-    <p:sldId id="278" r:id="rId24"/>
-    <p:sldId id="279" r:id="rId25"/>
+    <p:sldId id="280" r:id="rId6"/>
+    <p:sldId id="260" r:id="rId7"/>
+    <p:sldId id="262" r:id="rId8"/>
+    <p:sldId id="265" r:id="rId9"/>
+    <p:sldId id="264" r:id="rId10"/>
+    <p:sldId id="263" r:id="rId11"/>
+    <p:sldId id="261" r:id="rId12"/>
+    <p:sldId id="266" r:id="rId13"/>
+    <p:sldId id="267" r:id="rId14"/>
+    <p:sldId id="268" r:id="rId15"/>
+    <p:sldId id="269" r:id="rId16"/>
+    <p:sldId id="270" r:id="rId17"/>
+    <p:sldId id="272" r:id="rId18"/>
+    <p:sldId id="271" r:id="rId19"/>
+    <p:sldId id="282" r:id="rId20"/>
+    <p:sldId id="281" r:id="rId21"/>
+    <p:sldId id="283" r:id="rId22"/>
+    <p:sldId id="284" r:id="rId23"/>
+    <p:sldId id="279" r:id="rId24"/>
+    <p:sldId id="285" r:id="rId25"/>
+    <p:sldId id="286" r:id="rId26"/>
+    <p:sldId id="275" r:id="rId27"/>
+    <p:sldId id="276" r:id="rId28"/>
+    <p:sldId id="287" r:id="rId29"/>
+    <p:sldId id="277" r:id="rId30"/>
+    <p:sldId id="288" r:id="rId31"/>
+    <p:sldId id="273" r:id="rId32"/>
+    <p:sldId id="289" r:id="rId33"/>
+    <p:sldId id="274" r:id="rId34"/>
+    <p:sldId id="290" r:id="rId35"/>
+    <p:sldId id="278" r:id="rId36"/>
+    <p:sldId id="291" r:id="rId37"/>
+    <p:sldId id="292" r:id="rId38"/>
+    <p:sldId id="293" r:id="rId39"/>
+    <p:sldId id="295" r:id="rId40"/>
+    <p:sldId id="294" r:id="rId41"/>
+    <p:sldId id="296" r:id="rId42"/>
+    <p:sldId id="297" r:id="rId43"/>
+    <p:sldId id="298" r:id="rId44"/>
+    <p:sldId id="301" r:id="rId45"/>
+    <p:sldId id="302" r:id="rId46"/>
+    <p:sldId id="303" r:id="rId47"/>
+    <p:sldId id="300" r:id="rId48"/>
+    <p:sldId id="299" r:id="rId49"/>
   </p:sldIdLst>
   <p:sldSz cx="9144000" cy="6858000" type="screen4x3"/>
   <p:notesSz cx="6858000" cy="9144000"/>
@@ -127,7 +154,457 @@
       </a:defRPr>
     </a:lvl9pPr>
   </p:defaultTextStyle>
+  <p:extLst>
+    <p:ext uri="{EFAFB233-063F-42B5-8137-9DF3F51BA10A}">
+      <p15:sldGuideLst xmlns:p15="http://schemas.microsoft.com/office/powerpoint/2012/main">
+        <p15:guide id="1" orient="horz" pos="2160">
+          <p15:clr>
+            <a:srgbClr val="A4A3A4"/>
+          </p15:clr>
+        </p15:guide>
+        <p15:guide id="2" pos="2880">
+          <p15:clr>
+            <a:srgbClr val="A4A3A4"/>
+          </p15:clr>
+        </p15:guide>
+      </p15:sldGuideLst>
+    </p:ext>
+  </p:extLst>
 </p:presentation>
+</file>
+
+<file path=ppt/notesMasters/notesMaster1.xml><?xml version="1.0" encoding="utf-8"?>
+<p:notesMaster xmlns:a="http://schemas.openxmlformats.org/drawingml/2006/main" xmlns:r="http://schemas.openxmlformats.org/officeDocument/2006/relationships" xmlns:p="http://schemas.openxmlformats.org/presentationml/2006/main">
+  <p:cSld>
+    <p:bg>
+      <p:bgRef idx="1001">
+        <a:schemeClr val="bg1"/>
+      </p:bgRef>
+    </p:bg>
+    <p:spTree>
+      <p:nvGrpSpPr>
+        <p:cNvPr id="1" name=""/>
+        <p:cNvGrpSpPr/>
+        <p:nvPr/>
+      </p:nvGrpSpPr>
+      <p:grpSpPr>
+        <a:xfrm>
+          <a:off x="0" y="0"/>
+          <a:ext cx="0" cy="0"/>
+          <a:chOff x="0" y="0"/>
+          <a:chExt cx="0" cy="0"/>
+        </a:xfrm>
+      </p:grpSpPr>
+      <p:sp>
+        <p:nvSpPr>
+          <p:cNvPr id="2" name="頁首版面配置區 1"/>
+          <p:cNvSpPr>
+            <a:spLocks noGrp="1"/>
+          </p:cNvSpPr>
+          <p:nvPr>
+            <p:ph type="hdr" sz="quarter"/>
+          </p:nvPr>
+        </p:nvSpPr>
+        <p:spPr>
+          <a:xfrm>
+            <a:off x="0" y="0"/>
+            <a:ext cx="2971800" cy="458788"/>
+          </a:xfrm>
+          <a:prstGeom prst="rect">
+            <a:avLst/>
+          </a:prstGeom>
+        </p:spPr>
+        <p:txBody>
+          <a:bodyPr vert="horz" lIns="91440" tIns="45720" rIns="91440" bIns="45720" rtlCol="0"/>
+          <a:lstStyle>
+            <a:lvl1pPr algn="l">
+              <a:defRPr sz="1200"/>
+            </a:lvl1pPr>
+          </a:lstStyle>
+          <a:p>
+            <a:endParaRPr lang="zh-TW" altLang="en-US"/>
+          </a:p>
+        </p:txBody>
+      </p:sp>
+      <p:sp>
+        <p:nvSpPr>
+          <p:cNvPr id="3" name="日期版面配置區 2"/>
+          <p:cNvSpPr>
+            <a:spLocks noGrp="1"/>
+          </p:cNvSpPr>
+          <p:nvPr>
+            <p:ph type="dt" idx="1"/>
+          </p:nvPr>
+        </p:nvSpPr>
+        <p:spPr>
+          <a:xfrm>
+            <a:off x="3884613" y="0"/>
+            <a:ext cx="2971800" cy="458788"/>
+          </a:xfrm>
+          <a:prstGeom prst="rect">
+            <a:avLst/>
+          </a:prstGeom>
+        </p:spPr>
+        <p:txBody>
+          <a:bodyPr vert="horz" lIns="91440" tIns="45720" rIns="91440" bIns="45720" rtlCol="0"/>
+          <a:lstStyle>
+            <a:lvl1pPr algn="r">
+              <a:defRPr sz="1200"/>
+            </a:lvl1pPr>
+          </a:lstStyle>
+          <a:p>
+            <a:fld id="{1862D4FE-A2D6-4ADF-90BB-F2F48BCF42C5}" type="datetimeFigureOut">
+              <a:rPr lang="zh-TW" altLang="en-US" smtClean="0"/>
+              <a:t>2021/3/3</a:t>
+            </a:fld>
+            <a:endParaRPr lang="zh-TW" altLang="en-US"/>
+          </a:p>
+        </p:txBody>
+      </p:sp>
+      <p:sp>
+        <p:nvSpPr>
+          <p:cNvPr id="4" name="投影片圖像版面配置區 3"/>
+          <p:cNvSpPr>
+            <a:spLocks noGrp="1" noRot="1" noChangeAspect="1"/>
+          </p:cNvSpPr>
+          <p:nvPr>
+            <p:ph type="sldImg" idx="2"/>
+          </p:nvPr>
+        </p:nvSpPr>
+        <p:spPr>
+          <a:xfrm>
+            <a:off x="1371600" y="1143000"/>
+            <a:ext cx="4114800" cy="3086100"/>
+          </a:xfrm>
+          <a:prstGeom prst="rect">
+            <a:avLst/>
+          </a:prstGeom>
+          <a:noFill/>
+          <a:ln w="12700">
+            <a:solidFill>
+              <a:prstClr val="black"/>
+            </a:solidFill>
+          </a:ln>
+        </p:spPr>
+        <p:txBody>
+          <a:bodyPr vert="horz" lIns="91440" tIns="45720" rIns="91440" bIns="45720" rtlCol="0" anchor="ctr"/>
+          <a:lstStyle/>
+          <a:p>
+            <a:endParaRPr lang="zh-TW" altLang="en-US"/>
+          </a:p>
+        </p:txBody>
+      </p:sp>
+      <p:sp>
+        <p:nvSpPr>
+          <p:cNvPr id="5" name="備忘稿版面配置區 4"/>
+          <p:cNvSpPr>
+            <a:spLocks noGrp="1"/>
+          </p:cNvSpPr>
+          <p:nvPr>
+            <p:ph type="body" sz="quarter" idx="3"/>
+          </p:nvPr>
+        </p:nvSpPr>
+        <p:spPr>
+          <a:xfrm>
+            <a:off x="685800" y="4400550"/>
+            <a:ext cx="5486400" cy="3600450"/>
+          </a:xfrm>
+          <a:prstGeom prst="rect">
+            <a:avLst/>
+          </a:prstGeom>
+        </p:spPr>
+        <p:txBody>
+          <a:bodyPr vert="horz" lIns="91440" tIns="45720" rIns="91440" bIns="45720" rtlCol="0"/>
+          <a:lstStyle/>
+          <a:p>
+            <a:pPr lvl="0"/>
+            <a:r>
+              <a:rPr lang="zh-TW" altLang="en-US" smtClean="0"/>
+              <a:t>按一下以編輯母片文字樣式</a:t>
+            </a:r>
+          </a:p>
+          <a:p>
+            <a:pPr lvl="1"/>
+            <a:r>
+              <a:rPr lang="zh-TW" altLang="en-US" smtClean="0"/>
+              <a:t>第二層</a:t>
+            </a:r>
+          </a:p>
+          <a:p>
+            <a:pPr lvl="2"/>
+            <a:r>
+              <a:rPr lang="zh-TW" altLang="en-US" smtClean="0"/>
+              <a:t>第三層</a:t>
+            </a:r>
+          </a:p>
+          <a:p>
+            <a:pPr lvl="3"/>
+            <a:r>
+              <a:rPr lang="zh-TW" altLang="en-US" smtClean="0"/>
+              <a:t>第四層</a:t>
+            </a:r>
+          </a:p>
+          <a:p>
+            <a:pPr lvl="4"/>
+            <a:r>
+              <a:rPr lang="zh-TW" altLang="en-US" smtClean="0"/>
+              <a:t>第五層</a:t>
+            </a:r>
+            <a:endParaRPr lang="zh-TW" altLang="en-US"/>
+          </a:p>
+        </p:txBody>
+      </p:sp>
+      <p:sp>
+        <p:nvSpPr>
+          <p:cNvPr id="6" name="頁尾版面配置區 5"/>
+          <p:cNvSpPr>
+            <a:spLocks noGrp="1"/>
+          </p:cNvSpPr>
+          <p:nvPr>
+            <p:ph type="ftr" sz="quarter" idx="4"/>
+          </p:nvPr>
+        </p:nvSpPr>
+        <p:spPr>
+          <a:xfrm>
+            <a:off x="0" y="8685213"/>
+            <a:ext cx="2971800" cy="458787"/>
+          </a:xfrm>
+          <a:prstGeom prst="rect">
+            <a:avLst/>
+          </a:prstGeom>
+        </p:spPr>
+        <p:txBody>
+          <a:bodyPr vert="horz" lIns="91440" tIns="45720" rIns="91440" bIns="45720" rtlCol="0" anchor="b"/>
+          <a:lstStyle>
+            <a:lvl1pPr algn="l">
+              <a:defRPr sz="1200"/>
+            </a:lvl1pPr>
+          </a:lstStyle>
+          <a:p>
+            <a:endParaRPr lang="zh-TW" altLang="en-US"/>
+          </a:p>
+        </p:txBody>
+      </p:sp>
+      <p:sp>
+        <p:nvSpPr>
+          <p:cNvPr id="7" name="投影片編號版面配置區 6"/>
+          <p:cNvSpPr>
+            <a:spLocks noGrp="1"/>
+          </p:cNvSpPr>
+          <p:nvPr>
+            <p:ph type="sldNum" sz="quarter" idx="5"/>
+          </p:nvPr>
+        </p:nvSpPr>
+        <p:spPr>
+          <a:xfrm>
+            <a:off x="3884613" y="8685213"/>
+            <a:ext cx="2971800" cy="458787"/>
+          </a:xfrm>
+          <a:prstGeom prst="rect">
+            <a:avLst/>
+          </a:prstGeom>
+        </p:spPr>
+        <p:txBody>
+          <a:bodyPr vert="horz" lIns="91440" tIns="45720" rIns="91440" bIns="45720" rtlCol="0" anchor="b"/>
+          <a:lstStyle>
+            <a:lvl1pPr algn="r">
+              <a:defRPr sz="1200"/>
+            </a:lvl1pPr>
+          </a:lstStyle>
+          <a:p>
+            <a:fld id="{DEDC0017-4323-42D3-8ECC-63A290CC0868}" type="slidenum">
+              <a:rPr lang="zh-TW" altLang="en-US" smtClean="0"/>
+              <a:t>‹#›</a:t>
+            </a:fld>
+            <a:endParaRPr lang="zh-TW" altLang="en-US"/>
+          </a:p>
+        </p:txBody>
+      </p:sp>
+    </p:spTree>
+    <p:extLst>
+      <p:ext uri="{BB962C8B-B14F-4D97-AF65-F5344CB8AC3E}">
+        <p14:creationId xmlns:p14="http://schemas.microsoft.com/office/powerpoint/2010/main" val="853300990"/>
+      </p:ext>
+    </p:extLst>
+  </p:cSld>
+  <p:clrMap bg1="lt1" tx1="dk1" bg2="lt2" tx2="dk2" accent1="accent1" accent2="accent2" accent3="accent3" accent4="accent4" accent5="accent5" accent6="accent6" hlink="hlink" folHlink="folHlink"/>
+  <p:notesStyle>
+    <a:lvl1pPr marL="0" algn="l" defTabSz="914400" rtl="0" eaLnBrk="1" latinLnBrk="0" hangingPunct="1">
+      <a:defRPr sz="1200" kern="1200">
+        <a:solidFill>
+          <a:schemeClr val="tx1"/>
+        </a:solidFill>
+        <a:latin typeface="+mn-lt"/>
+        <a:ea typeface="+mn-ea"/>
+        <a:cs typeface="+mn-cs"/>
+      </a:defRPr>
+    </a:lvl1pPr>
+    <a:lvl2pPr marL="457200" algn="l" defTabSz="914400" rtl="0" eaLnBrk="1" latinLnBrk="0" hangingPunct="1">
+      <a:defRPr sz="1200" kern="1200">
+        <a:solidFill>
+          <a:schemeClr val="tx1"/>
+        </a:solidFill>
+        <a:latin typeface="+mn-lt"/>
+        <a:ea typeface="+mn-ea"/>
+        <a:cs typeface="+mn-cs"/>
+      </a:defRPr>
+    </a:lvl2pPr>
+    <a:lvl3pPr marL="914400" algn="l" defTabSz="914400" rtl="0" eaLnBrk="1" latinLnBrk="0" hangingPunct="1">
+      <a:defRPr sz="1200" kern="1200">
+        <a:solidFill>
+          <a:schemeClr val="tx1"/>
+        </a:solidFill>
+        <a:latin typeface="+mn-lt"/>
+        <a:ea typeface="+mn-ea"/>
+        <a:cs typeface="+mn-cs"/>
+      </a:defRPr>
+    </a:lvl3pPr>
+    <a:lvl4pPr marL="1371600" algn="l" defTabSz="914400" rtl="0" eaLnBrk="1" latinLnBrk="0" hangingPunct="1">
+      <a:defRPr sz="1200" kern="1200">
+        <a:solidFill>
+          <a:schemeClr val="tx1"/>
+        </a:solidFill>
+        <a:latin typeface="+mn-lt"/>
+        <a:ea typeface="+mn-ea"/>
+        <a:cs typeface="+mn-cs"/>
+      </a:defRPr>
+    </a:lvl4pPr>
+    <a:lvl5pPr marL="1828800" algn="l" defTabSz="914400" rtl="0" eaLnBrk="1" latinLnBrk="0" hangingPunct="1">
+      <a:defRPr sz="1200" kern="1200">
+        <a:solidFill>
+          <a:schemeClr val="tx1"/>
+        </a:solidFill>
+        <a:latin typeface="+mn-lt"/>
+        <a:ea typeface="+mn-ea"/>
+        <a:cs typeface="+mn-cs"/>
+      </a:defRPr>
+    </a:lvl5pPr>
+    <a:lvl6pPr marL="2286000" algn="l" defTabSz="914400" rtl="0" eaLnBrk="1" latinLnBrk="0" hangingPunct="1">
+      <a:defRPr sz="1200" kern="1200">
+        <a:solidFill>
+          <a:schemeClr val="tx1"/>
+        </a:solidFill>
+        <a:latin typeface="+mn-lt"/>
+        <a:ea typeface="+mn-ea"/>
+        <a:cs typeface="+mn-cs"/>
+      </a:defRPr>
+    </a:lvl6pPr>
+    <a:lvl7pPr marL="2743200" algn="l" defTabSz="914400" rtl="0" eaLnBrk="1" latinLnBrk="0" hangingPunct="1">
+      <a:defRPr sz="1200" kern="1200">
+        <a:solidFill>
+          <a:schemeClr val="tx1"/>
+        </a:solidFill>
+        <a:latin typeface="+mn-lt"/>
+        <a:ea typeface="+mn-ea"/>
+        <a:cs typeface="+mn-cs"/>
+      </a:defRPr>
+    </a:lvl7pPr>
+    <a:lvl8pPr marL="3200400" algn="l" defTabSz="914400" rtl="0" eaLnBrk="1" latinLnBrk="0" hangingPunct="1">
+      <a:defRPr sz="1200" kern="1200">
+        <a:solidFill>
+          <a:schemeClr val="tx1"/>
+        </a:solidFill>
+        <a:latin typeface="+mn-lt"/>
+        <a:ea typeface="+mn-ea"/>
+        <a:cs typeface="+mn-cs"/>
+      </a:defRPr>
+    </a:lvl8pPr>
+    <a:lvl9pPr marL="3657600" algn="l" defTabSz="914400" rtl="0" eaLnBrk="1" latinLnBrk="0" hangingPunct="1">
+      <a:defRPr sz="1200" kern="1200">
+        <a:solidFill>
+          <a:schemeClr val="tx1"/>
+        </a:solidFill>
+        <a:latin typeface="+mn-lt"/>
+        <a:ea typeface="+mn-ea"/>
+        <a:cs typeface="+mn-cs"/>
+      </a:defRPr>
+    </a:lvl9pPr>
+  </p:notesStyle>
+</p:notesMaster>
+</file>
+
+<file path=ppt/notesSlides/notesSlide1.xml><?xml version="1.0" encoding="utf-8"?>
+<p:notes xmlns:a="http://schemas.openxmlformats.org/drawingml/2006/main" xmlns:r="http://schemas.openxmlformats.org/officeDocument/2006/relationships" xmlns:p="http://schemas.openxmlformats.org/presentationml/2006/main">
+  <p:cSld>
+    <p:spTree>
+      <p:nvGrpSpPr>
+        <p:cNvPr id="1" name=""/>
+        <p:cNvGrpSpPr/>
+        <p:nvPr/>
+      </p:nvGrpSpPr>
+      <p:grpSpPr>
+        <a:xfrm>
+          <a:off x="0" y="0"/>
+          <a:ext cx="0" cy="0"/>
+          <a:chOff x="0" y="0"/>
+          <a:chExt cx="0" cy="0"/>
+        </a:xfrm>
+      </p:grpSpPr>
+      <p:sp>
+        <p:nvSpPr>
+          <p:cNvPr id="2" name="投影片圖像版面配置區 1"/>
+          <p:cNvSpPr>
+            <a:spLocks noGrp="1" noRot="1" noChangeAspect="1"/>
+          </p:cNvSpPr>
+          <p:nvPr>
+            <p:ph type="sldImg"/>
+          </p:nvPr>
+        </p:nvSpPr>
+        <p:spPr/>
+      </p:sp>
+      <p:sp>
+        <p:nvSpPr>
+          <p:cNvPr id="3" name="備忘稿版面配置區 2"/>
+          <p:cNvSpPr>
+            <a:spLocks noGrp="1"/>
+          </p:cNvSpPr>
+          <p:nvPr>
+            <p:ph type="body" idx="1"/>
+          </p:nvPr>
+        </p:nvSpPr>
+        <p:spPr/>
+        <p:txBody>
+          <a:bodyPr/>
+          <a:lstStyle/>
+          <a:p>
+            <a:endParaRPr lang="zh-TW" altLang="en-US" dirty="0"/>
+          </a:p>
+        </p:txBody>
+      </p:sp>
+      <p:sp>
+        <p:nvSpPr>
+          <p:cNvPr id="4" name="投影片編號版面配置區 3"/>
+          <p:cNvSpPr>
+            <a:spLocks noGrp="1"/>
+          </p:cNvSpPr>
+          <p:nvPr>
+            <p:ph type="sldNum" sz="quarter" idx="10"/>
+          </p:nvPr>
+        </p:nvSpPr>
+        <p:spPr/>
+        <p:txBody>
+          <a:bodyPr/>
+          <a:lstStyle/>
+          <a:p>
+            <a:fld id="{DEDC0017-4323-42D3-8ECC-63A290CC0868}" type="slidenum">
+              <a:rPr lang="zh-TW" altLang="en-US" smtClean="0"/>
+              <a:t>20</a:t>
+            </a:fld>
+            <a:endParaRPr lang="zh-TW" altLang="en-US"/>
+          </a:p>
+        </p:txBody>
+      </p:sp>
+    </p:spTree>
+    <p:extLst>
+      <p:ext uri="{BB962C8B-B14F-4D97-AF65-F5344CB8AC3E}">
+        <p14:creationId xmlns:p14="http://schemas.microsoft.com/office/powerpoint/2010/main" val="3427514409"/>
+      </p:ext>
+    </p:extLst>
+  </p:cSld>
+  <p:clrMapOvr>
+    <a:masterClrMapping/>
+  </p:clrMapOvr>
+</p:notes>
 </file>
 
 <file path=ppt/slideLayouts/slideLayout1.xml><?xml version="1.0" encoding="utf-8"?>
@@ -3173,7 +3650,7 @@
       </p:grpSpPr>
       <p:pic>
         <p:nvPicPr>
-          <p:cNvPr id="4098" name="Picture 2"/>
+          <p:cNvPr id="6146" name="Picture 2"/>
           <p:cNvPicPr>
             <a:picLocks noChangeAspect="1" noChangeArrowheads="1"/>
           </p:cNvPicPr>
@@ -3194,8 +3671,8 @@
         </p:blipFill>
         <p:spPr bwMode="auto">
           <a:xfrm>
-            <a:off x="2411760" y="749923"/>
-            <a:ext cx="5648325" cy="2914650"/>
+            <a:off x="2195736" y="185557"/>
+            <a:ext cx="6353175" cy="3362325"/>
           </a:xfrm>
           <a:prstGeom prst="rect">
             <a:avLst/>
@@ -3237,7 +3714,7 @@
       </p:pic>
       <p:pic>
         <p:nvPicPr>
-          <p:cNvPr id="4099" name="Picture 3"/>
+          <p:cNvPr id="6147" name="Picture 3"/>
           <p:cNvPicPr>
             <a:picLocks noChangeAspect="1" noChangeArrowheads="1"/>
           </p:cNvPicPr>
@@ -3258,8 +3735,8 @@
         </p:blipFill>
         <p:spPr bwMode="auto">
           <a:xfrm>
-            <a:off x="683568" y="4077072"/>
-            <a:ext cx="8121109" cy="1870802"/>
+            <a:off x="3491880" y="3685288"/>
+            <a:ext cx="4118788" cy="2708895"/>
           </a:xfrm>
           <a:prstGeom prst="rect">
             <a:avLst/>
@@ -3308,7 +3785,7 @@
         <p:spPr>
           <a:xfrm>
             <a:off x="539552" y="548680"/>
-            <a:ext cx="1581010" cy="523220"/>
+            <a:ext cx="617477" cy="523220"/>
           </a:xfrm>
           <a:prstGeom prst="rect">
             <a:avLst/>
@@ -3323,7 +3800,7 @@
           <a:p>
             <a:r>
               <a:rPr lang="en-US" altLang="zh-TW" sz="2800" dirty="0" smtClean="0"/>
-              <a:t>comment</a:t>
+              <a:t>div</a:t>
             </a:r>
             <a:endParaRPr lang="zh-TW" altLang="en-US" sz="2800" dirty="0"/>
           </a:p>
@@ -3332,7 +3809,7 @@
     </p:spTree>
     <p:extLst>
       <p:ext uri="{BB962C8B-B14F-4D97-AF65-F5344CB8AC3E}">
-        <p14:creationId xmlns:p14="http://schemas.microsoft.com/office/powerpoint/2010/main" val="1625780040"/>
+        <p14:creationId xmlns:p14="http://schemas.microsoft.com/office/powerpoint/2010/main" val="3712141395"/>
       </p:ext>
     </p:extLst>
   </p:cSld>
@@ -3361,7 +3838,7 @@
       </p:grpSpPr>
       <p:pic>
         <p:nvPicPr>
-          <p:cNvPr id="9218" name="Picture 2"/>
+          <p:cNvPr id="4098" name="Picture 2"/>
           <p:cNvPicPr>
             <a:picLocks noChangeAspect="1" noChangeArrowheads="1"/>
           </p:cNvPicPr>
@@ -3382,8 +3859,8 @@
         </p:blipFill>
         <p:spPr bwMode="auto">
           <a:xfrm>
-            <a:off x="227869" y="1772816"/>
-            <a:ext cx="4238052" cy="4090090"/>
+            <a:off x="2411760" y="749923"/>
+            <a:ext cx="5648325" cy="2914650"/>
           </a:xfrm>
           <a:prstGeom prst="rect">
             <a:avLst/>
@@ -3425,7 +3902,7 @@
       </p:pic>
       <p:pic>
         <p:nvPicPr>
-          <p:cNvPr id="9219" name="Picture 3"/>
+          <p:cNvPr id="4099" name="Picture 3"/>
           <p:cNvPicPr>
             <a:picLocks noChangeAspect="1" noChangeArrowheads="1"/>
           </p:cNvPicPr>
@@ -3446,8 +3923,8 @@
         </p:blipFill>
         <p:spPr bwMode="auto">
           <a:xfrm>
-            <a:off x="4860032" y="1819866"/>
-            <a:ext cx="3816424" cy="3751957"/>
+            <a:off x="683568" y="4077072"/>
+            <a:ext cx="8121109" cy="1870802"/>
           </a:xfrm>
           <a:prstGeom prst="rect">
             <a:avLst/>
@@ -3489,14 +3966,14 @@
       </p:pic>
       <p:sp>
         <p:nvSpPr>
-          <p:cNvPr id="2" name="文字方塊 1"/>
+          <p:cNvPr id="4" name="文字方塊 3"/>
           <p:cNvSpPr txBox="1"/>
           <p:nvPr/>
         </p:nvSpPr>
         <p:spPr>
           <a:xfrm>
             <a:off x="539552" y="548680"/>
-            <a:ext cx="1095172" cy="523220"/>
+            <a:ext cx="1581010" cy="523220"/>
           </a:xfrm>
           <a:prstGeom prst="rect">
             <a:avLst/>
@@ -3511,7 +3988,7 @@
           <a:p>
             <a:r>
               <a:rPr lang="en-US" altLang="zh-TW" sz="2800" dirty="0" smtClean="0"/>
-              <a:t>article</a:t>
+              <a:t>comment</a:t>
             </a:r>
             <a:endParaRPr lang="zh-TW" altLang="en-US" sz="2800" dirty="0"/>
           </a:p>
@@ -3520,7 +3997,7 @@
     </p:spTree>
     <p:extLst>
       <p:ext uri="{BB962C8B-B14F-4D97-AF65-F5344CB8AC3E}">
-        <p14:creationId xmlns:p14="http://schemas.microsoft.com/office/powerpoint/2010/main" val="2248132824"/>
+        <p14:creationId xmlns:p14="http://schemas.microsoft.com/office/powerpoint/2010/main" val="1625780040"/>
       </p:ext>
     </p:extLst>
   </p:cSld>
@@ -3549,7 +4026,7 @@
       </p:grpSpPr>
       <p:pic>
         <p:nvPicPr>
-          <p:cNvPr id="10242" name="Picture 2"/>
+          <p:cNvPr id="9218" name="Picture 2"/>
           <p:cNvPicPr>
             <a:picLocks noChangeAspect="1" noChangeArrowheads="1"/>
           </p:cNvPicPr>
@@ -3570,8 +4047,8 @@
         </p:blipFill>
         <p:spPr bwMode="auto">
           <a:xfrm>
-            <a:off x="251520" y="1228725"/>
-            <a:ext cx="3552825" cy="4400550"/>
+            <a:off x="227869" y="1772816"/>
+            <a:ext cx="4238052" cy="4090090"/>
           </a:xfrm>
           <a:prstGeom prst="rect">
             <a:avLst/>
@@ -3613,7 +4090,7 @@
       </p:pic>
       <p:pic>
         <p:nvPicPr>
-          <p:cNvPr id="10243" name="Picture 3"/>
+          <p:cNvPr id="9219" name="Picture 3"/>
           <p:cNvPicPr>
             <a:picLocks noChangeAspect="1" noChangeArrowheads="1"/>
           </p:cNvPicPr>
@@ -3634,8 +4111,8 @@
         </p:blipFill>
         <p:spPr bwMode="auto">
           <a:xfrm>
-            <a:off x="4211960" y="1565207"/>
-            <a:ext cx="4536504" cy="3727585"/>
+            <a:off x="4860032" y="1819866"/>
+            <a:ext cx="3816424" cy="3751957"/>
           </a:xfrm>
           <a:prstGeom prst="rect">
             <a:avLst/>
@@ -3683,8 +4160,8 @@
         </p:nvSpPr>
         <p:spPr>
           <a:xfrm>
-            <a:off x="827584" y="476672"/>
-            <a:ext cx="1236236" cy="523220"/>
+            <a:off x="539552" y="548680"/>
+            <a:ext cx="1095172" cy="523220"/>
           </a:xfrm>
           <a:prstGeom prst="rect">
             <a:avLst/>
@@ -3699,7 +4176,7 @@
           <a:p>
             <a:r>
               <a:rPr lang="en-US" altLang="zh-TW" sz="2800" dirty="0" smtClean="0"/>
-              <a:t>section</a:t>
+              <a:t>article</a:t>
             </a:r>
             <a:endParaRPr lang="zh-TW" altLang="en-US" sz="2800" dirty="0"/>
           </a:p>
@@ -3708,7 +4185,7 @@
     </p:spTree>
     <p:extLst>
       <p:ext uri="{BB962C8B-B14F-4D97-AF65-F5344CB8AC3E}">
-        <p14:creationId xmlns:p14="http://schemas.microsoft.com/office/powerpoint/2010/main" val="778148146"/>
+        <p14:creationId xmlns:p14="http://schemas.microsoft.com/office/powerpoint/2010/main" val="2248132824"/>
       </p:ext>
     </p:extLst>
   </p:cSld>
@@ -3735,39 +4212,9 @@
           <a:chExt cx="0" cy="0"/>
         </a:xfrm>
       </p:grpSpPr>
-      <p:sp>
-        <p:nvSpPr>
-          <p:cNvPr id="2" name="文字方塊 1"/>
-          <p:cNvSpPr txBox="1"/>
-          <p:nvPr/>
-        </p:nvSpPr>
-        <p:spPr>
-          <a:xfrm>
-            <a:off x="539552" y="548680"/>
-            <a:ext cx="701282" cy="523220"/>
-          </a:xfrm>
-          <a:prstGeom prst="rect">
-            <a:avLst/>
-          </a:prstGeom>
-          <a:noFill/>
-        </p:spPr>
-        <p:txBody>
-          <a:bodyPr wrap="none" rtlCol="0">
-            <a:spAutoFit/>
-          </a:bodyPr>
-          <a:lstStyle/>
-          <a:p>
-            <a:r>
-              <a:rPr lang="en-US" altLang="zh-TW" sz="2800" dirty="0" err="1" smtClean="0"/>
-              <a:t>nav</a:t>
-            </a:r>
-            <a:endParaRPr lang="zh-TW" altLang="en-US" sz="2800" dirty="0"/>
-          </a:p>
-        </p:txBody>
-      </p:sp>
       <p:pic>
         <p:nvPicPr>
-          <p:cNvPr id="11266" name="Picture 2"/>
+          <p:cNvPr id="10242" name="Picture 2"/>
           <p:cNvPicPr>
             <a:picLocks noChangeAspect="1" noChangeArrowheads="1"/>
           </p:cNvPicPr>
@@ -3788,8 +4235,8 @@
         </p:blipFill>
         <p:spPr bwMode="auto">
           <a:xfrm>
-            <a:off x="1835696" y="404664"/>
-            <a:ext cx="6391275" cy="3400425"/>
+            <a:off x="251520" y="1228725"/>
+            <a:ext cx="3552825" cy="4400550"/>
           </a:xfrm>
           <a:prstGeom prst="rect">
             <a:avLst/>
@@ -3831,7 +4278,7 @@
       </p:pic>
       <p:pic>
         <p:nvPicPr>
-          <p:cNvPr id="11267" name="Picture 3"/>
+          <p:cNvPr id="10243" name="Picture 3"/>
           <p:cNvPicPr>
             <a:picLocks noChangeAspect="1" noChangeArrowheads="1"/>
           </p:cNvPicPr>
@@ -3852,8 +4299,8 @@
         </p:blipFill>
         <p:spPr bwMode="auto">
           <a:xfrm>
-            <a:off x="3635896" y="3429000"/>
-            <a:ext cx="3456384" cy="3137333"/>
+            <a:off x="4211960" y="1565207"/>
+            <a:ext cx="4536504" cy="3727585"/>
           </a:xfrm>
           <a:prstGeom prst="rect">
             <a:avLst/>
@@ -3893,10 +4340,40 @@
           </a:extLst>
         </p:spPr>
       </p:pic>
+      <p:sp>
+        <p:nvSpPr>
+          <p:cNvPr id="2" name="文字方塊 1"/>
+          <p:cNvSpPr txBox="1"/>
+          <p:nvPr/>
+        </p:nvSpPr>
+        <p:spPr>
+          <a:xfrm>
+            <a:off x="827584" y="476672"/>
+            <a:ext cx="1236236" cy="523220"/>
+          </a:xfrm>
+          <a:prstGeom prst="rect">
+            <a:avLst/>
+          </a:prstGeom>
+          <a:noFill/>
+        </p:spPr>
+        <p:txBody>
+          <a:bodyPr wrap="none" rtlCol="0">
+            <a:spAutoFit/>
+          </a:bodyPr>
+          <a:lstStyle/>
+          <a:p>
+            <a:r>
+              <a:rPr lang="en-US" altLang="zh-TW" sz="2800" dirty="0" smtClean="0"/>
+              <a:t>section</a:t>
+            </a:r>
+            <a:endParaRPr lang="zh-TW" altLang="en-US" sz="2800" dirty="0"/>
+          </a:p>
+        </p:txBody>
+      </p:sp>
     </p:spTree>
     <p:extLst>
       <p:ext uri="{BB962C8B-B14F-4D97-AF65-F5344CB8AC3E}">
-        <p14:creationId xmlns:p14="http://schemas.microsoft.com/office/powerpoint/2010/main" val="3250349904"/>
+        <p14:creationId xmlns:p14="http://schemas.microsoft.com/office/powerpoint/2010/main" val="778148146"/>
       </p:ext>
     </p:extLst>
   </p:cSld>
@@ -3932,7 +4409,7 @@
         <p:spPr>
           <a:xfrm>
             <a:off x="539552" y="548680"/>
-            <a:ext cx="1215397" cy="523220"/>
+            <a:ext cx="701282" cy="523220"/>
           </a:xfrm>
           <a:prstGeom prst="rect">
             <a:avLst/>
@@ -3946,8 +4423,8 @@
           <a:lstStyle/>
           <a:p>
             <a:r>
-              <a:rPr lang="en-US" altLang="zh-TW" sz="2800" dirty="0" smtClean="0"/>
-              <a:t>header</a:t>
+              <a:rPr lang="en-US" altLang="zh-TW" sz="2800" dirty="0" err="1" smtClean="0"/>
+              <a:t>nav</a:t>
             </a:r>
             <a:endParaRPr lang="zh-TW" altLang="en-US" sz="2800" dirty="0"/>
           </a:p>
@@ -3955,7 +4432,7 @@
       </p:sp>
       <p:pic>
         <p:nvPicPr>
-          <p:cNvPr id="12290" name="Picture 2"/>
+          <p:cNvPr id="11266" name="Picture 2"/>
           <p:cNvPicPr>
             <a:picLocks noChangeAspect="1" noChangeArrowheads="1"/>
           </p:cNvPicPr>
@@ -3976,8 +4453,8 @@
         </p:blipFill>
         <p:spPr bwMode="auto">
           <a:xfrm>
-            <a:off x="1979712" y="332656"/>
-            <a:ext cx="6743700" cy="3676650"/>
+            <a:off x="1835696" y="404664"/>
+            <a:ext cx="6391275" cy="3400425"/>
           </a:xfrm>
           <a:prstGeom prst="rect">
             <a:avLst/>
@@ -4019,7 +4496,7 @@
       </p:pic>
       <p:pic>
         <p:nvPicPr>
-          <p:cNvPr id="12291" name="Picture 3"/>
+          <p:cNvPr id="11267" name="Picture 3"/>
           <p:cNvPicPr>
             <a:picLocks noChangeAspect="1" noChangeArrowheads="1"/>
           </p:cNvPicPr>
@@ -4040,8 +4517,8 @@
         </p:blipFill>
         <p:spPr bwMode="auto">
           <a:xfrm>
-            <a:off x="3779912" y="3479950"/>
-            <a:ext cx="4320480" cy="2996281"/>
+            <a:off x="3635896" y="3429000"/>
+            <a:ext cx="3456384" cy="3137333"/>
           </a:xfrm>
           <a:prstGeom prst="rect">
             <a:avLst/>
@@ -4084,7 +4561,7 @@
     </p:spTree>
     <p:extLst>
       <p:ext uri="{BB962C8B-B14F-4D97-AF65-F5344CB8AC3E}">
-        <p14:creationId xmlns:p14="http://schemas.microsoft.com/office/powerpoint/2010/main" val="3801466532"/>
+        <p14:creationId xmlns:p14="http://schemas.microsoft.com/office/powerpoint/2010/main" val="3250349904"/>
       </p:ext>
     </p:extLst>
   </p:cSld>
@@ -4120,7 +4597,7 @@
         <p:spPr>
           <a:xfrm>
             <a:off x="539552" y="548680"/>
-            <a:ext cx="946093" cy="523220"/>
+            <a:ext cx="1215397" cy="523220"/>
           </a:xfrm>
           <a:prstGeom prst="rect">
             <a:avLst/>
@@ -4135,7 +4612,7 @@
           <a:p>
             <a:r>
               <a:rPr lang="en-US" altLang="zh-TW" sz="2800" dirty="0" smtClean="0"/>
-              <a:t>aside</a:t>
+              <a:t>header</a:t>
             </a:r>
             <a:endParaRPr lang="zh-TW" altLang="en-US" sz="2800" dirty="0"/>
           </a:p>
@@ -4143,7 +4620,7 @@
       </p:sp>
       <p:pic>
         <p:nvPicPr>
-          <p:cNvPr id="13315" name="Picture 3"/>
+          <p:cNvPr id="12290" name="Picture 2"/>
           <p:cNvPicPr>
             <a:picLocks noChangeAspect="1" noChangeArrowheads="1"/>
           </p:cNvPicPr>
@@ -4164,8 +4641,8 @@
         </p:blipFill>
         <p:spPr bwMode="auto">
           <a:xfrm>
-            <a:off x="1907704" y="188640"/>
-            <a:ext cx="6172200" cy="4448175"/>
+            <a:off x="1979712" y="332656"/>
+            <a:ext cx="6743700" cy="3676650"/>
           </a:xfrm>
           <a:prstGeom prst="rect">
             <a:avLst/>
@@ -4207,7 +4684,7 @@
       </p:pic>
       <p:pic>
         <p:nvPicPr>
-          <p:cNvPr id="13316" name="Picture 4"/>
+          <p:cNvPr id="12291" name="Picture 3"/>
           <p:cNvPicPr>
             <a:picLocks noChangeAspect="1" noChangeArrowheads="1"/>
           </p:cNvPicPr>
@@ -4228,8 +4705,8 @@
         </p:blipFill>
         <p:spPr bwMode="auto">
           <a:xfrm>
-            <a:off x="4211960" y="3861048"/>
-            <a:ext cx="3456384" cy="2688299"/>
+            <a:off x="3779912" y="3479950"/>
+            <a:ext cx="4320480" cy="2996281"/>
           </a:xfrm>
           <a:prstGeom prst="rect">
             <a:avLst/>
@@ -4272,7 +4749,7 @@
     </p:spTree>
     <p:extLst>
       <p:ext uri="{BB962C8B-B14F-4D97-AF65-F5344CB8AC3E}">
-        <p14:creationId xmlns:p14="http://schemas.microsoft.com/office/powerpoint/2010/main" val="3467342460"/>
+        <p14:creationId xmlns:p14="http://schemas.microsoft.com/office/powerpoint/2010/main" val="3801466532"/>
       </p:ext>
     </p:extLst>
   </p:cSld>
@@ -4308,7 +4785,7 @@
         <p:spPr>
           <a:xfrm>
             <a:off x="539552" y="548680"/>
-            <a:ext cx="863506" cy="523220"/>
+            <a:ext cx="946093" cy="523220"/>
           </a:xfrm>
           <a:prstGeom prst="rect">
             <a:avLst/>
@@ -4323,7 +4800,7 @@
           <a:p>
             <a:r>
               <a:rPr lang="en-US" altLang="zh-TW" sz="2800" dirty="0" smtClean="0"/>
-              <a:t>style</a:t>
+              <a:t>aside</a:t>
             </a:r>
             <a:endParaRPr lang="zh-TW" altLang="en-US" sz="2800" dirty="0"/>
           </a:p>
@@ -4331,7 +4808,7 @@
       </p:sp>
       <p:pic>
         <p:nvPicPr>
-          <p:cNvPr id="15362" name="Picture 2"/>
+          <p:cNvPr id="13315" name="Picture 3"/>
           <p:cNvPicPr>
             <a:picLocks noChangeAspect="1" noChangeArrowheads="1"/>
           </p:cNvPicPr>
@@ -4352,8 +4829,8 @@
         </p:blipFill>
         <p:spPr bwMode="auto">
           <a:xfrm>
-            <a:off x="2123728" y="417276"/>
-            <a:ext cx="4680520" cy="2558370"/>
+            <a:off x="1907704" y="188640"/>
+            <a:ext cx="6172200" cy="4448175"/>
           </a:xfrm>
           <a:prstGeom prst="rect">
             <a:avLst/>
@@ -4395,7 +4872,7 @@
       </p:pic>
       <p:pic>
         <p:nvPicPr>
-          <p:cNvPr id="15363" name="Picture 3"/>
+          <p:cNvPr id="13316" name="Picture 4"/>
           <p:cNvPicPr>
             <a:picLocks noChangeAspect="1" noChangeArrowheads="1"/>
           </p:cNvPicPr>
@@ -4416,8 +4893,8 @@
         </p:blipFill>
         <p:spPr bwMode="auto">
           <a:xfrm>
-            <a:off x="1763688" y="3212976"/>
-            <a:ext cx="6276975" cy="3124200"/>
+            <a:off x="4211960" y="3861048"/>
+            <a:ext cx="3456384" cy="2688299"/>
           </a:xfrm>
           <a:prstGeom prst="rect">
             <a:avLst/>
@@ -4460,7 +4937,7 @@
     </p:spTree>
     <p:extLst>
       <p:ext uri="{BB962C8B-B14F-4D97-AF65-F5344CB8AC3E}">
-        <p14:creationId xmlns:p14="http://schemas.microsoft.com/office/powerpoint/2010/main" val="2977131587"/>
+        <p14:creationId xmlns:p14="http://schemas.microsoft.com/office/powerpoint/2010/main" val="3467342460"/>
       </p:ext>
     </p:extLst>
   </p:cSld>
@@ -4487,9 +4964,39 @@
           <a:chExt cx="0" cy="0"/>
         </a:xfrm>
       </p:grpSpPr>
+      <p:sp>
+        <p:nvSpPr>
+          <p:cNvPr id="2" name="文字方塊 1"/>
+          <p:cNvSpPr txBox="1"/>
+          <p:nvPr/>
+        </p:nvSpPr>
+        <p:spPr>
+          <a:xfrm>
+            <a:off x="539552" y="548680"/>
+            <a:ext cx="863506" cy="523220"/>
+          </a:xfrm>
+          <a:prstGeom prst="rect">
+            <a:avLst/>
+          </a:prstGeom>
+          <a:noFill/>
+        </p:spPr>
+        <p:txBody>
+          <a:bodyPr wrap="none" rtlCol="0">
+            <a:spAutoFit/>
+          </a:bodyPr>
+          <a:lstStyle/>
+          <a:p>
+            <a:r>
+              <a:rPr lang="en-US" altLang="zh-TW" sz="2800" dirty="0" smtClean="0"/>
+              <a:t>style</a:t>
+            </a:r>
+            <a:endParaRPr lang="zh-TW" altLang="en-US" sz="2800" dirty="0"/>
+          </a:p>
+        </p:txBody>
+      </p:sp>
       <p:pic>
         <p:nvPicPr>
-          <p:cNvPr id="14338" name="Picture 2"/>
+          <p:cNvPr id="15362" name="Picture 2"/>
           <p:cNvPicPr>
             <a:picLocks noChangeAspect="1" noChangeArrowheads="1"/>
           </p:cNvPicPr>
@@ -4510,8 +5017,8 @@
         </p:blipFill>
         <p:spPr bwMode="auto">
           <a:xfrm>
-            <a:off x="434608" y="332656"/>
-            <a:ext cx="2370128" cy="6160790"/>
+            <a:off x="2123728" y="417276"/>
+            <a:ext cx="4680520" cy="2558370"/>
           </a:xfrm>
           <a:prstGeom prst="rect">
             <a:avLst/>
@@ -4553,7 +5060,7 @@
       </p:pic>
       <p:pic>
         <p:nvPicPr>
-          <p:cNvPr id="14339" name="Picture 3"/>
+          <p:cNvPr id="15363" name="Picture 3"/>
           <p:cNvPicPr>
             <a:picLocks noChangeAspect="1" noChangeArrowheads="1"/>
           </p:cNvPicPr>
@@ -4574,8 +5081,8 @@
         </p:blipFill>
         <p:spPr bwMode="auto">
           <a:xfrm>
-            <a:off x="3203848" y="404664"/>
-            <a:ext cx="3888432" cy="1657364"/>
+            <a:off x="1763688" y="3212976"/>
+            <a:ext cx="6276975" cy="3124200"/>
           </a:xfrm>
           <a:prstGeom prst="rect">
             <a:avLst/>
@@ -4615,74 +5122,10 @@
           </a:extLst>
         </p:spPr>
       </p:pic>
-      <p:pic>
-        <p:nvPicPr>
-          <p:cNvPr id="14340" name="Picture 4"/>
-          <p:cNvPicPr>
-            <a:picLocks noChangeAspect="1" noChangeArrowheads="1"/>
-          </p:cNvPicPr>
-          <p:nvPr/>
-        </p:nvPicPr>
-        <p:blipFill>
-          <a:blip r:embed="rId4">
-            <a:extLst>
-              <a:ext uri="{28A0092B-C50C-407E-A947-70E740481C1C}">
-                <a14:useLocalDpi xmlns:a14="http://schemas.microsoft.com/office/drawing/2010/main" val="0"/>
-              </a:ext>
-            </a:extLst>
-          </a:blip>
-          <a:srcRect/>
-          <a:stretch>
-            <a:fillRect/>
-          </a:stretch>
-        </p:blipFill>
-        <p:spPr bwMode="auto">
-          <a:xfrm>
-            <a:off x="3419872" y="2420888"/>
-            <a:ext cx="5583688" cy="3018823"/>
-          </a:xfrm>
-          <a:prstGeom prst="rect">
-            <a:avLst/>
-          </a:prstGeom>
-          <a:noFill/>
-          <a:ln>
-            <a:noFill/>
-          </a:ln>
-          <a:effectLst/>
-          <a:extLst>
-            <a:ext uri="{909E8E84-426E-40DD-AFC4-6F175D3DCCD1}">
-              <a14:hiddenFill xmlns:a14="http://schemas.microsoft.com/office/drawing/2010/main">
-                <a:solidFill>
-                  <a:schemeClr val="accent1"/>
-                </a:solidFill>
-              </a14:hiddenFill>
-            </a:ext>
-            <a:ext uri="{91240B29-F687-4F45-9708-019B960494DF}">
-              <a14:hiddenLine xmlns:a14="http://schemas.microsoft.com/office/drawing/2010/main" w="9525">
-                <a:solidFill>
-                  <a:schemeClr val="tx1"/>
-                </a:solidFill>
-                <a:miter lim="800000"/>
-                <a:headEnd/>
-                <a:tailEnd/>
-              </a14:hiddenLine>
-            </a:ext>
-            <a:ext uri="{AF507438-7753-43E0-B8FC-AC1667EBCBE1}">
-              <a14:hiddenEffects xmlns:a14="http://schemas.microsoft.com/office/drawing/2010/main">
-                <a:effectLst>
-                  <a:outerShdw dist="35921" dir="2700000" algn="ctr" rotWithShape="0">
-                    <a:schemeClr val="bg2"/>
-                  </a:outerShdw>
-                </a:effectLst>
-              </a14:hiddenEffects>
-            </a:ext>
-          </a:extLst>
-        </p:spPr>
-      </p:pic>
     </p:spTree>
     <p:extLst>
       <p:ext uri="{BB962C8B-B14F-4D97-AF65-F5344CB8AC3E}">
-        <p14:creationId xmlns:p14="http://schemas.microsoft.com/office/powerpoint/2010/main" val="3655762202"/>
+        <p14:creationId xmlns:p14="http://schemas.microsoft.com/office/powerpoint/2010/main" val="2977131587"/>
       </p:ext>
     </p:extLst>
   </p:cSld>
@@ -4709,39 +5152,9 @@
           <a:chExt cx="0" cy="0"/>
         </a:xfrm>
       </p:grpSpPr>
-      <p:sp>
-        <p:nvSpPr>
-          <p:cNvPr id="2" name="文字方塊 1"/>
-          <p:cNvSpPr txBox="1"/>
-          <p:nvPr/>
-        </p:nvSpPr>
-        <p:spPr>
-          <a:xfrm>
-            <a:off x="539552" y="548680"/>
-            <a:ext cx="672043" cy="523220"/>
-          </a:xfrm>
-          <a:prstGeom prst="rect">
-            <a:avLst/>
-          </a:prstGeom>
-          <a:noFill/>
-        </p:spPr>
-        <p:txBody>
-          <a:bodyPr wrap="none" rtlCol="0">
-            <a:spAutoFit/>
-          </a:bodyPr>
-          <a:lstStyle/>
-          <a:p>
-            <a:r>
-              <a:rPr lang="en-US" altLang="zh-TW" sz="2800" dirty="0" smtClean="0"/>
-              <a:t>pre</a:t>
-            </a:r>
-            <a:endParaRPr lang="zh-TW" altLang="en-US" sz="2800" dirty="0"/>
-          </a:p>
-        </p:txBody>
-      </p:sp>
       <p:pic>
         <p:nvPicPr>
-          <p:cNvPr id="16386" name="Picture 2"/>
+          <p:cNvPr id="14338" name="Picture 2"/>
           <p:cNvPicPr>
             <a:picLocks noChangeAspect="1" noChangeArrowheads="1"/>
           </p:cNvPicPr>
@@ -4762,8 +5175,8 @@
         </p:blipFill>
         <p:spPr bwMode="auto">
           <a:xfrm>
-            <a:off x="2843808" y="332656"/>
-            <a:ext cx="3888432" cy="3097376"/>
+            <a:off x="434608" y="332656"/>
+            <a:ext cx="2370128" cy="6160790"/>
           </a:xfrm>
           <a:prstGeom prst="rect">
             <a:avLst/>
@@ -4805,7 +5218,7 @@
       </p:pic>
       <p:pic>
         <p:nvPicPr>
-          <p:cNvPr id="16387" name="Picture 3"/>
+          <p:cNvPr id="14339" name="Picture 3"/>
           <p:cNvPicPr>
             <a:picLocks noChangeAspect="1" noChangeArrowheads="1"/>
           </p:cNvPicPr>
@@ -4826,8 +5239,8 @@
         </p:blipFill>
         <p:spPr bwMode="auto">
           <a:xfrm>
-            <a:off x="2771800" y="3837537"/>
-            <a:ext cx="3816424" cy="2602107"/>
+            <a:off x="3203848" y="404664"/>
+            <a:ext cx="3888432" cy="1657364"/>
           </a:xfrm>
           <a:prstGeom prst="rect">
             <a:avLst/>
@@ -4867,10 +5280,74 @@
           </a:extLst>
         </p:spPr>
       </p:pic>
+      <p:pic>
+        <p:nvPicPr>
+          <p:cNvPr id="14340" name="Picture 4"/>
+          <p:cNvPicPr>
+            <a:picLocks noChangeAspect="1" noChangeArrowheads="1"/>
+          </p:cNvPicPr>
+          <p:nvPr/>
+        </p:nvPicPr>
+        <p:blipFill>
+          <a:blip r:embed="rId4">
+            <a:extLst>
+              <a:ext uri="{28A0092B-C50C-407E-A947-70E740481C1C}">
+                <a14:useLocalDpi xmlns:a14="http://schemas.microsoft.com/office/drawing/2010/main" val="0"/>
+              </a:ext>
+            </a:extLst>
+          </a:blip>
+          <a:srcRect/>
+          <a:stretch>
+            <a:fillRect/>
+          </a:stretch>
+        </p:blipFill>
+        <p:spPr bwMode="auto">
+          <a:xfrm>
+            <a:off x="3419872" y="2420888"/>
+            <a:ext cx="5583688" cy="3018823"/>
+          </a:xfrm>
+          <a:prstGeom prst="rect">
+            <a:avLst/>
+          </a:prstGeom>
+          <a:noFill/>
+          <a:ln>
+            <a:noFill/>
+          </a:ln>
+          <a:effectLst/>
+          <a:extLst>
+            <a:ext uri="{909E8E84-426E-40DD-AFC4-6F175D3DCCD1}">
+              <a14:hiddenFill xmlns:a14="http://schemas.microsoft.com/office/drawing/2010/main">
+                <a:solidFill>
+                  <a:schemeClr val="accent1"/>
+                </a:solidFill>
+              </a14:hiddenFill>
+            </a:ext>
+            <a:ext uri="{91240B29-F687-4F45-9708-019B960494DF}">
+              <a14:hiddenLine xmlns:a14="http://schemas.microsoft.com/office/drawing/2010/main" w="9525">
+                <a:solidFill>
+                  <a:schemeClr val="tx1"/>
+                </a:solidFill>
+                <a:miter lim="800000"/>
+                <a:headEnd/>
+                <a:tailEnd/>
+              </a14:hiddenLine>
+            </a:ext>
+            <a:ext uri="{AF507438-7753-43E0-B8FC-AC1667EBCBE1}">
+              <a14:hiddenEffects xmlns:a14="http://schemas.microsoft.com/office/drawing/2010/main">
+                <a:effectLst>
+                  <a:outerShdw dist="35921" dir="2700000" algn="ctr" rotWithShape="0">
+                    <a:schemeClr val="bg2"/>
+                  </a:outerShdw>
+                </a:effectLst>
+              </a14:hiddenEffects>
+            </a:ext>
+          </a:extLst>
+        </p:spPr>
+      </p:pic>
     </p:spTree>
     <p:extLst>
       <p:ext uri="{BB962C8B-B14F-4D97-AF65-F5344CB8AC3E}">
-        <p14:creationId xmlns:p14="http://schemas.microsoft.com/office/powerpoint/2010/main" val="3001121323"/>
+        <p14:creationId xmlns:p14="http://schemas.microsoft.com/office/powerpoint/2010/main" val="3655762202"/>
       </p:ext>
     </p:extLst>
   </p:cSld>
@@ -4897,80 +5374,16 @@
           <a:chExt cx="0" cy="0"/>
         </a:xfrm>
       </p:grpSpPr>
-      <p:pic>
-        <p:nvPicPr>
-          <p:cNvPr id="17410" name="Picture 2"/>
-          <p:cNvPicPr>
-            <a:picLocks noChangeAspect="1" noChangeArrowheads="1"/>
-          </p:cNvPicPr>
-          <p:nvPr/>
-        </p:nvPicPr>
-        <p:blipFill>
-          <a:blip r:embed="rId2">
-            <a:extLst>
-              <a:ext uri="{28A0092B-C50C-407E-A947-70E740481C1C}">
-                <a14:useLocalDpi xmlns:a14="http://schemas.microsoft.com/office/drawing/2010/main" val="0"/>
-              </a:ext>
-            </a:extLst>
-          </a:blip>
-          <a:srcRect/>
-          <a:stretch>
-            <a:fillRect/>
-          </a:stretch>
-        </p:blipFill>
-        <p:spPr bwMode="auto">
-          <a:xfrm>
-            <a:off x="1505554" y="548680"/>
-            <a:ext cx="7029450" cy="2533650"/>
-          </a:xfrm>
-          <a:prstGeom prst="rect">
-            <a:avLst/>
-          </a:prstGeom>
-          <a:noFill/>
-          <a:ln>
-            <a:noFill/>
-          </a:ln>
-          <a:effectLst/>
-          <a:extLst>
-            <a:ext uri="{909E8E84-426E-40DD-AFC4-6F175D3DCCD1}">
-              <a14:hiddenFill xmlns:a14="http://schemas.microsoft.com/office/drawing/2010/main">
-                <a:solidFill>
-                  <a:schemeClr val="accent1"/>
-                </a:solidFill>
-              </a14:hiddenFill>
-            </a:ext>
-            <a:ext uri="{91240B29-F687-4F45-9708-019B960494DF}">
-              <a14:hiddenLine xmlns:a14="http://schemas.microsoft.com/office/drawing/2010/main" w="9525">
-                <a:solidFill>
-                  <a:schemeClr val="tx1"/>
-                </a:solidFill>
-                <a:miter lim="800000"/>
-                <a:headEnd/>
-                <a:tailEnd/>
-              </a14:hiddenLine>
-            </a:ext>
-            <a:ext uri="{AF507438-7753-43E0-B8FC-AC1667EBCBE1}">
-              <a14:hiddenEffects xmlns:a14="http://schemas.microsoft.com/office/drawing/2010/main">
-                <a:effectLst>
-                  <a:outerShdw dist="35921" dir="2700000" algn="ctr" rotWithShape="0">
-                    <a:schemeClr val="bg2"/>
-                  </a:outerShdw>
-                </a:effectLst>
-              </a14:hiddenEffects>
-            </a:ext>
-          </a:extLst>
-        </p:spPr>
-      </p:pic>
       <p:sp>
         <p:nvSpPr>
-          <p:cNvPr id="3" name="文字方塊 2"/>
+          <p:cNvPr id="2" name="文字方塊 1"/>
           <p:cNvSpPr txBox="1"/>
           <p:nvPr/>
         </p:nvSpPr>
         <p:spPr>
           <a:xfrm>
-            <a:off x="539552" y="548680"/>
-            <a:ext cx="875561" cy="523220"/>
+            <a:off x="683568" y="620688"/>
+            <a:ext cx="1005403" cy="584775"/>
           </a:xfrm>
           <a:prstGeom prst="rect">
             <a:avLst/>
@@ -4984,81 +5397,65 @@
           <a:lstStyle/>
           <a:p>
             <a:r>
-              <a:rPr lang="en-US" altLang="zh-TW" sz="2800" dirty="0" smtClean="0"/>
-              <a:t>span</a:t>
-            </a:r>
-            <a:endParaRPr lang="zh-TW" altLang="en-US" sz="2800" dirty="0"/>
+              <a:rPr lang="zh-TW" altLang="en-US" sz="3200" dirty="0" smtClean="0"/>
+              <a:t>練習</a:t>
+            </a:r>
+            <a:endParaRPr lang="zh-TW" altLang="en-US" sz="3200" dirty="0"/>
           </a:p>
         </p:txBody>
       </p:sp>
       <p:pic>
         <p:nvPicPr>
-          <p:cNvPr id="17411" name="Picture 3"/>
+          <p:cNvPr id="3" name="圖片 2"/>
           <p:cNvPicPr>
-            <a:picLocks noChangeAspect="1" noChangeArrowheads="1"/>
+            <a:picLocks noChangeAspect="1"/>
           </p:cNvPicPr>
           <p:nvPr/>
         </p:nvPicPr>
         <p:blipFill>
-          <a:blip r:embed="rId3">
-            <a:extLst>
-              <a:ext uri="{28A0092B-C50C-407E-A947-70E740481C1C}">
-                <a14:useLocalDpi xmlns:a14="http://schemas.microsoft.com/office/drawing/2010/main" val="0"/>
-              </a:ext>
-            </a:extLst>
-          </a:blip>
-          <a:srcRect/>
+          <a:blip r:embed="rId2"/>
           <a:stretch>
             <a:fillRect/>
           </a:stretch>
         </p:blipFill>
-        <p:spPr bwMode="auto">
-          <a:xfrm>
-            <a:off x="1979712" y="3284984"/>
-            <a:ext cx="5544616" cy="2494118"/>
-          </a:xfrm>
-          <a:prstGeom prst="rect">
-            <a:avLst/>
-          </a:prstGeom>
-          <a:noFill/>
-          <a:ln>
-            <a:noFill/>
-          </a:ln>
-          <a:effectLst/>
-          <a:extLst>
-            <a:ext uri="{909E8E84-426E-40DD-AFC4-6F175D3DCCD1}">
-              <a14:hiddenFill xmlns:a14="http://schemas.microsoft.com/office/drawing/2010/main">
-                <a:solidFill>
-                  <a:schemeClr val="accent1"/>
-                </a:solidFill>
-              </a14:hiddenFill>
-            </a:ext>
-            <a:ext uri="{91240B29-F687-4F45-9708-019B960494DF}">
-              <a14:hiddenLine xmlns:a14="http://schemas.microsoft.com/office/drawing/2010/main" w="9525">
-                <a:solidFill>
-                  <a:schemeClr val="tx1"/>
-                </a:solidFill>
-                <a:miter lim="800000"/>
-                <a:headEnd/>
-                <a:tailEnd/>
-              </a14:hiddenLine>
-            </a:ext>
-            <a:ext uri="{AF507438-7753-43E0-B8FC-AC1667EBCBE1}">
-              <a14:hiddenEffects xmlns:a14="http://schemas.microsoft.com/office/drawing/2010/main">
-                <a:effectLst>
-                  <a:outerShdw dist="35921" dir="2700000" algn="ctr" rotWithShape="0">
-                    <a:schemeClr val="bg2"/>
-                  </a:outerShdw>
-                </a:effectLst>
-              </a14:hiddenEffects>
-            </a:ext>
-          </a:extLst>
+        <p:spPr>
+          <a:xfrm>
+            <a:off x="1835696" y="332656"/>
+            <a:ext cx="6858000" cy="3609975"/>
+          </a:xfrm>
+          <a:prstGeom prst="rect">
+            <a:avLst/>
+          </a:prstGeom>
+        </p:spPr>
+      </p:pic>
+      <p:pic>
+        <p:nvPicPr>
+          <p:cNvPr id="4" name="圖片 3"/>
+          <p:cNvPicPr>
+            <a:picLocks noChangeAspect="1"/>
+          </p:cNvPicPr>
+          <p:nvPr/>
+        </p:nvPicPr>
+        <p:blipFill>
+          <a:blip r:embed="rId3"/>
+          <a:stretch>
+            <a:fillRect/>
+          </a:stretch>
+        </p:blipFill>
+        <p:spPr>
+          <a:xfrm>
+            <a:off x="3176464" y="3825225"/>
+            <a:ext cx="4176464" cy="3038906"/>
+          </a:xfrm>
+          <a:prstGeom prst="rect">
+            <a:avLst/>
+          </a:prstGeom>
         </p:spPr>
       </p:pic>
     </p:spTree>
     <p:extLst>
       <p:ext uri="{BB962C8B-B14F-4D97-AF65-F5344CB8AC3E}">
-        <p14:creationId xmlns:p14="http://schemas.microsoft.com/office/powerpoint/2010/main" val="567166157"/>
+        <p14:creationId xmlns:p14="http://schemas.microsoft.com/office/powerpoint/2010/main" val="3010624716"/>
       </p:ext>
     </p:extLst>
   </p:cSld>
@@ -5104,7 +5501,7 @@
         <p:spPr>
           <a:xfrm>
             <a:off x="3275856" y="2780928"/>
-            <a:ext cx="2435282" cy="707886"/>
+            <a:ext cx="2435282" cy="1323439"/>
           </a:xfrm>
           <a:prstGeom prst="rect">
             <a:avLst/>
@@ -5117,6 +5514,7 @@
           </a:bodyPr>
           <a:lstStyle/>
           <a:p>
+            <a:pPr algn="ctr"/>
             <a:r>
               <a:rPr lang="en-US" altLang="zh-TW" sz="4000" dirty="0" smtClean="0">
                 <a:solidFill>
@@ -5132,6 +5530,22 @@
                 </a:solidFill>
               </a:rPr>
               <a:t>實戰</a:t>
+            </a:r>
+            <a:endParaRPr lang="en-US" altLang="zh-TW" sz="4000" dirty="0" smtClean="0">
+              <a:solidFill>
+                <a:schemeClr val="bg1"/>
+              </a:solidFill>
+            </a:endParaRPr>
+          </a:p>
+          <a:p>
+            <a:pPr algn="ctr"/>
+            <a:r>
+              <a:rPr lang="en-US" altLang="zh-TW" sz="4000" dirty="0" smtClean="0">
+                <a:solidFill>
+                  <a:schemeClr val="bg1"/>
+                </a:solidFill>
+              </a:rPr>
+              <a:t>Ch01</a:t>
             </a:r>
             <a:endParaRPr lang="zh-TW" altLang="en-US" sz="4000" dirty="0">
               <a:solidFill>
@@ -5157,6 +5571,16 @@
 <file path=ppt/slides/slide20.xml><?xml version="1.0" encoding="utf-8"?>
 <p:sld xmlns:a="http://schemas.openxmlformats.org/drawingml/2006/main" xmlns:r="http://schemas.openxmlformats.org/officeDocument/2006/relationships" xmlns:p="http://schemas.openxmlformats.org/presentationml/2006/main">
   <p:cSld>
+    <p:bg>
+      <p:bgPr>
+        <a:solidFill>
+          <a:schemeClr val="accent1">
+            <a:lumMod val="50000"/>
+          </a:schemeClr>
+        </a:solidFill>
+        <a:effectLst/>
+      </p:bgPr>
+    </p:bg>
     <p:spTree>
       <p:nvGrpSpPr>
         <p:cNvPr id="1" name=""/>
@@ -5179,8 +5603,8 @@
         </p:nvSpPr>
         <p:spPr>
           <a:xfrm>
-            <a:off x="539552" y="548680"/>
-            <a:ext cx="1537344" cy="523220"/>
+            <a:off x="3275856" y="2780928"/>
+            <a:ext cx="2435282" cy="1323439"/>
           </a:xfrm>
           <a:prstGeom prst="rect">
             <a:avLst/>
@@ -5193,146 +5617,51 @@
           </a:bodyPr>
           <a:lstStyle/>
           <a:p>
-            <a:r>
-              <a:rPr lang="en-US" altLang="zh-TW" sz="2800" dirty="0" smtClean="0"/>
-              <a:t>hyperlink</a:t>
-            </a:r>
-            <a:endParaRPr lang="zh-TW" altLang="en-US" sz="2800" dirty="0"/>
+            <a:pPr algn="ctr"/>
+            <a:r>
+              <a:rPr lang="en-US" altLang="zh-TW" sz="4000" dirty="0" smtClean="0">
+                <a:solidFill>
+                  <a:schemeClr val="bg1"/>
+                </a:solidFill>
+              </a:rPr>
+              <a:t>HTML</a:t>
+            </a:r>
+            <a:r>
+              <a:rPr lang="zh-TW" altLang="en-US" sz="4000" dirty="0" smtClean="0">
+                <a:solidFill>
+                  <a:schemeClr val="bg1"/>
+                </a:solidFill>
+              </a:rPr>
+              <a:t>實戰</a:t>
+            </a:r>
+            <a:endParaRPr lang="en-US" altLang="zh-TW" sz="4000" dirty="0" smtClean="0">
+              <a:solidFill>
+                <a:schemeClr val="bg1"/>
+              </a:solidFill>
+            </a:endParaRPr>
+          </a:p>
+          <a:p>
+            <a:pPr algn="ctr"/>
+            <a:r>
+              <a:rPr lang="en-US" altLang="zh-TW" sz="4000" dirty="0" smtClean="0">
+                <a:solidFill>
+                  <a:schemeClr val="bg1"/>
+                </a:solidFill>
+              </a:rPr>
+              <a:t>Ch03</a:t>
+            </a:r>
+            <a:endParaRPr lang="zh-TW" altLang="en-US" sz="4000" dirty="0">
+              <a:solidFill>
+                <a:schemeClr val="bg1"/>
+              </a:solidFill>
+            </a:endParaRPr>
           </a:p>
         </p:txBody>
       </p:sp>
-      <p:pic>
-        <p:nvPicPr>
-          <p:cNvPr id="18434" name="Picture 2"/>
-          <p:cNvPicPr>
-            <a:picLocks noChangeAspect="1" noChangeArrowheads="1"/>
-          </p:cNvPicPr>
-          <p:nvPr/>
-        </p:nvPicPr>
-        <p:blipFill>
-          <a:blip r:embed="rId2">
-            <a:extLst>
-              <a:ext uri="{28A0092B-C50C-407E-A947-70E740481C1C}">
-                <a14:useLocalDpi xmlns:a14="http://schemas.microsoft.com/office/drawing/2010/main" val="0"/>
-              </a:ext>
-            </a:extLst>
-          </a:blip>
-          <a:srcRect/>
-          <a:stretch>
-            <a:fillRect/>
-          </a:stretch>
-        </p:blipFill>
-        <p:spPr bwMode="auto">
-          <a:xfrm>
-            <a:off x="1171575" y="1196752"/>
-            <a:ext cx="6800850" cy="2657475"/>
-          </a:xfrm>
-          <a:prstGeom prst="rect">
-            <a:avLst/>
-          </a:prstGeom>
-          <a:noFill/>
-          <a:ln>
-            <a:noFill/>
-          </a:ln>
-          <a:effectLst/>
-          <a:extLst>
-            <a:ext uri="{909E8E84-426E-40DD-AFC4-6F175D3DCCD1}">
-              <a14:hiddenFill xmlns:a14="http://schemas.microsoft.com/office/drawing/2010/main">
-                <a:solidFill>
-                  <a:schemeClr val="accent1"/>
-                </a:solidFill>
-              </a14:hiddenFill>
-            </a:ext>
-            <a:ext uri="{91240B29-F687-4F45-9708-019B960494DF}">
-              <a14:hiddenLine xmlns:a14="http://schemas.microsoft.com/office/drawing/2010/main" w="9525">
-                <a:solidFill>
-                  <a:schemeClr val="tx1"/>
-                </a:solidFill>
-                <a:miter lim="800000"/>
-                <a:headEnd/>
-                <a:tailEnd/>
-              </a14:hiddenLine>
-            </a:ext>
-            <a:ext uri="{AF507438-7753-43E0-B8FC-AC1667EBCBE1}">
-              <a14:hiddenEffects xmlns:a14="http://schemas.microsoft.com/office/drawing/2010/main">
-                <a:effectLst>
-                  <a:outerShdw dist="35921" dir="2700000" algn="ctr" rotWithShape="0">
-                    <a:schemeClr val="bg2"/>
-                  </a:outerShdw>
-                </a:effectLst>
-              </a14:hiddenEffects>
-            </a:ext>
-          </a:extLst>
-        </p:spPr>
-      </p:pic>
-      <p:pic>
-        <p:nvPicPr>
-          <p:cNvPr id="18435" name="Picture 3"/>
-          <p:cNvPicPr>
-            <a:picLocks noChangeAspect="1" noChangeArrowheads="1"/>
-          </p:cNvPicPr>
-          <p:nvPr/>
-        </p:nvPicPr>
-        <p:blipFill>
-          <a:blip r:embed="rId3">
-            <a:extLst>
-              <a:ext uri="{28A0092B-C50C-407E-A947-70E740481C1C}">
-                <a14:useLocalDpi xmlns:a14="http://schemas.microsoft.com/office/drawing/2010/main" val="0"/>
-              </a:ext>
-            </a:extLst>
-          </a:blip>
-          <a:srcRect/>
-          <a:stretch>
-            <a:fillRect/>
-          </a:stretch>
-        </p:blipFill>
-        <p:spPr bwMode="auto">
-          <a:xfrm>
-            <a:off x="2699792" y="3654802"/>
-            <a:ext cx="3888432" cy="2851517"/>
-          </a:xfrm>
-          <a:prstGeom prst="rect">
-            <a:avLst/>
-          </a:prstGeom>
-          <a:noFill/>
-          <a:ln>
-            <a:noFill/>
-          </a:ln>
-          <a:effectLst/>
-          <a:extLst>
-            <a:ext uri="{909E8E84-426E-40DD-AFC4-6F175D3DCCD1}">
-              <a14:hiddenFill xmlns:a14="http://schemas.microsoft.com/office/drawing/2010/main">
-                <a:solidFill>
-                  <a:schemeClr val="accent1"/>
-                </a:solidFill>
-              </a14:hiddenFill>
-            </a:ext>
-            <a:ext uri="{91240B29-F687-4F45-9708-019B960494DF}">
-              <a14:hiddenLine xmlns:a14="http://schemas.microsoft.com/office/drawing/2010/main" w="9525">
-                <a:solidFill>
-                  <a:schemeClr val="tx1"/>
-                </a:solidFill>
-                <a:miter lim="800000"/>
-                <a:headEnd/>
-                <a:tailEnd/>
-              </a14:hiddenLine>
-            </a:ext>
-            <a:ext uri="{AF507438-7753-43E0-B8FC-AC1667EBCBE1}">
-              <a14:hiddenEffects xmlns:a14="http://schemas.microsoft.com/office/drawing/2010/main">
-                <a:effectLst>
-                  <a:outerShdw dist="35921" dir="2700000" algn="ctr" rotWithShape="0">
-                    <a:schemeClr val="bg2"/>
-                  </a:outerShdw>
-                </a:effectLst>
-              </a14:hiddenEffects>
-            </a:ext>
-          </a:extLst>
-        </p:spPr>
-      </p:pic>
     </p:spTree>
     <p:extLst>
       <p:ext uri="{BB962C8B-B14F-4D97-AF65-F5344CB8AC3E}">
-        <p14:creationId xmlns:p14="http://schemas.microsoft.com/office/powerpoint/2010/main" val="3433504768"/>
+        <p14:creationId xmlns:p14="http://schemas.microsoft.com/office/powerpoint/2010/main" val="2733810113"/>
       </p:ext>
     </p:extLst>
   </p:cSld>
@@ -5359,138 +5688,88 @@
           <a:chExt cx="0" cy="0"/>
         </a:xfrm>
       </p:grpSpPr>
+      <p:sp>
+        <p:nvSpPr>
+          <p:cNvPr id="2" name="文字方塊 1"/>
+          <p:cNvSpPr txBox="1"/>
+          <p:nvPr/>
+        </p:nvSpPr>
+        <p:spPr>
+          <a:xfrm>
+            <a:off x="539552" y="548680"/>
+            <a:ext cx="1314847" cy="523220"/>
+          </a:xfrm>
+          <a:prstGeom prst="rect">
+            <a:avLst/>
+          </a:prstGeom>
+          <a:noFill/>
+        </p:spPr>
+        <p:txBody>
+          <a:bodyPr wrap="none" rtlCol="0">
+            <a:spAutoFit/>
+          </a:bodyPr>
+          <a:lstStyle/>
+          <a:p>
+            <a:r>
+              <a:rPr lang="en-US" altLang="zh-TW" sz="2800" dirty="0" smtClean="0"/>
+              <a:t>address</a:t>
+            </a:r>
+            <a:endParaRPr lang="zh-TW" altLang="en-US" sz="2800" dirty="0"/>
+          </a:p>
+        </p:txBody>
+      </p:sp>
       <p:pic>
         <p:nvPicPr>
-          <p:cNvPr id="19458" name="Picture 2"/>
+          <p:cNvPr id="3" name="圖片 2"/>
           <p:cNvPicPr>
-            <a:picLocks noChangeAspect="1" noChangeArrowheads="1"/>
+            <a:picLocks noChangeAspect="1"/>
           </p:cNvPicPr>
           <p:nvPr/>
         </p:nvPicPr>
         <p:blipFill>
-          <a:blip r:embed="rId2">
-            <a:extLst>
-              <a:ext uri="{28A0092B-C50C-407E-A947-70E740481C1C}">
-                <a14:useLocalDpi xmlns:a14="http://schemas.microsoft.com/office/drawing/2010/main" val="0"/>
-              </a:ext>
-            </a:extLst>
-          </a:blip>
-          <a:srcRect/>
+          <a:blip r:embed="rId2"/>
           <a:stretch>
             <a:fillRect/>
           </a:stretch>
         </p:blipFill>
-        <p:spPr bwMode="auto">
-          <a:xfrm>
-            <a:off x="1403648" y="476672"/>
-            <a:ext cx="6269490" cy="2054349"/>
-          </a:xfrm>
-          <a:prstGeom prst="rect">
-            <a:avLst/>
-          </a:prstGeom>
-          <a:noFill/>
-          <a:ln>
-            <a:noFill/>
-          </a:ln>
-          <a:effectLst/>
-          <a:extLst>
-            <a:ext uri="{909E8E84-426E-40DD-AFC4-6F175D3DCCD1}">
-              <a14:hiddenFill xmlns:a14="http://schemas.microsoft.com/office/drawing/2010/main">
-                <a:solidFill>
-                  <a:schemeClr val="accent1"/>
-                </a:solidFill>
-              </a14:hiddenFill>
-            </a:ext>
-            <a:ext uri="{91240B29-F687-4F45-9708-019B960494DF}">
-              <a14:hiddenLine xmlns:a14="http://schemas.microsoft.com/office/drawing/2010/main" w="9525">
-                <a:solidFill>
-                  <a:schemeClr val="tx1"/>
-                </a:solidFill>
-                <a:miter lim="800000"/>
-                <a:headEnd/>
-                <a:tailEnd/>
-              </a14:hiddenLine>
-            </a:ext>
-            <a:ext uri="{AF507438-7753-43E0-B8FC-AC1667EBCBE1}">
-              <a14:hiddenEffects xmlns:a14="http://schemas.microsoft.com/office/drawing/2010/main">
-                <a:effectLst>
-                  <a:outerShdw dist="35921" dir="2700000" algn="ctr" rotWithShape="0">
-                    <a:schemeClr val="bg2"/>
-                  </a:outerShdw>
-                </a:effectLst>
-              </a14:hiddenEffects>
-            </a:ext>
-          </a:extLst>
+        <p:spPr>
+          <a:xfrm>
+            <a:off x="2195735" y="548680"/>
+            <a:ext cx="5846839" cy="3089523"/>
+          </a:xfrm>
+          <a:prstGeom prst="rect">
+            <a:avLst/>
+          </a:prstGeom>
         </p:spPr>
       </p:pic>
       <p:pic>
         <p:nvPicPr>
-          <p:cNvPr id="19459" name="Picture 3"/>
+          <p:cNvPr id="4" name="圖片 3"/>
           <p:cNvPicPr>
-            <a:picLocks noChangeAspect="1" noChangeArrowheads="1"/>
+            <a:picLocks noChangeAspect="1"/>
           </p:cNvPicPr>
           <p:nvPr/>
         </p:nvPicPr>
         <p:blipFill>
-          <a:blip r:embed="rId3">
-            <a:extLst>
-              <a:ext uri="{28A0092B-C50C-407E-A947-70E740481C1C}">
-                <a14:useLocalDpi xmlns:a14="http://schemas.microsoft.com/office/drawing/2010/main" val="0"/>
-              </a:ext>
-            </a:extLst>
-          </a:blip>
-          <a:srcRect/>
+          <a:blip r:embed="rId3"/>
           <a:stretch>
             <a:fillRect/>
           </a:stretch>
         </p:blipFill>
-        <p:spPr bwMode="auto">
-          <a:xfrm>
-            <a:off x="1921349" y="3429000"/>
-            <a:ext cx="5199712" cy="2199878"/>
-          </a:xfrm>
-          <a:prstGeom prst="rect">
-            <a:avLst/>
-          </a:prstGeom>
-          <a:noFill/>
-          <a:ln>
-            <a:noFill/>
-          </a:ln>
-          <a:effectLst/>
-          <a:extLst>
-            <a:ext uri="{909E8E84-426E-40DD-AFC4-6F175D3DCCD1}">
-              <a14:hiddenFill xmlns:a14="http://schemas.microsoft.com/office/drawing/2010/main">
-                <a:solidFill>
-                  <a:schemeClr val="accent1"/>
-                </a:solidFill>
-              </a14:hiddenFill>
-            </a:ext>
-            <a:ext uri="{91240B29-F687-4F45-9708-019B960494DF}">
-              <a14:hiddenLine xmlns:a14="http://schemas.microsoft.com/office/drawing/2010/main" w="9525">
-                <a:solidFill>
-                  <a:schemeClr val="tx1"/>
-                </a:solidFill>
-                <a:miter lim="800000"/>
-                <a:headEnd/>
-                <a:tailEnd/>
-              </a14:hiddenLine>
-            </a:ext>
-            <a:ext uri="{AF507438-7753-43E0-B8FC-AC1667EBCBE1}">
-              <a14:hiddenEffects xmlns:a14="http://schemas.microsoft.com/office/drawing/2010/main">
-                <a:effectLst>
-                  <a:outerShdw dist="35921" dir="2700000" algn="ctr" rotWithShape="0">
-                    <a:schemeClr val="bg2"/>
-                  </a:outerShdw>
-                </a:effectLst>
-              </a14:hiddenEffects>
-            </a:ext>
-          </a:extLst>
+        <p:spPr>
+          <a:xfrm>
+            <a:off x="3059832" y="4005064"/>
+            <a:ext cx="3960440" cy="2055966"/>
+          </a:xfrm>
+          <a:prstGeom prst="rect">
+            <a:avLst/>
+          </a:prstGeom>
         </p:spPr>
       </p:pic>
     </p:spTree>
     <p:extLst>
       <p:ext uri="{BB962C8B-B14F-4D97-AF65-F5344CB8AC3E}">
-        <p14:creationId xmlns:p14="http://schemas.microsoft.com/office/powerpoint/2010/main" val="984994190"/>
+        <p14:creationId xmlns:p14="http://schemas.microsoft.com/office/powerpoint/2010/main" val="2579906213"/>
       </p:ext>
     </p:extLst>
   </p:cSld>
@@ -5517,16 +5796,40 @@
           <a:chExt cx="0" cy="0"/>
         </a:xfrm>
       </p:grpSpPr>
+      <p:pic>
+        <p:nvPicPr>
+          <p:cNvPr id="2" name="圖片 1"/>
+          <p:cNvPicPr>
+            <a:picLocks noChangeAspect="1"/>
+          </p:cNvPicPr>
+          <p:nvPr/>
+        </p:nvPicPr>
+        <p:blipFill>
+          <a:blip r:embed="rId2"/>
+          <a:stretch>
+            <a:fillRect/>
+          </a:stretch>
+        </p:blipFill>
+        <p:spPr>
+          <a:xfrm>
+            <a:off x="2771800" y="544454"/>
+            <a:ext cx="4968552" cy="3010502"/>
+          </a:xfrm>
+          <a:prstGeom prst="rect">
+            <a:avLst/>
+          </a:prstGeom>
+        </p:spPr>
+      </p:pic>
       <p:sp>
         <p:nvSpPr>
-          <p:cNvPr id="2" name="文字方塊 1"/>
+          <p:cNvPr id="3" name="文字方塊 2"/>
           <p:cNvSpPr txBox="1"/>
           <p:nvPr/>
         </p:nvSpPr>
         <p:spPr>
           <a:xfrm>
             <a:off x="539552" y="548680"/>
-            <a:ext cx="1217000" cy="523220"/>
+            <a:ext cx="1812484" cy="523220"/>
           </a:xfrm>
           <a:prstGeom prst="rect">
             <a:avLst/>
@@ -5540,12 +5843,8 @@
           <a:lstStyle/>
           <a:p>
             <a:r>
-              <a:rPr lang="en-US" altLang="zh-TW" sz="2800" dirty="0"/>
-              <a:t>i</a:t>
-            </a:r>
-            <a:r>
-              <a:rPr lang="en-US" altLang="zh-TW" sz="2800" dirty="0" smtClean="0"/>
-              <a:t>ns, del</a:t>
+              <a:rPr lang="en-US" altLang="zh-TW" sz="2800" dirty="0" err="1" smtClean="0"/>
+              <a:t>blockquote</a:t>
             </a:r>
             <a:endParaRPr lang="zh-TW" altLang="en-US" sz="2800" dirty="0"/>
           </a:p>
@@ -5553,136 +5852,32 @@
       </p:sp>
       <p:pic>
         <p:nvPicPr>
-          <p:cNvPr id="20482" name="Picture 2"/>
+          <p:cNvPr id="5" name="圖片 4"/>
           <p:cNvPicPr>
-            <a:picLocks noChangeAspect="1" noChangeArrowheads="1"/>
+            <a:picLocks noChangeAspect="1"/>
           </p:cNvPicPr>
           <p:nvPr/>
         </p:nvPicPr>
         <p:blipFill>
-          <a:blip r:embed="rId2">
-            <a:extLst>
-              <a:ext uri="{28A0092B-C50C-407E-A947-70E740481C1C}">
-                <a14:useLocalDpi xmlns:a14="http://schemas.microsoft.com/office/drawing/2010/main" val="0"/>
-              </a:ext>
-            </a:extLst>
-          </a:blip>
-          <a:srcRect/>
+          <a:blip r:embed="rId3"/>
           <a:stretch>
             <a:fillRect/>
           </a:stretch>
         </p:blipFill>
-        <p:spPr bwMode="auto">
-          <a:xfrm>
-            <a:off x="2051720" y="787450"/>
-            <a:ext cx="5904656" cy="2262532"/>
-          </a:xfrm>
-          <a:prstGeom prst="rect">
-            <a:avLst/>
-          </a:prstGeom>
-          <a:noFill/>
-          <a:ln>
-            <a:noFill/>
-          </a:ln>
-          <a:effectLst/>
-          <a:extLst>
-            <a:ext uri="{909E8E84-426E-40DD-AFC4-6F175D3DCCD1}">
-              <a14:hiddenFill xmlns:a14="http://schemas.microsoft.com/office/drawing/2010/main">
-                <a:solidFill>
-                  <a:schemeClr val="accent1"/>
-                </a:solidFill>
-              </a14:hiddenFill>
-            </a:ext>
-            <a:ext uri="{91240B29-F687-4F45-9708-019B960494DF}">
-              <a14:hiddenLine xmlns:a14="http://schemas.microsoft.com/office/drawing/2010/main" w="9525">
-                <a:solidFill>
-                  <a:schemeClr val="tx1"/>
-                </a:solidFill>
-                <a:miter lim="800000"/>
-                <a:headEnd/>
-                <a:tailEnd/>
-              </a14:hiddenLine>
-            </a:ext>
-            <a:ext uri="{AF507438-7753-43E0-B8FC-AC1667EBCBE1}">
-              <a14:hiddenEffects xmlns:a14="http://schemas.microsoft.com/office/drawing/2010/main">
-                <a:effectLst>
-                  <a:outerShdw dist="35921" dir="2700000" algn="ctr" rotWithShape="0">
-                    <a:schemeClr val="bg2"/>
-                  </a:outerShdw>
-                </a:effectLst>
-              </a14:hiddenEffects>
-            </a:ext>
-          </a:extLst>
-        </p:spPr>
-      </p:pic>
-      <p:pic>
-        <p:nvPicPr>
-          <p:cNvPr id="20484" name="Picture 4"/>
-          <p:cNvPicPr>
-            <a:picLocks noChangeAspect="1" noChangeArrowheads="1"/>
-          </p:cNvPicPr>
-          <p:nvPr/>
-        </p:nvPicPr>
-        <p:blipFill>
-          <a:blip r:embed="rId3">
-            <a:extLst>
-              <a:ext uri="{28A0092B-C50C-407E-A947-70E740481C1C}">
-                <a14:useLocalDpi xmlns:a14="http://schemas.microsoft.com/office/drawing/2010/main" val="0"/>
-              </a:ext>
-            </a:extLst>
-          </a:blip>
-          <a:srcRect/>
-          <a:stretch>
-            <a:fillRect/>
-          </a:stretch>
-        </p:blipFill>
-        <p:spPr bwMode="auto">
-          <a:xfrm>
-            <a:off x="2339752" y="3986732"/>
-            <a:ext cx="4968552" cy="2241452"/>
-          </a:xfrm>
-          <a:prstGeom prst="rect">
-            <a:avLst/>
-          </a:prstGeom>
-          <a:noFill/>
-          <a:ln>
-            <a:noFill/>
-          </a:ln>
-          <a:effectLst/>
-          <a:extLst>
-            <a:ext uri="{909E8E84-426E-40DD-AFC4-6F175D3DCCD1}">
-              <a14:hiddenFill xmlns:a14="http://schemas.microsoft.com/office/drawing/2010/main">
-                <a:solidFill>
-                  <a:schemeClr val="accent1"/>
-                </a:solidFill>
-              </a14:hiddenFill>
-            </a:ext>
-            <a:ext uri="{91240B29-F687-4F45-9708-019B960494DF}">
-              <a14:hiddenLine xmlns:a14="http://schemas.microsoft.com/office/drawing/2010/main" w="9525">
-                <a:solidFill>
-                  <a:schemeClr val="tx1"/>
-                </a:solidFill>
-                <a:miter lim="800000"/>
-                <a:headEnd/>
-                <a:tailEnd/>
-              </a14:hiddenLine>
-            </a:ext>
-            <a:ext uri="{AF507438-7753-43E0-B8FC-AC1667EBCBE1}">
-              <a14:hiddenEffects xmlns:a14="http://schemas.microsoft.com/office/drawing/2010/main">
-                <a:effectLst>
-                  <a:outerShdw dist="35921" dir="2700000" algn="ctr" rotWithShape="0">
-                    <a:schemeClr val="bg2"/>
-                  </a:outerShdw>
-                </a:effectLst>
-              </a14:hiddenEffects>
-            </a:ext>
-          </a:extLst>
+        <p:spPr>
+          <a:xfrm>
+            <a:off x="2195736" y="4221088"/>
+            <a:ext cx="5504888" cy="1657722"/>
+          </a:xfrm>
+          <a:prstGeom prst="rect">
+            <a:avLst/>
+          </a:prstGeom>
         </p:spPr>
       </p:pic>
     </p:spTree>
     <p:extLst>
       <p:ext uri="{BB962C8B-B14F-4D97-AF65-F5344CB8AC3E}">
-        <p14:creationId xmlns:p14="http://schemas.microsoft.com/office/powerpoint/2010/main" val="1549732142"/>
+        <p14:creationId xmlns:p14="http://schemas.microsoft.com/office/powerpoint/2010/main" val="4186818966"/>
       </p:ext>
     </p:extLst>
   </p:cSld>
@@ -5718,7 +5913,7 @@
         <p:spPr>
           <a:xfrm>
             <a:off x="539552" y="548680"/>
-            <a:ext cx="851515" cy="523220"/>
+            <a:ext cx="498855" cy="523220"/>
           </a:xfrm>
           <a:prstGeom prst="rect">
             <a:avLst/>
@@ -5732,8 +5927,8 @@
           <a:lstStyle/>
           <a:p>
             <a:r>
-              <a:rPr lang="en-US" altLang="zh-TW" sz="2800" dirty="0" smtClean="0"/>
-              <a:t>time</a:t>
+              <a:rPr lang="en-US" altLang="zh-TW" sz="2800" dirty="0" err="1" smtClean="0"/>
+              <a:t>br</a:t>
             </a:r>
             <a:endParaRPr lang="zh-TW" altLang="en-US" sz="2800" dirty="0"/>
           </a:p>
@@ -5741,136 +5936,56 @@
       </p:sp>
       <p:pic>
         <p:nvPicPr>
-          <p:cNvPr id="21506" name="Picture 2"/>
+          <p:cNvPr id="3" name="圖片 2"/>
           <p:cNvPicPr>
-            <a:picLocks noChangeAspect="1" noChangeArrowheads="1"/>
+            <a:picLocks noChangeAspect="1"/>
           </p:cNvPicPr>
           <p:nvPr/>
         </p:nvPicPr>
         <p:blipFill>
-          <a:blip r:embed="rId2">
-            <a:extLst>
-              <a:ext uri="{28A0092B-C50C-407E-A947-70E740481C1C}">
-                <a14:useLocalDpi xmlns:a14="http://schemas.microsoft.com/office/drawing/2010/main" val="0"/>
-              </a:ext>
-            </a:extLst>
-          </a:blip>
-          <a:srcRect/>
+          <a:blip r:embed="rId2"/>
           <a:stretch>
             <a:fillRect/>
           </a:stretch>
         </p:blipFill>
-        <p:spPr bwMode="auto">
-          <a:xfrm>
-            <a:off x="1691680" y="764704"/>
-            <a:ext cx="7048500" cy="1924050"/>
-          </a:xfrm>
-          <a:prstGeom prst="rect">
-            <a:avLst/>
-          </a:prstGeom>
-          <a:noFill/>
-          <a:ln>
-            <a:noFill/>
-          </a:ln>
-          <a:effectLst/>
-          <a:extLst>
-            <a:ext uri="{909E8E84-426E-40DD-AFC4-6F175D3DCCD1}">
-              <a14:hiddenFill xmlns:a14="http://schemas.microsoft.com/office/drawing/2010/main">
-                <a:solidFill>
-                  <a:schemeClr val="accent1"/>
-                </a:solidFill>
-              </a14:hiddenFill>
-            </a:ext>
-            <a:ext uri="{91240B29-F687-4F45-9708-019B960494DF}">
-              <a14:hiddenLine xmlns:a14="http://schemas.microsoft.com/office/drawing/2010/main" w="9525">
-                <a:solidFill>
-                  <a:schemeClr val="tx1"/>
-                </a:solidFill>
-                <a:miter lim="800000"/>
-                <a:headEnd/>
-                <a:tailEnd/>
-              </a14:hiddenLine>
-            </a:ext>
-            <a:ext uri="{AF507438-7753-43E0-B8FC-AC1667EBCBE1}">
-              <a14:hiddenEffects xmlns:a14="http://schemas.microsoft.com/office/drawing/2010/main">
-                <a:effectLst>
-                  <a:outerShdw dist="35921" dir="2700000" algn="ctr" rotWithShape="0">
-                    <a:schemeClr val="bg2"/>
-                  </a:outerShdw>
-                </a:effectLst>
-              </a14:hiddenEffects>
-            </a:ext>
-          </a:extLst>
+        <p:spPr>
+          <a:xfrm>
+            <a:off x="820400" y="1412776"/>
+            <a:ext cx="3835871" cy="4366032"/>
+          </a:xfrm>
+          <a:prstGeom prst="rect">
+            <a:avLst/>
+          </a:prstGeom>
         </p:spPr>
       </p:pic>
       <p:pic>
         <p:nvPicPr>
-          <p:cNvPr id="21507" name="Picture 3"/>
+          <p:cNvPr id="4" name="圖片 3"/>
           <p:cNvPicPr>
-            <a:picLocks noChangeAspect="1" noChangeArrowheads="1"/>
+            <a:picLocks noChangeAspect="1"/>
           </p:cNvPicPr>
           <p:nvPr/>
         </p:nvPicPr>
         <p:blipFill>
-          <a:blip r:embed="rId3">
-            <a:extLst>
-              <a:ext uri="{28A0092B-C50C-407E-A947-70E740481C1C}">
-                <a14:useLocalDpi xmlns:a14="http://schemas.microsoft.com/office/drawing/2010/main" val="0"/>
-              </a:ext>
-            </a:extLst>
-          </a:blip>
-          <a:srcRect/>
+          <a:blip r:embed="rId3"/>
           <a:stretch>
             <a:fillRect/>
           </a:stretch>
         </p:blipFill>
-        <p:spPr bwMode="auto">
-          <a:xfrm>
-            <a:off x="2555776" y="3277892"/>
-            <a:ext cx="4248472" cy="2936203"/>
-          </a:xfrm>
-          <a:prstGeom prst="rect">
-            <a:avLst/>
-          </a:prstGeom>
-          <a:noFill/>
-          <a:ln>
-            <a:noFill/>
-          </a:ln>
-          <a:effectLst/>
-          <a:extLst>
-            <a:ext uri="{909E8E84-426E-40DD-AFC4-6F175D3DCCD1}">
-              <a14:hiddenFill xmlns:a14="http://schemas.microsoft.com/office/drawing/2010/main">
-                <a:solidFill>
-                  <a:schemeClr val="accent1"/>
-                </a:solidFill>
-              </a14:hiddenFill>
-            </a:ext>
-            <a:ext uri="{91240B29-F687-4F45-9708-019B960494DF}">
-              <a14:hiddenLine xmlns:a14="http://schemas.microsoft.com/office/drawing/2010/main" w="9525">
-                <a:solidFill>
-                  <a:schemeClr val="tx1"/>
-                </a:solidFill>
-                <a:miter lim="800000"/>
-                <a:headEnd/>
-                <a:tailEnd/>
-              </a14:hiddenLine>
-            </a:ext>
-            <a:ext uri="{AF507438-7753-43E0-B8FC-AC1667EBCBE1}">
-              <a14:hiddenEffects xmlns:a14="http://schemas.microsoft.com/office/drawing/2010/main">
-                <a:effectLst>
-                  <a:outerShdw dist="35921" dir="2700000" algn="ctr" rotWithShape="0">
-                    <a:schemeClr val="bg2"/>
-                  </a:outerShdw>
-                </a:effectLst>
-              </a14:hiddenEffects>
-            </a:ext>
-          </a:extLst>
+        <p:spPr>
+          <a:xfrm>
+            <a:off x="5580112" y="1085291"/>
+            <a:ext cx="2313980" cy="4966591"/>
+          </a:xfrm>
+          <a:prstGeom prst="rect">
+            <a:avLst/>
+          </a:prstGeom>
         </p:spPr>
       </p:pic>
     </p:spTree>
     <p:extLst>
       <p:ext uri="{BB962C8B-B14F-4D97-AF65-F5344CB8AC3E}">
-        <p14:creationId xmlns:p14="http://schemas.microsoft.com/office/powerpoint/2010/main" val="1462205536"/>
+        <p14:creationId xmlns:p14="http://schemas.microsoft.com/office/powerpoint/2010/main" val="1880135209"/>
       </p:ext>
     </p:extLst>
   </p:cSld>
@@ -5897,10 +6012,854 @@
           <a:chExt cx="0" cy="0"/>
         </a:xfrm>
       </p:grpSpPr>
+      <p:pic>
+        <p:nvPicPr>
+          <p:cNvPr id="2" name="圖片 1"/>
+          <p:cNvPicPr>
+            <a:picLocks noChangeAspect="1"/>
+          </p:cNvPicPr>
+          <p:nvPr/>
+        </p:nvPicPr>
+        <p:blipFill>
+          <a:blip r:embed="rId2"/>
+          <a:stretch>
+            <a:fillRect/>
+          </a:stretch>
+        </p:blipFill>
+        <p:spPr>
+          <a:xfrm>
+            <a:off x="2051720" y="404664"/>
+            <a:ext cx="6115050" cy="2705100"/>
+          </a:xfrm>
+          <a:prstGeom prst="rect">
+            <a:avLst/>
+          </a:prstGeom>
+        </p:spPr>
+      </p:pic>
+      <p:pic>
+        <p:nvPicPr>
+          <p:cNvPr id="3" name="圖片 2"/>
+          <p:cNvPicPr>
+            <a:picLocks noChangeAspect="1"/>
+          </p:cNvPicPr>
+          <p:nvPr/>
+        </p:nvPicPr>
+        <p:blipFill>
+          <a:blip r:embed="rId3"/>
+          <a:stretch>
+            <a:fillRect/>
+          </a:stretch>
+        </p:blipFill>
+        <p:spPr>
+          <a:xfrm>
+            <a:off x="323528" y="3933056"/>
+            <a:ext cx="8424936" cy="1144552"/>
+          </a:xfrm>
+          <a:prstGeom prst="rect">
+            <a:avLst/>
+          </a:prstGeom>
+        </p:spPr>
+      </p:pic>
+      <p:sp>
+        <p:nvSpPr>
+          <p:cNvPr id="4" name="文字方塊 3"/>
+          <p:cNvSpPr txBox="1"/>
+          <p:nvPr/>
+        </p:nvSpPr>
+        <p:spPr>
+          <a:xfrm>
+            <a:off x="395536" y="548680"/>
+            <a:ext cx="1486304" cy="523220"/>
+          </a:xfrm>
+          <a:prstGeom prst="rect">
+            <a:avLst/>
+          </a:prstGeom>
+          <a:noFill/>
+        </p:spPr>
+        <p:txBody>
+          <a:bodyPr wrap="none" rtlCol="0">
+            <a:spAutoFit/>
+          </a:bodyPr>
+          <a:lstStyle/>
+          <a:p>
+            <a:r>
+              <a:rPr lang="en-US" altLang="zh-TW" sz="2800" dirty="0" smtClean="0"/>
+              <a:t>dl, </a:t>
+            </a:r>
+            <a:r>
+              <a:rPr lang="en-US" altLang="zh-TW" sz="2800" dirty="0" err="1" smtClean="0"/>
+              <a:t>dt</a:t>
+            </a:r>
+            <a:r>
+              <a:rPr lang="en-US" altLang="zh-TW" sz="2800" dirty="0" smtClean="0"/>
+              <a:t>, </a:t>
+            </a:r>
+            <a:r>
+              <a:rPr lang="en-US" altLang="zh-TW" sz="2800" dirty="0" err="1" smtClean="0"/>
+              <a:t>dd</a:t>
+            </a:r>
+            <a:endParaRPr lang="zh-TW" altLang="en-US" sz="2800" dirty="0"/>
+          </a:p>
+        </p:txBody>
+      </p:sp>
     </p:spTree>
     <p:extLst>
       <p:ext uri="{BB962C8B-B14F-4D97-AF65-F5344CB8AC3E}">
-        <p14:creationId xmlns:p14="http://schemas.microsoft.com/office/powerpoint/2010/main" val="1880135209"/>
+        <p14:creationId xmlns:p14="http://schemas.microsoft.com/office/powerpoint/2010/main" val="3982362167"/>
+      </p:ext>
+    </p:extLst>
+  </p:cSld>
+  <p:clrMapOvr>
+    <a:masterClrMapping/>
+  </p:clrMapOvr>
+</p:sld>
+</file>
+
+<file path=ppt/slides/slide25.xml><?xml version="1.0" encoding="utf-8"?>
+<p:sld xmlns:a="http://schemas.openxmlformats.org/drawingml/2006/main" xmlns:r="http://schemas.openxmlformats.org/officeDocument/2006/relationships" xmlns:p="http://schemas.openxmlformats.org/presentationml/2006/main">
+  <p:cSld>
+    <p:spTree>
+      <p:nvGrpSpPr>
+        <p:cNvPr id="1" name=""/>
+        <p:cNvGrpSpPr/>
+        <p:nvPr/>
+      </p:nvGrpSpPr>
+      <p:grpSpPr>
+        <a:xfrm>
+          <a:off x="0" y="0"/>
+          <a:ext cx="0" cy="0"/>
+          <a:chOff x="0" y="0"/>
+          <a:chExt cx="0" cy="0"/>
+        </a:xfrm>
+      </p:grpSpPr>
+      <p:pic>
+        <p:nvPicPr>
+          <p:cNvPr id="2" name="圖片 1"/>
+          <p:cNvPicPr>
+            <a:picLocks noChangeAspect="1"/>
+          </p:cNvPicPr>
+          <p:nvPr/>
+        </p:nvPicPr>
+        <p:blipFill>
+          <a:blip r:embed="rId2"/>
+          <a:stretch>
+            <a:fillRect/>
+          </a:stretch>
+        </p:blipFill>
+        <p:spPr>
+          <a:xfrm>
+            <a:off x="2411760" y="548680"/>
+            <a:ext cx="5616624" cy="2943028"/>
+          </a:xfrm>
+          <a:prstGeom prst="rect">
+            <a:avLst/>
+          </a:prstGeom>
+        </p:spPr>
+      </p:pic>
+      <p:sp>
+        <p:nvSpPr>
+          <p:cNvPr id="3" name="文字方塊 2"/>
+          <p:cNvSpPr txBox="1"/>
+          <p:nvPr/>
+        </p:nvSpPr>
+        <p:spPr>
+          <a:xfrm>
+            <a:off x="683568" y="548680"/>
+            <a:ext cx="498855" cy="523220"/>
+          </a:xfrm>
+          <a:prstGeom prst="rect">
+            <a:avLst/>
+          </a:prstGeom>
+          <a:noFill/>
+        </p:spPr>
+        <p:txBody>
+          <a:bodyPr wrap="none" rtlCol="0">
+            <a:spAutoFit/>
+          </a:bodyPr>
+          <a:lstStyle/>
+          <a:p>
+            <a:r>
+              <a:rPr lang="en-US" altLang="zh-TW" sz="2800" dirty="0" err="1" smtClean="0"/>
+              <a:t>hr</a:t>
+            </a:r>
+            <a:endParaRPr lang="zh-TW" altLang="en-US" sz="2800" dirty="0"/>
+          </a:p>
+        </p:txBody>
+      </p:sp>
+      <p:pic>
+        <p:nvPicPr>
+          <p:cNvPr id="4" name="圖片 3"/>
+          <p:cNvPicPr>
+            <a:picLocks noChangeAspect="1"/>
+          </p:cNvPicPr>
+          <p:nvPr/>
+        </p:nvPicPr>
+        <p:blipFill>
+          <a:blip r:embed="rId3"/>
+          <a:stretch>
+            <a:fillRect/>
+          </a:stretch>
+        </p:blipFill>
+        <p:spPr>
+          <a:xfrm>
+            <a:off x="2396776" y="3575377"/>
+            <a:ext cx="4407471" cy="3138979"/>
+          </a:xfrm>
+          <a:prstGeom prst="rect">
+            <a:avLst/>
+          </a:prstGeom>
+        </p:spPr>
+      </p:pic>
+    </p:spTree>
+    <p:extLst>
+      <p:ext uri="{BB962C8B-B14F-4D97-AF65-F5344CB8AC3E}">
+        <p14:creationId xmlns:p14="http://schemas.microsoft.com/office/powerpoint/2010/main" val="1055144575"/>
+      </p:ext>
+    </p:extLst>
+  </p:cSld>
+  <p:clrMapOvr>
+    <a:masterClrMapping/>
+  </p:clrMapOvr>
+</p:sld>
+</file>
+
+<file path=ppt/slides/slide26.xml><?xml version="1.0" encoding="utf-8"?>
+<p:sld xmlns:a="http://schemas.openxmlformats.org/drawingml/2006/main" xmlns:r="http://schemas.openxmlformats.org/officeDocument/2006/relationships" xmlns:p="http://schemas.openxmlformats.org/presentationml/2006/main">
+  <p:cSld>
+    <p:spTree>
+      <p:nvGrpSpPr>
+        <p:cNvPr id="1" name=""/>
+        <p:cNvGrpSpPr/>
+        <p:nvPr/>
+      </p:nvGrpSpPr>
+      <p:grpSpPr>
+        <a:xfrm>
+          <a:off x="0" y="0"/>
+          <a:ext cx="0" cy="0"/>
+          <a:chOff x="0" y="0"/>
+          <a:chExt cx="0" cy="0"/>
+        </a:xfrm>
+      </p:grpSpPr>
+      <p:sp>
+        <p:nvSpPr>
+          <p:cNvPr id="2" name="文字方塊 1"/>
+          <p:cNvSpPr txBox="1"/>
+          <p:nvPr/>
+        </p:nvSpPr>
+        <p:spPr>
+          <a:xfrm>
+            <a:off x="539552" y="548680"/>
+            <a:ext cx="1537344" cy="523220"/>
+          </a:xfrm>
+          <a:prstGeom prst="rect">
+            <a:avLst/>
+          </a:prstGeom>
+          <a:noFill/>
+        </p:spPr>
+        <p:txBody>
+          <a:bodyPr wrap="none" rtlCol="0">
+            <a:spAutoFit/>
+          </a:bodyPr>
+          <a:lstStyle/>
+          <a:p>
+            <a:r>
+              <a:rPr lang="en-US" altLang="zh-TW" sz="2800" dirty="0" smtClean="0"/>
+              <a:t>hyperlink</a:t>
+            </a:r>
+            <a:endParaRPr lang="zh-TW" altLang="en-US" sz="2800" dirty="0"/>
+          </a:p>
+        </p:txBody>
+      </p:sp>
+      <p:pic>
+        <p:nvPicPr>
+          <p:cNvPr id="18434" name="Picture 2"/>
+          <p:cNvPicPr>
+            <a:picLocks noChangeAspect="1" noChangeArrowheads="1"/>
+          </p:cNvPicPr>
+          <p:nvPr/>
+        </p:nvPicPr>
+        <p:blipFill>
+          <a:blip r:embed="rId2">
+            <a:extLst>
+              <a:ext uri="{28A0092B-C50C-407E-A947-70E740481C1C}">
+                <a14:useLocalDpi xmlns:a14="http://schemas.microsoft.com/office/drawing/2010/main" val="0"/>
+              </a:ext>
+            </a:extLst>
+          </a:blip>
+          <a:srcRect/>
+          <a:stretch>
+            <a:fillRect/>
+          </a:stretch>
+        </p:blipFill>
+        <p:spPr bwMode="auto">
+          <a:xfrm>
+            <a:off x="1171575" y="1196752"/>
+            <a:ext cx="6800850" cy="2657475"/>
+          </a:xfrm>
+          <a:prstGeom prst="rect">
+            <a:avLst/>
+          </a:prstGeom>
+          <a:noFill/>
+          <a:ln>
+            <a:noFill/>
+          </a:ln>
+          <a:effectLst/>
+          <a:extLst>
+            <a:ext uri="{909E8E84-426E-40DD-AFC4-6F175D3DCCD1}">
+              <a14:hiddenFill xmlns:a14="http://schemas.microsoft.com/office/drawing/2010/main">
+                <a:solidFill>
+                  <a:schemeClr val="accent1"/>
+                </a:solidFill>
+              </a14:hiddenFill>
+            </a:ext>
+            <a:ext uri="{91240B29-F687-4F45-9708-019B960494DF}">
+              <a14:hiddenLine xmlns:a14="http://schemas.microsoft.com/office/drawing/2010/main" w="9525">
+                <a:solidFill>
+                  <a:schemeClr val="tx1"/>
+                </a:solidFill>
+                <a:miter lim="800000"/>
+                <a:headEnd/>
+                <a:tailEnd/>
+              </a14:hiddenLine>
+            </a:ext>
+            <a:ext uri="{AF507438-7753-43E0-B8FC-AC1667EBCBE1}">
+              <a14:hiddenEffects xmlns:a14="http://schemas.microsoft.com/office/drawing/2010/main">
+                <a:effectLst>
+                  <a:outerShdw dist="35921" dir="2700000" algn="ctr" rotWithShape="0">
+                    <a:schemeClr val="bg2"/>
+                  </a:outerShdw>
+                </a:effectLst>
+              </a14:hiddenEffects>
+            </a:ext>
+          </a:extLst>
+        </p:spPr>
+      </p:pic>
+      <p:pic>
+        <p:nvPicPr>
+          <p:cNvPr id="18435" name="Picture 3"/>
+          <p:cNvPicPr>
+            <a:picLocks noChangeAspect="1" noChangeArrowheads="1"/>
+          </p:cNvPicPr>
+          <p:nvPr/>
+        </p:nvPicPr>
+        <p:blipFill>
+          <a:blip r:embed="rId3">
+            <a:extLst>
+              <a:ext uri="{28A0092B-C50C-407E-A947-70E740481C1C}">
+                <a14:useLocalDpi xmlns:a14="http://schemas.microsoft.com/office/drawing/2010/main" val="0"/>
+              </a:ext>
+            </a:extLst>
+          </a:blip>
+          <a:srcRect/>
+          <a:stretch>
+            <a:fillRect/>
+          </a:stretch>
+        </p:blipFill>
+        <p:spPr bwMode="auto">
+          <a:xfrm>
+            <a:off x="2699792" y="3654802"/>
+            <a:ext cx="3888432" cy="2851517"/>
+          </a:xfrm>
+          <a:prstGeom prst="rect">
+            <a:avLst/>
+          </a:prstGeom>
+          <a:noFill/>
+          <a:ln>
+            <a:noFill/>
+          </a:ln>
+          <a:effectLst/>
+          <a:extLst>
+            <a:ext uri="{909E8E84-426E-40DD-AFC4-6F175D3DCCD1}">
+              <a14:hiddenFill xmlns:a14="http://schemas.microsoft.com/office/drawing/2010/main">
+                <a:solidFill>
+                  <a:schemeClr val="accent1"/>
+                </a:solidFill>
+              </a14:hiddenFill>
+            </a:ext>
+            <a:ext uri="{91240B29-F687-4F45-9708-019B960494DF}">
+              <a14:hiddenLine xmlns:a14="http://schemas.microsoft.com/office/drawing/2010/main" w="9525">
+                <a:solidFill>
+                  <a:schemeClr val="tx1"/>
+                </a:solidFill>
+                <a:miter lim="800000"/>
+                <a:headEnd/>
+                <a:tailEnd/>
+              </a14:hiddenLine>
+            </a:ext>
+            <a:ext uri="{AF507438-7753-43E0-B8FC-AC1667EBCBE1}">
+              <a14:hiddenEffects xmlns:a14="http://schemas.microsoft.com/office/drawing/2010/main">
+                <a:effectLst>
+                  <a:outerShdw dist="35921" dir="2700000" algn="ctr" rotWithShape="0">
+                    <a:schemeClr val="bg2"/>
+                  </a:outerShdw>
+                </a:effectLst>
+              </a14:hiddenEffects>
+            </a:ext>
+          </a:extLst>
+        </p:spPr>
+      </p:pic>
+    </p:spTree>
+    <p:extLst>
+      <p:ext uri="{BB962C8B-B14F-4D97-AF65-F5344CB8AC3E}">
+        <p14:creationId xmlns:p14="http://schemas.microsoft.com/office/powerpoint/2010/main" val="3433504768"/>
+      </p:ext>
+    </p:extLst>
+  </p:cSld>
+  <p:clrMapOvr>
+    <a:masterClrMapping/>
+  </p:clrMapOvr>
+</p:sld>
+</file>
+
+<file path=ppt/slides/slide27.xml><?xml version="1.0" encoding="utf-8"?>
+<p:sld xmlns:a="http://schemas.openxmlformats.org/drawingml/2006/main" xmlns:r="http://schemas.openxmlformats.org/officeDocument/2006/relationships" xmlns:p="http://schemas.openxmlformats.org/presentationml/2006/main">
+  <p:cSld>
+    <p:spTree>
+      <p:nvGrpSpPr>
+        <p:cNvPr id="1" name=""/>
+        <p:cNvGrpSpPr/>
+        <p:nvPr/>
+      </p:nvGrpSpPr>
+      <p:grpSpPr>
+        <a:xfrm>
+          <a:off x="0" y="0"/>
+          <a:ext cx="0" cy="0"/>
+          <a:chOff x="0" y="0"/>
+          <a:chExt cx="0" cy="0"/>
+        </a:xfrm>
+      </p:grpSpPr>
+      <p:pic>
+        <p:nvPicPr>
+          <p:cNvPr id="19458" name="Picture 2"/>
+          <p:cNvPicPr>
+            <a:picLocks noChangeAspect="1" noChangeArrowheads="1"/>
+          </p:cNvPicPr>
+          <p:nvPr/>
+        </p:nvPicPr>
+        <p:blipFill>
+          <a:blip r:embed="rId2">
+            <a:extLst>
+              <a:ext uri="{28A0092B-C50C-407E-A947-70E740481C1C}">
+                <a14:useLocalDpi xmlns:a14="http://schemas.microsoft.com/office/drawing/2010/main" val="0"/>
+              </a:ext>
+            </a:extLst>
+          </a:blip>
+          <a:srcRect/>
+          <a:stretch>
+            <a:fillRect/>
+          </a:stretch>
+        </p:blipFill>
+        <p:spPr bwMode="auto">
+          <a:xfrm>
+            <a:off x="2195736" y="908720"/>
+            <a:ext cx="6269490" cy="2054349"/>
+          </a:xfrm>
+          <a:prstGeom prst="rect">
+            <a:avLst/>
+          </a:prstGeom>
+          <a:noFill/>
+          <a:ln>
+            <a:noFill/>
+          </a:ln>
+          <a:effectLst/>
+          <a:extLst>
+            <a:ext uri="{909E8E84-426E-40DD-AFC4-6F175D3DCCD1}">
+              <a14:hiddenFill xmlns:a14="http://schemas.microsoft.com/office/drawing/2010/main">
+                <a:solidFill>
+                  <a:schemeClr val="accent1"/>
+                </a:solidFill>
+              </a14:hiddenFill>
+            </a:ext>
+            <a:ext uri="{91240B29-F687-4F45-9708-019B960494DF}">
+              <a14:hiddenLine xmlns:a14="http://schemas.microsoft.com/office/drawing/2010/main" w="9525">
+                <a:solidFill>
+                  <a:schemeClr val="tx1"/>
+                </a:solidFill>
+                <a:miter lim="800000"/>
+                <a:headEnd/>
+                <a:tailEnd/>
+              </a14:hiddenLine>
+            </a:ext>
+            <a:ext uri="{AF507438-7753-43E0-B8FC-AC1667EBCBE1}">
+              <a14:hiddenEffects xmlns:a14="http://schemas.microsoft.com/office/drawing/2010/main">
+                <a:effectLst>
+                  <a:outerShdw dist="35921" dir="2700000" algn="ctr" rotWithShape="0">
+                    <a:schemeClr val="bg2"/>
+                  </a:outerShdw>
+                </a:effectLst>
+              </a14:hiddenEffects>
+            </a:ext>
+          </a:extLst>
+        </p:spPr>
+      </p:pic>
+      <p:pic>
+        <p:nvPicPr>
+          <p:cNvPr id="19459" name="Picture 3"/>
+          <p:cNvPicPr>
+            <a:picLocks noChangeAspect="1" noChangeArrowheads="1"/>
+          </p:cNvPicPr>
+          <p:nvPr/>
+        </p:nvPicPr>
+        <p:blipFill>
+          <a:blip r:embed="rId3">
+            <a:extLst>
+              <a:ext uri="{28A0092B-C50C-407E-A947-70E740481C1C}">
+                <a14:useLocalDpi xmlns:a14="http://schemas.microsoft.com/office/drawing/2010/main" val="0"/>
+              </a:ext>
+            </a:extLst>
+          </a:blip>
+          <a:srcRect/>
+          <a:stretch>
+            <a:fillRect/>
+          </a:stretch>
+        </p:blipFill>
+        <p:spPr bwMode="auto">
+          <a:xfrm>
+            <a:off x="2339752" y="3645024"/>
+            <a:ext cx="5199712" cy="2199878"/>
+          </a:xfrm>
+          <a:prstGeom prst="rect">
+            <a:avLst/>
+          </a:prstGeom>
+          <a:noFill/>
+          <a:ln>
+            <a:noFill/>
+          </a:ln>
+          <a:effectLst/>
+          <a:extLst>
+            <a:ext uri="{909E8E84-426E-40DD-AFC4-6F175D3DCCD1}">
+              <a14:hiddenFill xmlns:a14="http://schemas.microsoft.com/office/drawing/2010/main">
+                <a:solidFill>
+                  <a:schemeClr val="accent1"/>
+                </a:solidFill>
+              </a14:hiddenFill>
+            </a:ext>
+            <a:ext uri="{91240B29-F687-4F45-9708-019B960494DF}">
+              <a14:hiddenLine xmlns:a14="http://schemas.microsoft.com/office/drawing/2010/main" w="9525">
+                <a:solidFill>
+                  <a:schemeClr val="tx1"/>
+                </a:solidFill>
+                <a:miter lim="800000"/>
+                <a:headEnd/>
+                <a:tailEnd/>
+              </a14:hiddenLine>
+            </a:ext>
+            <a:ext uri="{AF507438-7753-43E0-B8FC-AC1667EBCBE1}">
+              <a14:hiddenEffects xmlns:a14="http://schemas.microsoft.com/office/drawing/2010/main">
+                <a:effectLst>
+                  <a:outerShdw dist="35921" dir="2700000" algn="ctr" rotWithShape="0">
+                    <a:schemeClr val="bg2"/>
+                  </a:outerShdw>
+                </a:effectLst>
+              </a14:hiddenEffects>
+            </a:ext>
+          </a:extLst>
+        </p:spPr>
+      </p:pic>
+      <p:sp>
+        <p:nvSpPr>
+          <p:cNvPr id="4" name="文字方塊 3"/>
+          <p:cNvSpPr txBox="1"/>
+          <p:nvPr/>
+        </p:nvSpPr>
+        <p:spPr>
+          <a:xfrm>
+            <a:off x="539552" y="548680"/>
+            <a:ext cx="1537344" cy="523220"/>
+          </a:xfrm>
+          <a:prstGeom prst="rect">
+            <a:avLst/>
+          </a:prstGeom>
+          <a:noFill/>
+        </p:spPr>
+        <p:txBody>
+          <a:bodyPr wrap="none" rtlCol="0">
+            <a:spAutoFit/>
+          </a:bodyPr>
+          <a:lstStyle/>
+          <a:p>
+            <a:r>
+              <a:rPr lang="en-US" altLang="zh-TW" sz="2800" dirty="0" smtClean="0"/>
+              <a:t>hyperlink</a:t>
+            </a:r>
+            <a:endParaRPr lang="zh-TW" altLang="en-US" sz="2800" dirty="0"/>
+          </a:p>
+        </p:txBody>
+      </p:sp>
+    </p:spTree>
+    <p:extLst>
+      <p:ext uri="{BB962C8B-B14F-4D97-AF65-F5344CB8AC3E}">
+        <p14:creationId xmlns:p14="http://schemas.microsoft.com/office/powerpoint/2010/main" val="984994190"/>
+      </p:ext>
+    </p:extLst>
+  </p:cSld>
+  <p:clrMapOvr>
+    <a:masterClrMapping/>
+  </p:clrMapOvr>
+</p:sld>
+</file>
+
+<file path=ppt/slides/slide28.xml><?xml version="1.0" encoding="utf-8"?>
+<p:sld xmlns:a="http://schemas.openxmlformats.org/drawingml/2006/main" xmlns:r="http://schemas.openxmlformats.org/officeDocument/2006/relationships" xmlns:p="http://schemas.openxmlformats.org/presentationml/2006/main">
+  <p:cSld>
+    <p:spTree>
+      <p:nvGrpSpPr>
+        <p:cNvPr id="1" name=""/>
+        <p:cNvGrpSpPr/>
+        <p:nvPr/>
+      </p:nvGrpSpPr>
+      <p:grpSpPr>
+        <a:xfrm>
+          <a:off x="0" y="0"/>
+          <a:ext cx="0" cy="0"/>
+          <a:chOff x="0" y="0"/>
+          <a:chExt cx="0" cy="0"/>
+        </a:xfrm>
+      </p:grpSpPr>
+      <p:pic>
+        <p:nvPicPr>
+          <p:cNvPr id="2" name="圖片 1"/>
+          <p:cNvPicPr>
+            <a:picLocks noChangeAspect="1"/>
+          </p:cNvPicPr>
+          <p:nvPr/>
+        </p:nvPicPr>
+        <p:blipFill>
+          <a:blip r:embed="rId2"/>
+          <a:stretch>
+            <a:fillRect/>
+          </a:stretch>
+        </p:blipFill>
+        <p:spPr>
+          <a:xfrm>
+            <a:off x="179512" y="1484784"/>
+            <a:ext cx="5867225" cy="4155951"/>
+          </a:xfrm>
+          <a:prstGeom prst="rect">
+            <a:avLst/>
+          </a:prstGeom>
+        </p:spPr>
+      </p:pic>
+      <p:pic>
+        <p:nvPicPr>
+          <p:cNvPr id="3" name="圖片 2"/>
+          <p:cNvPicPr>
+            <a:picLocks noChangeAspect="1"/>
+          </p:cNvPicPr>
+          <p:nvPr/>
+        </p:nvPicPr>
+        <p:blipFill>
+          <a:blip r:embed="rId3"/>
+          <a:stretch>
+            <a:fillRect/>
+          </a:stretch>
+        </p:blipFill>
+        <p:spPr>
+          <a:xfrm>
+            <a:off x="6228184" y="1844824"/>
+            <a:ext cx="2705100" cy="3181350"/>
+          </a:xfrm>
+          <a:prstGeom prst="rect">
+            <a:avLst/>
+          </a:prstGeom>
+        </p:spPr>
+      </p:pic>
+    </p:spTree>
+    <p:extLst>
+      <p:ext uri="{BB962C8B-B14F-4D97-AF65-F5344CB8AC3E}">
+        <p14:creationId xmlns:p14="http://schemas.microsoft.com/office/powerpoint/2010/main" val="384898505"/>
+      </p:ext>
+    </p:extLst>
+  </p:cSld>
+  <p:clrMapOvr>
+    <a:masterClrMapping/>
+  </p:clrMapOvr>
+</p:sld>
+</file>
+
+<file path=ppt/slides/slide29.xml><?xml version="1.0" encoding="utf-8"?>
+<p:sld xmlns:a="http://schemas.openxmlformats.org/drawingml/2006/main" xmlns:r="http://schemas.openxmlformats.org/officeDocument/2006/relationships" xmlns:p="http://schemas.openxmlformats.org/presentationml/2006/main">
+  <p:cSld>
+    <p:spTree>
+      <p:nvGrpSpPr>
+        <p:cNvPr id="1" name=""/>
+        <p:cNvGrpSpPr/>
+        <p:nvPr/>
+      </p:nvGrpSpPr>
+      <p:grpSpPr>
+        <a:xfrm>
+          <a:off x="0" y="0"/>
+          <a:ext cx="0" cy="0"/>
+          <a:chOff x="0" y="0"/>
+          <a:chExt cx="0" cy="0"/>
+        </a:xfrm>
+      </p:grpSpPr>
+      <p:sp>
+        <p:nvSpPr>
+          <p:cNvPr id="2" name="文字方塊 1"/>
+          <p:cNvSpPr txBox="1"/>
+          <p:nvPr/>
+        </p:nvSpPr>
+        <p:spPr>
+          <a:xfrm>
+            <a:off x="539552" y="548680"/>
+            <a:ext cx="1217000" cy="523220"/>
+          </a:xfrm>
+          <a:prstGeom prst="rect">
+            <a:avLst/>
+          </a:prstGeom>
+          <a:noFill/>
+        </p:spPr>
+        <p:txBody>
+          <a:bodyPr wrap="none" rtlCol="0">
+            <a:spAutoFit/>
+          </a:bodyPr>
+          <a:lstStyle/>
+          <a:p>
+            <a:r>
+              <a:rPr lang="en-US" altLang="zh-TW" sz="2800" dirty="0"/>
+              <a:t>i</a:t>
+            </a:r>
+            <a:r>
+              <a:rPr lang="en-US" altLang="zh-TW" sz="2800" dirty="0" smtClean="0"/>
+              <a:t>ns, del</a:t>
+            </a:r>
+            <a:endParaRPr lang="zh-TW" altLang="en-US" sz="2800" dirty="0"/>
+          </a:p>
+        </p:txBody>
+      </p:sp>
+      <p:pic>
+        <p:nvPicPr>
+          <p:cNvPr id="20482" name="Picture 2"/>
+          <p:cNvPicPr>
+            <a:picLocks noChangeAspect="1" noChangeArrowheads="1"/>
+          </p:cNvPicPr>
+          <p:nvPr/>
+        </p:nvPicPr>
+        <p:blipFill>
+          <a:blip r:embed="rId2">
+            <a:extLst>
+              <a:ext uri="{28A0092B-C50C-407E-A947-70E740481C1C}">
+                <a14:useLocalDpi xmlns:a14="http://schemas.microsoft.com/office/drawing/2010/main" val="0"/>
+              </a:ext>
+            </a:extLst>
+          </a:blip>
+          <a:srcRect/>
+          <a:stretch>
+            <a:fillRect/>
+          </a:stretch>
+        </p:blipFill>
+        <p:spPr bwMode="auto">
+          <a:xfrm>
+            <a:off x="2051720" y="787450"/>
+            <a:ext cx="5904656" cy="2262532"/>
+          </a:xfrm>
+          <a:prstGeom prst="rect">
+            <a:avLst/>
+          </a:prstGeom>
+          <a:noFill/>
+          <a:ln>
+            <a:noFill/>
+          </a:ln>
+          <a:effectLst/>
+          <a:extLst>
+            <a:ext uri="{909E8E84-426E-40DD-AFC4-6F175D3DCCD1}">
+              <a14:hiddenFill xmlns:a14="http://schemas.microsoft.com/office/drawing/2010/main">
+                <a:solidFill>
+                  <a:schemeClr val="accent1"/>
+                </a:solidFill>
+              </a14:hiddenFill>
+            </a:ext>
+            <a:ext uri="{91240B29-F687-4F45-9708-019B960494DF}">
+              <a14:hiddenLine xmlns:a14="http://schemas.microsoft.com/office/drawing/2010/main" w="9525">
+                <a:solidFill>
+                  <a:schemeClr val="tx1"/>
+                </a:solidFill>
+                <a:miter lim="800000"/>
+                <a:headEnd/>
+                <a:tailEnd/>
+              </a14:hiddenLine>
+            </a:ext>
+            <a:ext uri="{AF507438-7753-43E0-B8FC-AC1667EBCBE1}">
+              <a14:hiddenEffects xmlns:a14="http://schemas.microsoft.com/office/drawing/2010/main">
+                <a:effectLst>
+                  <a:outerShdw dist="35921" dir="2700000" algn="ctr" rotWithShape="0">
+                    <a:schemeClr val="bg2"/>
+                  </a:outerShdw>
+                </a:effectLst>
+              </a14:hiddenEffects>
+            </a:ext>
+          </a:extLst>
+        </p:spPr>
+      </p:pic>
+      <p:pic>
+        <p:nvPicPr>
+          <p:cNvPr id="20484" name="Picture 4"/>
+          <p:cNvPicPr>
+            <a:picLocks noChangeAspect="1" noChangeArrowheads="1"/>
+          </p:cNvPicPr>
+          <p:nvPr/>
+        </p:nvPicPr>
+        <p:blipFill>
+          <a:blip r:embed="rId3">
+            <a:extLst>
+              <a:ext uri="{28A0092B-C50C-407E-A947-70E740481C1C}">
+                <a14:useLocalDpi xmlns:a14="http://schemas.microsoft.com/office/drawing/2010/main" val="0"/>
+              </a:ext>
+            </a:extLst>
+          </a:blip>
+          <a:srcRect/>
+          <a:stretch>
+            <a:fillRect/>
+          </a:stretch>
+        </p:blipFill>
+        <p:spPr bwMode="auto">
+          <a:xfrm>
+            <a:off x="2339752" y="3986732"/>
+            <a:ext cx="4968552" cy="2241452"/>
+          </a:xfrm>
+          <a:prstGeom prst="rect">
+            <a:avLst/>
+          </a:prstGeom>
+          <a:noFill/>
+          <a:ln>
+            <a:noFill/>
+          </a:ln>
+          <a:effectLst/>
+          <a:extLst>
+            <a:ext uri="{909E8E84-426E-40DD-AFC4-6F175D3DCCD1}">
+              <a14:hiddenFill xmlns:a14="http://schemas.microsoft.com/office/drawing/2010/main">
+                <a:solidFill>
+                  <a:schemeClr val="accent1"/>
+                </a:solidFill>
+              </a14:hiddenFill>
+            </a:ext>
+            <a:ext uri="{91240B29-F687-4F45-9708-019B960494DF}">
+              <a14:hiddenLine xmlns:a14="http://schemas.microsoft.com/office/drawing/2010/main" w="9525">
+                <a:solidFill>
+                  <a:schemeClr val="tx1"/>
+                </a:solidFill>
+                <a:miter lim="800000"/>
+                <a:headEnd/>
+                <a:tailEnd/>
+              </a14:hiddenLine>
+            </a:ext>
+            <a:ext uri="{AF507438-7753-43E0-B8FC-AC1667EBCBE1}">
+              <a14:hiddenEffects xmlns:a14="http://schemas.microsoft.com/office/drawing/2010/main">
+                <a:effectLst>
+                  <a:outerShdw dist="35921" dir="2700000" algn="ctr" rotWithShape="0">
+                    <a:schemeClr val="bg2"/>
+                  </a:outerShdw>
+                </a:effectLst>
+              </a14:hiddenEffects>
+            </a:ext>
+          </a:extLst>
+        </p:spPr>
+      </p:pic>
+    </p:spTree>
+    <p:extLst>
+      <p:ext uri="{BB962C8B-B14F-4D97-AF65-F5344CB8AC3E}">
+        <p14:creationId xmlns:p14="http://schemas.microsoft.com/office/powerpoint/2010/main" val="1549732142"/>
       </p:ext>
     </p:extLst>
   </p:cSld>
@@ -6068,6 +7027,1179 @@
 </p:sld>
 </file>
 
+<file path=ppt/slides/slide30.xml><?xml version="1.0" encoding="utf-8"?>
+<p:sld xmlns:a="http://schemas.openxmlformats.org/drawingml/2006/main" xmlns:r="http://schemas.openxmlformats.org/officeDocument/2006/relationships" xmlns:p="http://schemas.openxmlformats.org/presentationml/2006/main">
+  <p:cSld>
+    <p:spTree>
+      <p:nvGrpSpPr>
+        <p:cNvPr id="1" name=""/>
+        <p:cNvGrpSpPr/>
+        <p:nvPr/>
+      </p:nvGrpSpPr>
+      <p:grpSpPr>
+        <a:xfrm>
+          <a:off x="0" y="0"/>
+          <a:ext cx="0" cy="0"/>
+          <a:chOff x="0" y="0"/>
+          <a:chExt cx="0" cy="0"/>
+        </a:xfrm>
+      </p:grpSpPr>
+      <p:pic>
+        <p:nvPicPr>
+          <p:cNvPr id="2" name="圖片 1"/>
+          <p:cNvPicPr>
+            <a:picLocks noChangeAspect="1"/>
+          </p:cNvPicPr>
+          <p:nvPr/>
+        </p:nvPicPr>
+        <p:blipFill>
+          <a:blip r:embed="rId2"/>
+          <a:stretch>
+            <a:fillRect/>
+          </a:stretch>
+        </p:blipFill>
+        <p:spPr>
+          <a:xfrm>
+            <a:off x="827584" y="980728"/>
+            <a:ext cx="2952328" cy="4939256"/>
+          </a:xfrm>
+          <a:prstGeom prst="rect">
+            <a:avLst/>
+          </a:prstGeom>
+        </p:spPr>
+      </p:pic>
+      <p:pic>
+        <p:nvPicPr>
+          <p:cNvPr id="3" name="圖片 2"/>
+          <p:cNvPicPr>
+            <a:picLocks noChangeAspect="1"/>
+          </p:cNvPicPr>
+          <p:nvPr/>
+        </p:nvPicPr>
+        <p:blipFill>
+          <a:blip r:embed="rId3"/>
+          <a:stretch>
+            <a:fillRect/>
+          </a:stretch>
+        </p:blipFill>
+        <p:spPr>
+          <a:xfrm>
+            <a:off x="4788024" y="1628800"/>
+            <a:ext cx="3528392" cy="3779226"/>
+          </a:xfrm>
+          <a:prstGeom prst="rect">
+            <a:avLst/>
+          </a:prstGeom>
+        </p:spPr>
+      </p:pic>
+    </p:spTree>
+    <p:extLst>
+      <p:ext uri="{BB962C8B-B14F-4D97-AF65-F5344CB8AC3E}">
+        <p14:creationId xmlns:p14="http://schemas.microsoft.com/office/powerpoint/2010/main" val="2144920438"/>
+      </p:ext>
+    </p:extLst>
+  </p:cSld>
+  <p:clrMapOvr>
+    <a:masterClrMapping/>
+  </p:clrMapOvr>
+</p:sld>
+</file>
+
+<file path=ppt/slides/slide31.xml><?xml version="1.0" encoding="utf-8"?>
+<p:sld xmlns:a="http://schemas.openxmlformats.org/drawingml/2006/main" xmlns:r="http://schemas.openxmlformats.org/officeDocument/2006/relationships" xmlns:p="http://schemas.openxmlformats.org/presentationml/2006/main">
+  <p:cSld>
+    <p:spTree>
+      <p:nvGrpSpPr>
+        <p:cNvPr id="1" name=""/>
+        <p:cNvGrpSpPr/>
+        <p:nvPr/>
+      </p:nvGrpSpPr>
+      <p:grpSpPr>
+        <a:xfrm>
+          <a:off x="0" y="0"/>
+          <a:ext cx="0" cy="0"/>
+          <a:chOff x="0" y="0"/>
+          <a:chExt cx="0" cy="0"/>
+        </a:xfrm>
+      </p:grpSpPr>
+      <p:sp>
+        <p:nvSpPr>
+          <p:cNvPr id="2" name="文字方塊 1"/>
+          <p:cNvSpPr txBox="1"/>
+          <p:nvPr/>
+        </p:nvSpPr>
+        <p:spPr>
+          <a:xfrm>
+            <a:off x="539552" y="548680"/>
+            <a:ext cx="672043" cy="523220"/>
+          </a:xfrm>
+          <a:prstGeom prst="rect">
+            <a:avLst/>
+          </a:prstGeom>
+          <a:noFill/>
+        </p:spPr>
+        <p:txBody>
+          <a:bodyPr wrap="none" rtlCol="0">
+            <a:spAutoFit/>
+          </a:bodyPr>
+          <a:lstStyle/>
+          <a:p>
+            <a:r>
+              <a:rPr lang="en-US" altLang="zh-TW" sz="2800" dirty="0" smtClean="0"/>
+              <a:t>pre</a:t>
+            </a:r>
+            <a:endParaRPr lang="zh-TW" altLang="en-US" sz="2800" dirty="0"/>
+          </a:p>
+        </p:txBody>
+      </p:sp>
+      <p:pic>
+        <p:nvPicPr>
+          <p:cNvPr id="16386" name="Picture 2"/>
+          <p:cNvPicPr>
+            <a:picLocks noChangeAspect="1" noChangeArrowheads="1"/>
+          </p:cNvPicPr>
+          <p:nvPr/>
+        </p:nvPicPr>
+        <p:blipFill>
+          <a:blip r:embed="rId2">
+            <a:extLst>
+              <a:ext uri="{28A0092B-C50C-407E-A947-70E740481C1C}">
+                <a14:useLocalDpi xmlns:a14="http://schemas.microsoft.com/office/drawing/2010/main" val="0"/>
+              </a:ext>
+            </a:extLst>
+          </a:blip>
+          <a:srcRect/>
+          <a:stretch>
+            <a:fillRect/>
+          </a:stretch>
+        </p:blipFill>
+        <p:spPr bwMode="auto">
+          <a:xfrm>
+            <a:off x="2843808" y="332656"/>
+            <a:ext cx="3888432" cy="3097376"/>
+          </a:xfrm>
+          <a:prstGeom prst="rect">
+            <a:avLst/>
+          </a:prstGeom>
+          <a:noFill/>
+          <a:ln>
+            <a:noFill/>
+          </a:ln>
+          <a:effectLst/>
+          <a:extLst>
+            <a:ext uri="{909E8E84-426E-40DD-AFC4-6F175D3DCCD1}">
+              <a14:hiddenFill xmlns:a14="http://schemas.microsoft.com/office/drawing/2010/main">
+                <a:solidFill>
+                  <a:schemeClr val="accent1"/>
+                </a:solidFill>
+              </a14:hiddenFill>
+            </a:ext>
+            <a:ext uri="{91240B29-F687-4F45-9708-019B960494DF}">
+              <a14:hiddenLine xmlns:a14="http://schemas.microsoft.com/office/drawing/2010/main" w="9525">
+                <a:solidFill>
+                  <a:schemeClr val="tx1"/>
+                </a:solidFill>
+                <a:miter lim="800000"/>
+                <a:headEnd/>
+                <a:tailEnd/>
+              </a14:hiddenLine>
+            </a:ext>
+            <a:ext uri="{AF507438-7753-43E0-B8FC-AC1667EBCBE1}">
+              <a14:hiddenEffects xmlns:a14="http://schemas.microsoft.com/office/drawing/2010/main">
+                <a:effectLst>
+                  <a:outerShdw dist="35921" dir="2700000" algn="ctr" rotWithShape="0">
+                    <a:schemeClr val="bg2"/>
+                  </a:outerShdw>
+                </a:effectLst>
+              </a14:hiddenEffects>
+            </a:ext>
+          </a:extLst>
+        </p:spPr>
+      </p:pic>
+      <p:pic>
+        <p:nvPicPr>
+          <p:cNvPr id="16387" name="Picture 3"/>
+          <p:cNvPicPr>
+            <a:picLocks noChangeAspect="1" noChangeArrowheads="1"/>
+          </p:cNvPicPr>
+          <p:nvPr/>
+        </p:nvPicPr>
+        <p:blipFill>
+          <a:blip r:embed="rId3">
+            <a:extLst>
+              <a:ext uri="{28A0092B-C50C-407E-A947-70E740481C1C}">
+                <a14:useLocalDpi xmlns:a14="http://schemas.microsoft.com/office/drawing/2010/main" val="0"/>
+              </a:ext>
+            </a:extLst>
+          </a:blip>
+          <a:srcRect/>
+          <a:stretch>
+            <a:fillRect/>
+          </a:stretch>
+        </p:blipFill>
+        <p:spPr bwMode="auto">
+          <a:xfrm>
+            <a:off x="2771800" y="3837537"/>
+            <a:ext cx="3816424" cy="2602107"/>
+          </a:xfrm>
+          <a:prstGeom prst="rect">
+            <a:avLst/>
+          </a:prstGeom>
+          <a:noFill/>
+          <a:ln>
+            <a:noFill/>
+          </a:ln>
+          <a:effectLst/>
+          <a:extLst>
+            <a:ext uri="{909E8E84-426E-40DD-AFC4-6F175D3DCCD1}">
+              <a14:hiddenFill xmlns:a14="http://schemas.microsoft.com/office/drawing/2010/main">
+                <a:solidFill>
+                  <a:schemeClr val="accent1"/>
+                </a:solidFill>
+              </a14:hiddenFill>
+            </a:ext>
+            <a:ext uri="{91240B29-F687-4F45-9708-019B960494DF}">
+              <a14:hiddenLine xmlns:a14="http://schemas.microsoft.com/office/drawing/2010/main" w="9525">
+                <a:solidFill>
+                  <a:schemeClr val="tx1"/>
+                </a:solidFill>
+                <a:miter lim="800000"/>
+                <a:headEnd/>
+                <a:tailEnd/>
+              </a14:hiddenLine>
+            </a:ext>
+            <a:ext uri="{AF507438-7753-43E0-B8FC-AC1667EBCBE1}">
+              <a14:hiddenEffects xmlns:a14="http://schemas.microsoft.com/office/drawing/2010/main">
+                <a:effectLst>
+                  <a:outerShdw dist="35921" dir="2700000" algn="ctr" rotWithShape="0">
+                    <a:schemeClr val="bg2"/>
+                  </a:outerShdw>
+                </a:effectLst>
+              </a14:hiddenEffects>
+            </a:ext>
+          </a:extLst>
+        </p:spPr>
+      </p:pic>
+    </p:spTree>
+    <p:extLst>
+      <p:ext uri="{BB962C8B-B14F-4D97-AF65-F5344CB8AC3E}">
+        <p14:creationId xmlns:p14="http://schemas.microsoft.com/office/powerpoint/2010/main" val="3001121323"/>
+      </p:ext>
+    </p:extLst>
+  </p:cSld>
+  <p:clrMapOvr>
+    <a:masterClrMapping/>
+  </p:clrMapOvr>
+</p:sld>
+</file>
+
+<file path=ppt/slides/slide32.xml><?xml version="1.0" encoding="utf-8"?>
+<p:sld xmlns:a="http://schemas.openxmlformats.org/drawingml/2006/main" xmlns:r="http://schemas.openxmlformats.org/officeDocument/2006/relationships" xmlns:p="http://schemas.openxmlformats.org/presentationml/2006/main">
+  <p:cSld>
+    <p:spTree>
+      <p:nvGrpSpPr>
+        <p:cNvPr id="1" name=""/>
+        <p:cNvGrpSpPr/>
+        <p:nvPr/>
+      </p:nvGrpSpPr>
+      <p:grpSpPr>
+        <a:xfrm>
+          <a:off x="0" y="0"/>
+          <a:ext cx="0" cy="0"/>
+          <a:chOff x="0" y="0"/>
+          <a:chExt cx="0" cy="0"/>
+        </a:xfrm>
+      </p:grpSpPr>
+      <p:pic>
+        <p:nvPicPr>
+          <p:cNvPr id="2" name="圖片 1"/>
+          <p:cNvPicPr>
+            <a:picLocks noChangeAspect="1"/>
+          </p:cNvPicPr>
+          <p:nvPr/>
+        </p:nvPicPr>
+        <p:blipFill>
+          <a:blip r:embed="rId2"/>
+          <a:stretch>
+            <a:fillRect/>
+          </a:stretch>
+        </p:blipFill>
+        <p:spPr>
+          <a:xfrm>
+            <a:off x="2339752" y="620688"/>
+            <a:ext cx="5577537" cy="2055490"/>
+          </a:xfrm>
+          <a:prstGeom prst="rect">
+            <a:avLst/>
+          </a:prstGeom>
+        </p:spPr>
+      </p:pic>
+      <p:pic>
+        <p:nvPicPr>
+          <p:cNvPr id="4" name="圖片 3"/>
+          <p:cNvPicPr>
+            <a:picLocks noChangeAspect="1"/>
+          </p:cNvPicPr>
+          <p:nvPr/>
+        </p:nvPicPr>
+        <p:blipFill>
+          <a:blip r:embed="rId3"/>
+          <a:stretch>
+            <a:fillRect/>
+          </a:stretch>
+        </p:blipFill>
+        <p:spPr>
+          <a:xfrm>
+            <a:off x="3292316" y="3429000"/>
+            <a:ext cx="3672408" cy="2277599"/>
+          </a:xfrm>
+          <a:prstGeom prst="rect">
+            <a:avLst/>
+          </a:prstGeom>
+        </p:spPr>
+      </p:pic>
+    </p:spTree>
+    <p:extLst>
+      <p:ext uri="{BB962C8B-B14F-4D97-AF65-F5344CB8AC3E}">
+        <p14:creationId xmlns:p14="http://schemas.microsoft.com/office/powerpoint/2010/main" val="299902688"/>
+      </p:ext>
+    </p:extLst>
+  </p:cSld>
+  <p:clrMapOvr>
+    <a:masterClrMapping/>
+  </p:clrMapOvr>
+</p:sld>
+</file>
+
+<file path=ppt/slides/slide33.xml><?xml version="1.0" encoding="utf-8"?>
+<p:sld xmlns:a="http://schemas.openxmlformats.org/drawingml/2006/main" xmlns:r="http://schemas.openxmlformats.org/officeDocument/2006/relationships" xmlns:p="http://schemas.openxmlformats.org/presentationml/2006/main">
+  <p:cSld>
+    <p:spTree>
+      <p:nvGrpSpPr>
+        <p:cNvPr id="1" name=""/>
+        <p:cNvGrpSpPr/>
+        <p:nvPr/>
+      </p:nvGrpSpPr>
+      <p:grpSpPr>
+        <a:xfrm>
+          <a:off x="0" y="0"/>
+          <a:ext cx="0" cy="0"/>
+          <a:chOff x="0" y="0"/>
+          <a:chExt cx="0" cy="0"/>
+        </a:xfrm>
+      </p:grpSpPr>
+      <p:pic>
+        <p:nvPicPr>
+          <p:cNvPr id="17410" name="Picture 2"/>
+          <p:cNvPicPr>
+            <a:picLocks noChangeAspect="1" noChangeArrowheads="1"/>
+          </p:cNvPicPr>
+          <p:nvPr/>
+        </p:nvPicPr>
+        <p:blipFill>
+          <a:blip r:embed="rId2">
+            <a:extLst>
+              <a:ext uri="{28A0092B-C50C-407E-A947-70E740481C1C}">
+                <a14:useLocalDpi xmlns:a14="http://schemas.microsoft.com/office/drawing/2010/main" val="0"/>
+              </a:ext>
+            </a:extLst>
+          </a:blip>
+          <a:srcRect/>
+          <a:stretch>
+            <a:fillRect/>
+          </a:stretch>
+        </p:blipFill>
+        <p:spPr bwMode="auto">
+          <a:xfrm>
+            <a:off x="1505554" y="548680"/>
+            <a:ext cx="7029450" cy="2533650"/>
+          </a:xfrm>
+          <a:prstGeom prst="rect">
+            <a:avLst/>
+          </a:prstGeom>
+          <a:noFill/>
+          <a:ln>
+            <a:noFill/>
+          </a:ln>
+          <a:effectLst/>
+          <a:extLst>
+            <a:ext uri="{909E8E84-426E-40DD-AFC4-6F175D3DCCD1}">
+              <a14:hiddenFill xmlns:a14="http://schemas.microsoft.com/office/drawing/2010/main">
+                <a:solidFill>
+                  <a:schemeClr val="accent1"/>
+                </a:solidFill>
+              </a14:hiddenFill>
+            </a:ext>
+            <a:ext uri="{91240B29-F687-4F45-9708-019B960494DF}">
+              <a14:hiddenLine xmlns:a14="http://schemas.microsoft.com/office/drawing/2010/main" w="9525">
+                <a:solidFill>
+                  <a:schemeClr val="tx1"/>
+                </a:solidFill>
+                <a:miter lim="800000"/>
+                <a:headEnd/>
+                <a:tailEnd/>
+              </a14:hiddenLine>
+            </a:ext>
+            <a:ext uri="{AF507438-7753-43E0-B8FC-AC1667EBCBE1}">
+              <a14:hiddenEffects xmlns:a14="http://schemas.microsoft.com/office/drawing/2010/main">
+                <a:effectLst>
+                  <a:outerShdw dist="35921" dir="2700000" algn="ctr" rotWithShape="0">
+                    <a:schemeClr val="bg2"/>
+                  </a:outerShdw>
+                </a:effectLst>
+              </a14:hiddenEffects>
+            </a:ext>
+          </a:extLst>
+        </p:spPr>
+      </p:pic>
+      <p:sp>
+        <p:nvSpPr>
+          <p:cNvPr id="3" name="文字方塊 2"/>
+          <p:cNvSpPr txBox="1"/>
+          <p:nvPr/>
+        </p:nvSpPr>
+        <p:spPr>
+          <a:xfrm>
+            <a:off x="539552" y="548680"/>
+            <a:ext cx="875561" cy="523220"/>
+          </a:xfrm>
+          <a:prstGeom prst="rect">
+            <a:avLst/>
+          </a:prstGeom>
+          <a:noFill/>
+        </p:spPr>
+        <p:txBody>
+          <a:bodyPr wrap="none" rtlCol="0">
+            <a:spAutoFit/>
+          </a:bodyPr>
+          <a:lstStyle/>
+          <a:p>
+            <a:r>
+              <a:rPr lang="en-US" altLang="zh-TW" sz="2800" dirty="0" smtClean="0"/>
+              <a:t>span</a:t>
+            </a:r>
+            <a:endParaRPr lang="zh-TW" altLang="en-US" sz="2800" dirty="0"/>
+          </a:p>
+        </p:txBody>
+      </p:sp>
+      <p:pic>
+        <p:nvPicPr>
+          <p:cNvPr id="17411" name="Picture 3"/>
+          <p:cNvPicPr>
+            <a:picLocks noChangeAspect="1" noChangeArrowheads="1"/>
+          </p:cNvPicPr>
+          <p:nvPr/>
+        </p:nvPicPr>
+        <p:blipFill>
+          <a:blip r:embed="rId3">
+            <a:extLst>
+              <a:ext uri="{28A0092B-C50C-407E-A947-70E740481C1C}">
+                <a14:useLocalDpi xmlns:a14="http://schemas.microsoft.com/office/drawing/2010/main" val="0"/>
+              </a:ext>
+            </a:extLst>
+          </a:blip>
+          <a:srcRect/>
+          <a:stretch>
+            <a:fillRect/>
+          </a:stretch>
+        </p:blipFill>
+        <p:spPr bwMode="auto">
+          <a:xfrm>
+            <a:off x="1979712" y="3284984"/>
+            <a:ext cx="5544616" cy="2494118"/>
+          </a:xfrm>
+          <a:prstGeom prst="rect">
+            <a:avLst/>
+          </a:prstGeom>
+          <a:noFill/>
+          <a:ln>
+            <a:noFill/>
+          </a:ln>
+          <a:effectLst/>
+          <a:extLst>
+            <a:ext uri="{909E8E84-426E-40DD-AFC4-6F175D3DCCD1}">
+              <a14:hiddenFill xmlns:a14="http://schemas.microsoft.com/office/drawing/2010/main">
+                <a:solidFill>
+                  <a:schemeClr val="accent1"/>
+                </a:solidFill>
+              </a14:hiddenFill>
+            </a:ext>
+            <a:ext uri="{91240B29-F687-4F45-9708-019B960494DF}">
+              <a14:hiddenLine xmlns:a14="http://schemas.microsoft.com/office/drawing/2010/main" w="9525">
+                <a:solidFill>
+                  <a:schemeClr val="tx1"/>
+                </a:solidFill>
+                <a:miter lim="800000"/>
+                <a:headEnd/>
+                <a:tailEnd/>
+              </a14:hiddenLine>
+            </a:ext>
+            <a:ext uri="{AF507438-7753-43E0-B8FC-AC1667EBCBE1}">
+              <a14:hiddenEffects xmlns:a14="http://schemas.microsoft.com/office/drawing/2010/main">
+                <a:effectLst>
+                  <a:outerShdw dist="35921" dir="2700000" algn="ctr" rotWithShape="0">
+                    <a:schemeClr val="bg2"/>
+                  </a:outerShdw>
+                </a:effectLst>
+              </a14:hiddenEffects>
+            </a:ext>
+          </a:extLst>
+        </p:spPr>
+      </p:pic>
+    </p:spTree>
+    <p:extLst>
+      <p:ext uri="{BB962C8B-B14F-4D97-AF65-F5344CB8AC3E}">
+        <p14:creationId xmlns:p14="http://schemas.microsoft.com/office/powerpoint/2010/main" val="567166157"/>
+      </p:ext>
+    </p:extLst>
+  </p:cSld>
+  <p:clrMapOvr>
+    <a:masterClrMapping/>
+  </p:clrMapOvr>
+</p:sld>
+</file>
+
+<file path=ppt/slides/slide34.xml><?xml version="1.0" encoding="utf-8"?>
+<p:sld xmlns:a="http://schemas.openxmlformats.org/drawingml/2006/main" xmlns:r="http://schemas.openxmlformats.org/officeDocument/2006/relationships" xmlns:p="http://schemas.openxmlformats.org/presentationml/2006/main">
+  <p:cSld>
+    <p:spTree>
+      <p:nvGrpSpPr>
+        <p:cNvPr id="1" name=""/>
+        <p:cNvGrpSpPr/>
+        <p:nvPr/>
+      </p:nvGrpSpPr>
+      <p:grpSpPr>
+        <a:xfrm>
+          <a:off x="0" y="0"/>
+          <a:ext cx="0" cy="0"/>
+          <a:chOff x="0" y="0"/>
+          <a:chExt cx="0" cy="0"/>
+        </a:xfrm>
+      </p:grpSpPr>
+      <p:pic>
+        <p:nvPicPr>
+          <p:cNvPr id="3" name="圖片 2"/>
+          <p:cNvPicPr>
+            <a:picLocks noChangeAspect="1"/>
+          </p:cNvPicPr>
+          <p:nvPr/>
+        </p:nvPicPr>
+        <p:blipFill>
+          <a:blip r:embed="rId2"/>
+          <a:stretch>
+            <a:fillRect/>
+          </a:stretch>
+        </p:blipFill>
+        <p:spPr>
+          <a:xfrm>
+            <a:off x="467544" y="908720"/>
+            <a:ext cx="3960440" cy="5037500"/>
+          </a:xfrm>
+          <a:prstGeom prst="rect">
+            <a:avLst/>
+          </a:prstGeom>
+        </p:spPr>
+      </p:pic>
+      <p:pic>
+        <p:nvPicPr>
+          <p:cNvPr id="4" name="圖片 3"/>
+          <p:cNvPicPr>
+            <a:picLocks noChangeAspect="1"/>
+          </p:cNvPicPr>
+          <p:nvPr/>
+        </p:nvPicPr>
+        <p:blipFill>
+          <a:blip r:embed="rId3"/>
+          <a:stretch>
+            <a:fillRect/>
+          </a:stretch>
+        </p:blipFill>
+        <p:spPr>
+          <a:xfrm>
+            <a:off x="5436096" y="617916"/>
+            <a:ext cx="2232248" cy="5619107"/>
+          </a:xfrm>
+          <a:prstGeom prst="rect">
+            <a:avLst/>
+          </a:prstGeom>
+        </p:spPr>
+      </p:pic>
+    </p:spTree>
+    <p:extLst>
+      <p:ext uri="{BB962C8B-B14F-4D97-AF65-F5344CB8AC3E}">
+        <p14:creationId xmlns:p14="http://schemas.microsoft.com/office/powerpoint/2010/main" val="1518435083"/>
+      </p:ext>
+    </p:extLst>
+  </p:cSld>
+  <p:clrMapOvr>
+    <a:masterClrMapping/>
+  </p:clrMapOvr>
+</p:sld>
+</file>
+
+<file path=ppt/slides/slide35.xml><?xml version="1.0" encoding="utf-8"?>
+<p:sld xmlns:a="http://schemas.openxmlformats.org/drawingml/2006/main" xmlns:r="http://schemas.openxmlformats.org/officeDocument/2006/relationships" xmlns:p="http://schemas.openxmlformats.org/presentationml/2006/main">
+  <p:cSld>
+    <p:spTree>
+      <p:nvGrpSpPr>
+        <p:cNvPr id="1" name=""/>
+        <p:cNvGrpSpPr/>
+        <p:nvPr/>
+      </p:nvGrpSpPr>
+      <p:grpSpPr>
+        <a:xfrm>
+          <a:off x="0" y="0"/>
+          <a:ext cx="0" cy="0"/>
+          <a:chOff x="0" y="0"/>
+          <a:chExt cx="0" cy="0"/>
+        </a:xfrm>
+      </p:grpSpPr>
+      <p:sp>
+        <p:nvSpPr>
+          <p:cNvPr id="2" name="文字方塊 1"/>
+          <p:cNvSpPr txBox="1"/>
+          <p:nvPr/>
+        </p:nvSpPr>
+        <p:spPr>
+          <a:xfrm>
+            <a:off x="539552" y="548680"/>
+            <a:ext cx="851515" cy="523220"/>
+          </a:xfrm>
+          <a:prstGeom prst="rect">
+            <a:avLst/>
+          </a:prstGeom>
+          <a:noFill/>
+        </p:spPr>
+        <p:txBody>
+          <a:bodyPr wrap="none" rtlCol="0">
+            <a:spAutoFit/>
+          </a:bodyPr>
+          <a:lstStyle/>
+          <a:p>
+            <a:r>
+              <a:rPr lang="en-US" altLang="zh-TW" sz="2800" dirty="0" smtClean="0"/>
+              <a:t>time</a:t>
+            </a:r>
+            <a:endParaRPr lang="zh-TW" altLang="en-US" sz="2800" dirty="0"/>
+          </a:p>
+        </p:txBody>
+      </p:sp>
+      <p:pic>
+        <p:nvPicPr>
+          <p:cNvPr id="21506" name="Picture 2"/>
+          <p:cNvPicPr>
+            <a:picLocks noChangeAspect="1" noChangeArrowheads="1"/>
+          </p:cNvPicPr>
+          <p:nvPr/>
+        </p:nvPicPr>
+        <p:blipFill>
+          <a:blip r:embed="rId2">
+            <a:extLst>
+              <a:ext uri="{28A0092B-C50C-407E-A947-70E740481C1C}">
+                <a14:useLocalDpi xmlns:a14="http://schemas.microsoft.com/office/drawing/2010/main" val="0"/>
+              </a:ext>
+            </a:extLst>
+          </a:blip>
+          <a:srcRect/>
+          <a:stretch>
+            <a:fillRect/>
+          </a:stretch>
+        </p:blipFill>
+        <p:spPr bwMode="auto">
+          <a:xfrm>
+            <a:off x="1691680" y="764704"/>
+            <a:ext cx="7048500" cy="1924050"/>
+          </a:xfrm>
+          <a:prstGeom prst="rect">
+            <a:avLst/>
+          </a:prstGeom>
+          <a:noFill/>
+          <a:ln>
+            <a:noFill/>
+          </a:ln>
+          <a:effectLst/>
+          <a:extLst>
+            <a:ext uri="{909E8E84-426E-40DD-AFC4-6F175D3DCCD1}">
+              <a14:hiddenFill xmlns:a14="http://schemas.microsoft.com/office/drawing/2010/main">
+                <a:solidFill>
+                  <a:schemeClr val="accent1"/>
+                </a:solidFill>
+              </a14:hiddenFill>
+            </a:ext>
+            <a:ext uri="{91240B29-F687-4F45-9708-019B960494DF}">
+              <a14:hiddenLine xmlns:a14="http://schemas.microsoft.com/office/drawing/2010/main" w="9525">
+                <a:solidFill>
+                  <a:schemeClr val="tx1"/>
+                </a:solidFill>
+                <a:miter lim="800000"/>
+                <a:headEnd/>
+                <a:tailEnd/>
+              </a14:hiddenLine>
+            </a:ext>
+            <a:ext uri="{AF507438-7753-43E0-B8FC-AC1667EBCBE1}">
+              <a14:hiddenEffects xmlns:a14="http://schemas.microsoft.com/office/drawing/2010/main">
+                <a:effectLst>
+                  <a:outerShdw dist="35921" dir="2700000" algn="ctr" rotWithShape="0">
+                    <a:schemeClr val="bg2"/>
+                  </a:outerShdw>
+                </a:effectLst>
+              </a14:hiddenEffects>
+            </a:ext>
+          </a:extLst>
+        </p:spPr>
+      </p:pic>
+      <p:pic>
+        <p:nvPicPr>
+          <p:cNvPr id="21507" name="Picture 3"/>
+          <p:cNvPicPr>
+            <a:picLocks noChangeAspect="1" noChangeArrowheads="1"/>
+          </p:cNvPicPr>
+          <p:nvPr/>
+        </p:nvPicPr>
+        <p:blipFill>
+          <a:blip r:embed="rId3">
+            <a:extLst>
+              <a:ext uri="{28A0092B-C50C-407E-A947-70E740481C1C}">
+                <a14:useLocalDpi xmlns:a14="http://schemas.microsoft.com/office/drawing/2010/main" val="0"/>
+              </a:ext>
+            </a:extLst>
+          </a:blip>
+          <a:srcRect/>
+          <a:stretch>
+            <a:fillRect/>
+          </a:stretch>
+        </p:blipFill>
+        <p:spPr bwMode="auto">
+          <a:xfrm>
+            <a:off x="2555776" y="3277892"/>
+            <a:ext cx="4248472" cy="2936203"/>
+          </a:xfrm>
+          <a:prstGeom prst="rect">
+            <a:avLst/>
+          </a:prstGeom>
+          <a:noFill/>
+          <a:ln>
+            <a:noFill/>
+          </a:ln>
+          <a:effectLst/>
+          <a:extLst>
+            <a:ext uri="{909E8E84-426E-40DD-AFC4-6F175D3DCCD1}">
+              <a14:hiddenFill xmlns:a14="http://schemas.microsoft.com/office/drawing/2010/main">
+                <a:solidFill>
+                  <a:schemeClr val="accent1"/>
+                </a:solidFill>
+              </a14:hiddenFill>
+            </a:ext>
+            <a:ext uri="{91240B29-F687-4F45-9708-019B960494DF}">
+              <a14:hiddenLine xmlns:a14="http://schemas.microsoft.com/office/drawing/2010/main" w="9525">
+                <a:solidFill>
+                  <a:schemeClr val="tx1"/>
+                </a:solidFill>
+                <a:miter lim="800000"/>
+                <a:headEnd/>
+                <a:tailEnd/>
+              </a14:hiddenLine>
+            </a:ext>
+            <a:ext uri="{AF507438-7753-43E0-B8FC-AC1667EBCBE1}">
+              <a14:hiddenEffects xmlns:a14="http://schemas.microsoft.com/office/drawing/2010/main">
+                <a:effectLst>
+                  <a:outerShdw dist="35921" dir="2700000" algn="ctr" rotWithShape="0">
+                    <a:schemeClr val="bg2"/>
+                  </a:outerShdw>
+                </a:effectLst>
+              </a14:hiddenEffects>
+            </a:ext>
+          </a:extLst>
+        </p:spPr>
+      </p:pic>
+    </p:spTree>
+    <p:extLst>
+      <p:ext uri="{BB962C8B-B14F-4D97-AF65-F5344CB8AC3E}">
+        <p14:creationId xmlns:p14="http://schemas.microsoft.com/office/powerpoint/2010/main" val="1462205536"/>
+      </p:ext>
+    </p:extLst>
+  </p:cSld>
+  <p:clrMapOvr>
+    <a:masterClrMapping/>
+  </p:clrMapOvr>
+</p:sld>
+</file>
+
+<file path=ppt/slides/slide36.xml><?xml version="1.0" encoding="utf-8"?>
+<p:sld xmlns:a="http://schemas.openxmlformats.org/drawingml/2006/main" xmlns:r="http://schemas.openxmlformats.org/officeDocument/2006/relationships" xmlns:p="http://schemas.openxmlformats.org/presentationml/2006/main">
+  <p:cSld>
+    <p:spTree>
+      <p:nvGrpSpPr>
+        <p:cNvPr id="1" name=""/>
+        <p:cNvGrpSpPr/>
+        <p:nvPr/>
+      </p:nvGrpSpPr>
+      <p:grpSpPr>
+        <a:xfrm>
+          <a:off x="0" y="0"/>
+          <a:ext cx="0" cy="0"/>
+          <a:chOff x="0" y="0"/>
+          <a:chExt cx="0" cy="0"/>
+        </a:xfrm>
+      </p:grpSpPr>
+      <p:sp>
+        <p:nvSpPr>
+          <p:cNvPr id="2" name="文字方塊 1"/>
+          <p:cNvSpPr txBox="1"/>
+          <p:nvPr/>
+        </p:nvSpPr>
+        <p:spPr>
+          <a:xfrm>
+            <a:off x="539552" y="548680"/>
+            <a:ext cx="898003" cy="523220"/>
+          </a:xfrm>
+          <a:prstGeom prst="rect">
+            <a:avLst/>
+          </a:prstGeom>
+          <a:noFill/>
+        </p:spPr>
+        <p:txBody>
+          <a:bodyPr wrap="none" rtlCol="0">
+            <a:spAutoFit/>
+          </a:bodyPr>
+          <a:lstStyle/>
+          <a:p>
+            <a:r>
+              <a:rPr lang="en-US" altLang="zh-TW" sz="2800" dirty="0" err="1" smtClean="0"/>
+              <a:t>ul</a:t>
+            </a:r>
+            <a:r>
+              <a:rPr lang="en-US" altLang="zh-TW" sz="2800" dirty="0" smtClean="0"/>
+              <a:t>, </a:t>
+            </a:r>
+            <a:r>
+              <a:rPr lang="en-US" altLang="zh-TW" sz="2800" dirty="0" err="1" smtClean="0"/>
+              <a:t>ol</a:t>
+            </a:r>
+            <a:endParaRPr lang="zh-TW" altLang="en-US" sz="2800" dirty="0"/>
+          </a:p>
+        </p:txBody>
+      </p:sp>
+      <p:pic>
+        <p:nvPicPr>
+          <p:cNvPr id="3" name="圖片 2"/>
+          <p:cNvPicPr>
+            <a:picLocks noChangeAspect="1"/>
+          </p:cNvPicPr>
+          <p:nvPr/>
+        </p:nvPicPr>
+        <p:blipFill>
+          <a:blip r:embed="rId2"/>
+          <a:stretch>
+            <a:fillRect/>
+          </a:stretch>
+        </p:blipFill>
+        <p:spPr>
+          <a:xfrm>
+            <a:off x="988552" y="1475804"/>
+            <a:ext cx="3079391" cy="4803850"/>
+          </a:xfrm>
+          <a:prstGeom prst="rect">
+            <a:avLst/>
+          </a:prstGeom>
+        </p:spPr>
+      </p:pic>
+      <p:pic>
+        <p:nvPicPr>
+          <p:cNvPr id="4" name="圖片 3"/>
+          <p:cNvPicPr>
+            <a:picLocks noChangeAspect="1"/>
+          </p:cNvPicPr>
+          <p:nvPr/>
+        </p:nvPicPr>
+        <p:blipFill>
+          <a:blip r:embed="rId3"/>
+          <a:stretch>
+            <a:fillRect/>
+          </a:stretch>
+        </p:blipFill>
+        <p:spPr>
+          <a:xfrm>
+            <a:off x="5004048" y="2137820"/>
+            <a:ext cx="2664296" cy="3692621"/>
+          </a:xfrm>
+          <a:prstGeom prst="rect">
+            <a:avLst/>
+          </a:prstGeom>
+        </p:spPr>
+      </p:pic>
+    </p:spTree>
+    <p:extLst>
+      <p:ext uri="{BB962C8B-B14F-4D97-AF65-F5344CB8AC3E}">
+        <p14:creationId xmlns:p14="http://schemas.microsoft.com/office/powerpoint/2010/main" val="2487123323"/>
+      </p:ext>
+    </p:extLst>
+  </p:cSld>
+  <p:clrMapOvr>
+    <a:masterClrMapping/>
+  </p:clrMapOvr>
+</p:sld>
+</file>
+
+<file path=ppt/slides/slide37.xml><?xml version="1.0" encoding="utf-8"?>
+<p:sld xmlns:a="http://schemas.openxmlformats.org/drawingml/2006/main" xmlns:r="http://schemas.openxmlformats.org/officeDocument/2006/relationships" xmlns:p="http://schemas.openxmlformats.org/presentationml/2006/main">
+  <p:cSld>
+    <p:bg>
+      <p:bgPr>
+        <a:solidFill>
+          <a:schemeClr val="accent1">
+            <a:lumMod val="50000"/>
+          </a:schemeClr>
+        </a:solidFill>
+        <a:effectLst/>
+      </p:bgPr>
+    </p:bg>
+    <p:spTree>
+      <p:nvGrpSpPr>
+        <p:cNvPr id="1" name=""/>
+        <p:cNvGrpSpPr/>
+        <p:nvPr/>
+      </p:nvGrpSpPr>
+      <p:grpSpPr>
+        <a:xfrm>
+          <a:off x="0" y="0"/>
+          <a:ext cx="0" cy="0"/>
+          <a:chOff x="0" y="0"/>
+          <a:chExt cx="0" cy="0"/>
+        </a:xfrm>
+      </p:grpSpPr>
+      <p:sp>
+        <p:nvSpPr>
+          <p:cNvPr id="2" name="文字方塊 1"/>
+          <p:cNvSpPr txBox="1"/>
+          <p:nvPr/>
+        </p:nvSpPr>
+        <p:spPr>
+          <a:xfrm>
+            <a:off x="3275856" y="2780928"/>
+            <a:ext cx="2435282" cy="1323439"/>
+          </a:xfrm>
+          <a:prstGeom prst="rect">
+            <a:avLst/>
+          </a:prstGeom>
+          <a:noFill/>
+        </p:spPr>
+        <p:txBody>
+          <a:bodyPr wrap="none" rtlCol="0">
+            <a:spAutoFit/>
+          </a:bodyPr>
+          <a:lstStyle/>
+          <a:p>
+            <a:pPr algn="ctr"/>
+            <a:r>
+              <a:rPr lang="en-US" altLang="zh-TW" sz="4000" dirty="0" smtClean="0">
+                <a:solidFill>
+                  <a:schemeClr val="bg1"/>
+                </a:solidFill>
+              </a:rPr>
+              <a:t>HTML</a:t>
+            </a:r>
+            <a:r>
+              <a:rPr lang="zh-TW" altLang="en-US" sz="4000" dirty="0" smtClean="0">
+                <a:solidFill>
+                  <a:schemeClr val="bg1"/>
+                </a:solidFill>
+              </a:rPr>
+              <a:t>實戰</a:t>
+            </a:r>
+            <a:endParaRPr lang="en-US" altLang="zh-TW" sz="4000" dirty="0" smtClean="0">
+              <a:solidFill>
+                <a:schemeClr val="bg1"/>
+              </a:solidFill>
+            </a:endParaRPr>
+          </a:p>
+          <a:p>
+            <a:pPr algn="ctr"/>
+            <a:r>
+              <a:rPr lang="en-US" altLang="zh-TW" sz="4000" dirty="0" smtClean="0">
+                <a:solidFill>
+                  <a:schemeClr val="bg1"/>
+                </a:solidFill>
+              </a:rPr>
+              <a:t>Ch04</a:t>
+            </a:r>
+            <a:endParaRPr lang="zh-TW" altLang="en-US" sz="4000" dirty="0">
+              <a:solidFill>
+                <a:schemeClr val="bg1"/>
+              </a:solidFill>
+            </a:endParaRPr>
+          </a:p>
+        </p:txBody>
+      </p:sp>
+    </p:spTree>
+    <p:extLst>
+      <p:ext uri="{BB962C8B-B14F-4D97-AF65-F5344CB8AC3E}">
+        <p14:creationId xmlns:p14="http://schemas.microsoft.com/office/powerpoint/2010/main" val="3870458044"/>
+      </p:ext>
+    </p:extLst>
+  </p:cSld>
+  <p:clrMapOvr>
+    <a:masterClrMapping/>
+  </p:clrMapOvr>
+</p:sld>
+</file>
+
+<file path=ppt/slides/slide38.xml><?xml version="1.0" encoding="utf-8"?>
+<p:sld xmlns:a="http://schemas.openxmlformats.org/drawingml/2006/main" xmlns:r="http://schemas.openxmlformats.org/officeDocument/2006/relationships" xmlns:p="http://schemas.openxmlformats.org/presentationml/2006/main">
+  <p:cSld>
+    <p:spTree>
+      <p:nvGrpSpPr>
+        <p:cNvPr id="1" name=""/>
+        <p:cNvGrpSpPr/>
+        <p:nvPr/>
+      </p:nvGrpSpPr>
+      <p:grpSpPr>
+        <a:xfrm>
+          <a:off x="0" y="0"/>
+          <a:ext cx="0" cy="0"/>
+          <a:chOff x="0" y="0"/>
+          <a:chExt cx="0" cy="0"/>
+        </a:xfrm>
+      </p:grpSpPr>
+      <p:pic>
+        <p:nvPicPr>
+          <p:cNvPr id="4" name="圖片 3"/>
+          <p:cNvPicPr>
+            <a:picLocks noChangeAspect="1"/>
+          </p:cNvPicPr>
+          <p:nvPr/>
+        </p:nvPicPr>
+        <p:blipFill>
+          <a:blip r:embed="rId2"/>
+          <a:stretch>
+            <a:fillRect/>
+          </a:stretch>
+        </p:blipFill>
+        <p:spPr>
+          <a:xfrm>
+            <a:off x="179512" y="1268147"/>
+            <a:ext cx="4464496" cy="3652769"/>
+          </a:xfrm>
+          <a:prstGeom prst="rect">
+            <a:avLst/>
+          </a:prstGeom>
+        </p:spPr>
+      </p:pic>
+      <p:pic>
+        <p:nvPicPr>
+          <p:cNvPr id="3" name="圖片 2"/>
+          <p:cNvPicPr>
+            <a:picLocks noChangeAspect="1"/>
+          </p:cNvPicPr>
+          <p:nvPr/>
+        </p:nvPicPr>
+        <p:blipFill>
+          <a:blip r:embed="rId3"/>
+          <a:stretch>
+            <a:fillRect/>
+          </a:stretch>
+        </p:blipFill>
+        <p:spPr>
+          <a:xfrm>
+            <a:off x="4499992" y="1513434"/>
+            <a:ext cx="4546124" cy="3447678"/>
+          </a:xfrm>
+          <a:prstGeom prst="rect">
+            <a:avLst/>
+          </a:prstGeom>
+        </p:spPr>
+      </p:pic>
+    </p:spTree>
+    <p:extLst>
+      <p:ext uri="{BB962C8B-B14F-4D97-AF65-F5344CB8AC3E}">
+        <p14:creationId xmlns:p14="http://schemas.microsoft.com/office/powerpoint/2010/main" val="2547060128"/>
+      </p:ext>
+    </p:extLst>
+  </p:cSld>
+  <p:clrMapOvr>
+    <a:masterClrMapping/>
+  </p:clrMapOvr>
+</p:sld>
+</file>
+
+<file path=ppt/slides/slide39.xml><?xml version="1.0" encoding="utf-8"?>
+<p:sld xmlns:a="http://schemas.openxmlformats.org/drawingml/2006/main" xmlns:r="http://schemas.openxmlformats.org/officeDocument/2006/relationships" xmlns:p="http://schemas.openxmlformats.org/presentationml/2006/main">
+  <p:cSld>
+    <p:spTree>
+      <p:nvGrpSpPr>
+        <p:cNvPr id="1" name=""/>
+        <p:cNvGrpSpPr/>
+        <p:nvPr/>
+      </p:nvGrpSpPr>
+      <p:grpSpPr>
+        <a:xfrm>
+          <a:off x="0" y="0"/>
+          <a:ext cx="0" cy="0"/>
+          <a:chOff x="0" y="0"/>
+          <a:chExt cx="0" cy="0"/>
+        </a:xfrm>
+      </p:grpSpPr>
+      <p:pic>
+        <p:nvPicPr>
+          <p:cNvPr id="2" name="圖片 1"/>
+          <p:cNvPicPr>
+            <a:picLocks noChangeAspect="1"/>
+          </p:cNvPicPr>
+          <p:nvPr/>
+        </p:nvPicPr>
+        <p:blipFill>
+          <a:blip r:embed="rId2"/>
+          <a:stretch>
+            <a:fillRect/>
+          </a:stretch>
+        </p:blipFill>
+        <p:spPr>
+          <a:xfrm>
+            <a:off x="1763688" y="188640"/>
+            <a:ext cx="4695825" cy="3429000"/>
+          </a:xfrm>
+          <a:prstGeom prst="rect">
+            <a:avLst/>
+          </a:prstGeom>
+        </p:spPr>
+      </p:pic>
+      <p:pic>
+        <p:nvPicPr>
+          <p:cNvPr id="3" name="圖片 2"/>
+          <p:cNvPicPr>
+            <a:picLocks noChangeAspect="1"/>
+          </p:cNvPicPr>
+          <p:nvPr/>
+        </p:nvPicPr>
+        <p:blipFill>
+          <a:blip r:embed="rId3"/>
+          <a:stretch>
+            <a:fillRect/>
+          </a:stretch>
+        </p:blipFill>
+        <p:spPr>
+          <a:xfrm>
+            <a:off x="2125637" y="3789040"/>
+            <a:ext cx="4862566" cy="2751956"/>
+          </a:xfrm>
+          <a:prstGeom prst="rect">
+            <a:avLst/>
+          </a:prstGeom>
+        </p:spPr>
+      </p:pic>
+    </p:spTree>
+    <p:extLst>
+      <p:ext uri="{BB962C8B-B14F-4D97-AF65-F5344CB8AC3E}">
+        <p14:creationId xmlns:p14="http://schemas.microsoft.com/office/powerpoint/2010/main" val="3086836525"/>
+      </p:ext>
+    </p:extLst>
+  </p:cSld>
+  <p:clrMapOvr>
+    <a:masterClrMapping/>
+  </p:clrMapOvr>
+</p:sld>
+</file>
+
 <file path=ppt/slides/slide4.xml><?xml version="1.0" encoding="utf-8"?>
 <p:sld xmlns:a="http://schemas.openxmlformats.org/drawingml/2006/main" xmlns:r="http://schemas.openxmlformats.org/officeDocument/2006/relationships" xmlns:p="http://schemas.openxmlformats.org/presentationml/2006/main">
   <p:cSld>
@@ -6108,7 +8240,7 @@
         </p:blipFill>
         <p:spPr bwMode="auto">
           <a:xfrm>
-            <a:off x="251520" y="1340768"/>
+            <a:off x="251520" y="1988840"/>
             <a:ext cx="4536504" cy="3947203"/>
           </a:xfrm>
           <a:prstGeom prst="rect">
@@ -6172,7 +8304,7 @@
         </p:blipFill>
         <p:spPr bwMode="auto">
           <a:xfrm>
-            <a:off x="5364088" y="1061148"/>
+            <a:off x="5364088" y="1484784"/>
             <a:ext cx="3024336" cy="4116777"/>
           </a:xfrm>
           <a:prstGeom prst="rect">
@@ -6213,6 +8345,36 @@
           </a:extLst>
         </p:spPr>
       </p:pic>
+      <p:sp>
+        <p:nvSpPr>
+          <p:cNvPr id="2" name="文字方塊 1"/>
+          <p:cNvSpPr txBox="1"/>
+          <p:nvPr/>
+        </p:nvSpPr>
+        <p:spPr>
+          <a:xfrm>
+            <a:off x="683568" y="548680"/>
+            <a:ext cx="1005403" cy="584775"/>
+          </a:xfrm>
+          <a:prstGeom prst="rect">
+            <a:avLst/>
+          </a:prstGeom>
+          <a:noFill/>
+        </p:spPr>
+        <p:txBody>
+          <a:bodyPr wrap="none" rtlCol="0">
+            <a:spAutoFit/>
+          </a:bodyPr>
+          <a:lstStyle/>
+          <a:p>
+            <a:r>
+              <a:rPr lang="zh-TW" altLang="en-US" sz="3200" dirty="0" smtClean="0"/>
+              <a:t>練習</a:t>
+            </a:r>
+            <a:endParaRPr lang="zh-TW" altLang="en-US" sz="3200" dirty="0"/>
+          </a:p>
+        </p:txBody>
+      </p:sp>
     </p:spTree>
     <p:extLst>
       <p:ext uri="{BB962C8B-B14F-4D97-AF65-F5344CB8AC3E}">
@@ -6226,7 +8388,7 @@
 </p:sld>
 </file>
 
-<file path=ppt/slides/slide5.xml><?xml version="1.0" encoding="utf-8"?>
+<file path=ppt/slides/slide40.xml><?xml version="1.0" encoding="utf-8"?>
 <p:sld xmlns:a="http://schemas.openxmlformats.org/drawingml/2006/main" xmlns:r="http://schemas.openxmlformats.org/officeDocument/2006/relationships" xmlns:p="http://schemas.openxmlformats.org/presentationml/2006/main">
   <p:cSld>
     <p:spTree>
@@ -6245,136 +8407,915 @@
       </p:grpSpPr>
       <p:pic>
         <p:nvPicPr>
-          <p:cNvPr id="3074" name="Picture 2"/>
+          <p:cNvPr id="2" name="圖片 1"/>
           <p:cNvPicPr>
-            <a:picLocks noChangeAspect="1" noChangeArrowheads="1"/>
+            <a:picLocks noChangeAspect="1"/>
           </p:cNvPicPr>
           <p:nvPr/>
         </p:nvPicPr>
         <p:blipFill>
-          <a:blip r:embed="rId2">
-            <a:extLst>
-              <a:ext uri="{28A0092B-C50C-407E-A947-70E740481C1C}">
-                <a14:useLocalDpi xmlns:a14="http://schemas.microsoft.com/office/drawing/2010/main" val="0"/>
-              </a:ext>
-            </a:extLst>
-          </a:blip>
-          <a:srcRect/>
+          <a:blip r:embed="rId2"/>
           <a:stretch>
             <a:fillRect/>
           </a:stretch>
         </p:blipFill>
-        <p:spPr bwMode="auto">
-          <a:xfrm>
-            <a:off x="2231740" y="404664"/>
-            <a:ext cx="4680520" cy="3133348"/>
-          </a:xfrm>
-          <a:prstGeom prst="rect">
-            <a:avLst/>
-          </a:prstGeom>
-          <a:noFill/>
-          <a:ln>
-            <a:noFill/>
-          </a:ln>
-          <a:effectLst/>
-          <a:extLst>
-            <a:ext uri="{909E8E84-426E-40DD-AFC4-6F175D3DCCD1}">
-              <a14:hiddenFill xmlns:a14="http://schemas.microsoft.com/office/drawing/2010/main">
-                <a:solidFill>
-                  <a:schemeClr val="accent1"/>
-                </a:solidFill>
-              </a14:hiddenFill>
-            </a:ext>
-            <a:ext uri="{91240B29-F687-4F45-9708-019B960494DF}">
-              <a14:hiddenLine xmlns:a14="http://schemas.microsoft.com/office/drawing/2010/main" w="9525">
-                <a:solidFill>
-                  <a:schemeClr val="tx1"/>
-                </a:solidFill>
-                <a:miter lim="800000"/>
-                <a:headEnd/>
-                <a:tailEnd/>
-              </a14:hiddenLine>
-            </a:ext>
-            <a:ext uri="{AF507438-7753-43E0-B8FC-AC1667EBCBE1}">
-              <a14:hiddenEffects xmlns:a14="http://schemas.microsoft.com/office/drawing/2010/main">
-                <a:effectLst>
-                  <a:outerShdw dist="35921" dir="2700000" algn="ctr" rotWithShape="0">
-                    <a:schemeClr val="bg2"/>
-                  </a:outerShdw>
-                </a:effectLst>
-              </a14:hiddenEffects>
-            </a:ext>
-          </a:extLst>
+        <p:spPr>
+          <a:xfrm>
+            <a:off x="467544" y="1268760"/>
+            <a:ext cx="3744416" cy="4144176"/>
+          </a:xfrm>
+          <a:prstGeom prst="rect">
+            <a:avLst/>
+          </a:prstGeom>
         </p:spPr>
       </p:pic>
       <p:pic>
         <p:nvPicPr>
-          <p:cNvPr id="3075" name="Picture 3"/>
+          <p:cNvPr id="3" name="圖片 2"/>
           <p:cNvPicPr>
-            <a:picLocks noChangeAspect="1" noChangeArrowheads="1"/>
+            <a:picLocks noChangeAspect="1"/>
           </p:cNvPicPr>
           <p:nvPr/>
         </p:nvPicPr>
         <p:blipFill>
-          <a:blip r:embed="rId3">
-            <a:extLst>
-              <a:ext uri="{28A0092B-C50C-407E-A947-70E740481C1C}">
-                <a14:useLocalDpi xmlns:a14="http://schemas.microsoft.com/office/drawing/2010/main" val="0"/>
-              </a:ext>
-            </a:extLst>
-          </a:blip>
-          <a:srcRect/>
+          <a:blip r:embed="rId3"/>
           <a:stretch>
             <a:fillRect/>
           </a:stretch>
         </p:blipFill>
-        <p:spPr bwMode="auto">
-          <a:xfrm>
-            <a:off x="2195736" y="4221088"/>
-            <a:ext cx="4752528" cy="2090398"/>
-          </a:xfrm>
-          <a:prstGeom prst="rect">
-            <a:avLst/>
-          </a:prstGeom>
-          <a:noFill/>
-          <a:ln>
-            <a:noFill/>
-          </a:ln>
-          <a:effectLst/>
-          <a:extLst>
-            <a:ext uri="{909E8E84-426E-40DD-AFC4-6F175D3DCCD1}">
-              <a14:hiddenFill xmlns:a14="http://schemas.microsoft.com/office/drawing/2010/main">
-                <a:solidFill>
-                  <a:schemeClr val="accent1"/>
-                </a:solidFill>
-              </a14:hiddenFill>
-            </a:ext>
-            <a:ext uri="{91240B29-F687-4F45-9708-019B960494DF}">
-              <a14:hiddenLine xmlns:a14="http://schemas.microsoft.com/office/drawing/2010/main" w="9525">
-                <a:solidFill>
-                  <a:schemeClr val="tx1"/>
-                </a:solidFill>
-                <a:miter lim="800000"/>
-                <a:headEnd/>
-                <a:tailEnd/>
-              </a14:hiddenLine>
-            </a:ext>
-            <a:ext uri="{AF507438-7753-43E0-B8FC-AC1667EBCBE1}">
-              <a14:hiddenEffects xmlns:a14="http://schemas.microsoft.com/office/drawing/2010/main">
-                <a:effectLst>
-                  <a:outerShdw dist="35921" dir="2700000" algn="ctr" rotWithShape="0">
-                    <a:schemeClr val="bg2"/>
-                  </a:outerShdw>
-                </a:effectLst>
-              </a14:hiddenEffects>
-            </a:ext>
-          </a:extLst>
+        <p:spPr>
+          <a:xfrm>
+            <a:off x="4788024" y="2312876"/>
+            <a:ext cx="3875363" cy="2055944"/>
+          </a:xfrm>
+          <a:prstGeom prst="rect">
+            <a:avLst/>
+          </a:prstGeom>
         </p:spPr>
       </p:pic>
     </p:spTree>
     <p:extLst>
       <p:ext uri="{BB962C8B-B14F-4D97-AF65-F5344CB8AC3E}">
-        <p14:creationId xmlns:p14="http://schemas.microsoft.com/office/powerpoint/2010/main" val="3147014987"/>
+        <p14:creationId xmlns:p14="http://schemas.microsoft.com/office/powerpoint/2010/main" val="2770236762"/>
+      </p:ext>
+    </p:extLst>
+  </p:cSld>
+  <p:clrMapOvr>
+    <a:masterClrMapping/>
+  </p:clrMapOvr>
+</p:sld>
+</file>
+
+<file path=ppt/slides/slide41.xml><?xml version="1.0" encoding="utf-8"?>
+<p:sld xmlns:a="http://schemas.openxmlformats.org/drawingml/2006/main" xmlns:r="http://schemas.openxmlformats.org/officeDocument/2006/relationships" xmlns:p="http://schemas.openxmlformats.org/presentationml/2006/main">
+  <p:cSld>
+    <p:spTree>
+      <p:nvGrpSpPr>
+        <p:cNvPr id="1" name=""/>
+        <p:cNvGrpSpPr/>
+        <p:nvPr/>
+      </p:nvGrpSpPr>
+      <p:grpSpPr>
+        <a:xfrm>
+          <a:off x="0" y="0"/>
+          <a:ext cx="0" cy="0"/>
+          <a:chOff x="0" y="0"/>
+          <a:chExt cx="0" cy="0"/>
+        </a:xfrm>
+      </p:grpSpPr>
+      <p:pic>
+        <p:nvPicPr>
+          <p:cNvPr id="2" name="圖片 1"/>
+          <p:cNvPicPr>
+            <a:picLocks noChangeAspect="1"/>
+          </p:cNvPicPr>
+          <p:nvPr/>
+        </p:nvPicPr>
+        <p:blipFill>
+          <a:blip r:embed="rId2"/>
+          <a:stretch>
+            <a:fillRect/>
+          </a:stretch>
+        </p:blipFill>
+        <p:spPr>
+          <a:xfrm>
+            <a:off x="539552" y="1356654"/>
+            <a:ext cx="4104456" cy="4386549"/>
+          </a:xfrm>
+          <a:prstGeom prst="rect">
+            <a:avLst/>
+          </a:prstGeom>
+        </p:spPr>
+      </p:pic>
+      <p:pic>
+        <p:nvPicPr>
+          <p:cNvPr id="3" name="圖片 2"/>
+          <p:cNvPicPr>
+            <a:picLocks noChangeAspect="1"/>
+          </p:cNvPicPr>
+          <p:nvPr/>
+        </p:nvPicPr>
+        <p:blipFill>
+          <a:blip r:embed="rId3"/>
+          <a:stretch>
+            <a:fillRect/>
+          </a:stretch>
+        </p:blipFill>
+        <p:spPr>
+          <a:xfrm>
+            <a:off x="4893990" y="2564904"/>
+            <a:ext cx="4250010" cy="2104958"/>
+          </a:xfrm>
+          <a:prstGeom prst="rect">
+            <a:avLst/>
+          </a:prstGeom>
+        </p:spPr>
+      </p:pic>
+    </p:spTree>
+    <p:extLst>
+      <p:ext uri="{BB962C8B-B14F-4D97-AF65-F5344CB8AC3E}">
+        <p14:creationId xmlns:p14="http://schemas.microsoft.com/office/powerpoint/2010/main" val="3437311666"/>
+      </p:ext>
+    </p:extLst>
+  </p:cSld>
+  <p:clrMapOvr>
+    <a:masterClrMapping/>
+  </p:clrMapOvr>
+</p:sld>
+</file>
+
+<file path=ppt/slides/slide42.xml><?xml version="1.0" encoding="utf-8"?>
+<p:sld xmlns:a="http://schemas.openxmlformats.org/drawingml/2006/main" xmlns:r="http://schemas.openxmlformats.org/officeDocument/2006/relationships" xmlns:p="http://schemas.openxmlformats.org/presentationml/2006/main">
+  <p:cSld>
+    <p:spTree>
+      <p:nvGrpSpPr>
+        <p:cNvPr id="1" name=""/>
+        <p:cNvGrpSpPr/>
+        <p:nvPr/>
+      </p:nvGrpSpPr>
+      <p:grpSpPr>
+        <a:xfrm>
+          <a:off x="0" y="0"/>
+          <a:ext cx="0" cy="0"/>
+          <a:chOff x="0" y="0"/>
+          <a:chExt cx="0" cy="0"/>
+        </a:xfrm>
+      </p:grpSpPr>
+      <p:pic>
+        <p:nvPicPr>
+          <p:cNvPr id="2" name="圖片 1"/>
+          <p:cNvPicPr>
+            <a:picLocks noChangeAspect="1"/>
+          </p:cNvPicPr>
+          <p:nvPr/>
+        </p:nvPicPr>
+        <p:blipFill>
+          <a:blip r:embed="rId2"/>
+          <a:stretch>
+            <a:fillRect/>
+          </a:stretch>
+        </p:blipFill>
+        <p:spPr>
+          <a:xfrm>
+            <a:off x="558435" y="1674540"/>
+            <a:ext cx="2257425" cy="3705225"/>
+          </a:xfrm>
+          <a:prstGeom prst="rect">
+            <a:avLst/>
+          </a:prstGeom>
+        </p:spPr>
+      </p:pic>
+      <p:pic>
+        <p:nvPicPr>
+          <p:cNvPr id="3" name="圖片 2"/>
+          <p:cNvPicPr>
+            <a:picLocks noChangeAspect="1"/>
+          </p:cNvPicPr>
+          <p:nvPr/>
+        </p:nvPicPr>
+        <p:blipFill>
+          <a:blip r:embed="rId3"/>
+          <a:stretch>
+            <a:fillRect/>
+          </a:stretch>
+        </p:blipFill>
+        <p:spPr>
+          <a:xfrm>
+            <a:off x="539552" y="188640"/>
+            <a:ext cx="5019675" cy="1485900"/>
+          </a:xfrm>
+          <a:prstGeom prst="rect">
+            <a:avLst/>
+          </a:prstGeom>
+        </p:spPr>
+      </p:pic>
+      <p:pic>
+        <p:nvPicPr>
+          <p:cNvPr id="4" name="圖片 3"/>
+          <p:cNvPicPr>
+            <a:picLocks noChangeAspect="1"/>
+          </p:cNvPicPr>
+          <p:nvPr/>
+        </p:nvPicPr>
+        <p:blipFill>
+          <a:blip r:embed="rId4"/>
+          <a:stretch>
+            <a:fillRect/>
+          </a:stretch>
+        </p:blipFill>
+        <p:spPr>
+          <a:xfrm>
+            <a:off x="558435" y="5445224"/>
+            <a:ext cx="4038600" cy="1200150"/>
+          </a:xfrm>
+          <a:prstGeom prst="rect">
+            <a:avLst/>
+          </a:prstGeom>
+        </p:spPr>
+      </p:pic>
+      <p:pic>
+        <p:nvPicPr>
+          <p:cNvPr id="5" name="圖片 4"/>
+          <p:cNvPicPr>
+            <a:picLocks noChangeAspect="1"/>
+          </p:cNvPicPr>
+          <p:nvPr/>
+        </p:nvPicPr>
+        <p:blipFill>
+          <a:blip r:embed="rId5"/>
+          <a:stretch>
+            <a:fillRect/>
+          </a:stretch>
+        </p:blipFill>
+        <p:spPr>
+          <a:xfrm>
+            <a:off x="5148064" y="1253710"/>
+            <a:ext cx="3096344" cy="5130719"/>
+          </a:xfrm>
+          <a:prstGeom prst="rect">
+            <a:avLst/>
+          </a:prstGeom>
+        </p:spPr>
+      </p:pic>
+    </p:spTree>
+    <p:extLst>
+      <p:ext uri="{BB962C8B-B14F-4D97-AF65-F5344CB8AC3E}">
+        <p14:creationId xmlns:p14="http://schemas.microsoft.com/office/powerpoint/2010/main" val="2287794232"/>
+      </p:ext>
+    </p:extLst>
+  </p:cSld>
+  <p:clrMapOvr>
+    <a:masterClrMapping/>
+  </p:clrMapOvr>
+</p:sld>
+</file>
+
+<file path=ppt/slides/slide43.xml><?xml version="1.0" encoding="utf-8"?>
+<p:sld xmlns:a="http://schemas.openxmlformats.org/drawingml/2006/main" xmlns:r="http://schemas.openxmlformats.org/officeDocument/2006/relationships" xmlns:p="http://schemas.openxmlformats.org/presentationml/2006/main">
+  <p:cSld>
+    <p:spTree>
+      <p:nvGrpSpPr>
+        <p:cNvPr id="1" name=""/>
+        <p:cNvGrpSpPr/>
+        <p:nvPr/>
+      </p:nvGrpSpPr>
+      <p:grpSpPr>
+        <a:xfrm>
+          <a:off x="0" y="0"/>
+          <a:ext cx="0" cy="0"/>
+          <a:chOff x="0" y="0"/>
+          <a:chExt cx="0" cy="0"/>
+        </a:xfrm>
+      </p:grpSpPr>
+      <p:pic>
+        <p:nvPicPr>
+          <p:cNvPr id="2" name="圖片 1"/>
+          <p:cNvPicPr>
+            <a:picLocks noChangeAspect="1"/>
+          </p:cNvPicPr>
+          <p:nvPr/>
+        </p:nvPicPr>
+        <p:blipFill>
+          <a:blip r:embed="rId2"/>
+          <a:stretch>
+            <a:fillRect/>
+          </a:stretch>
+        </p:blipFill>
+        <p:spPr>
+          <a:xfrm>
+            <a:off x="683568" y="332656"/>
+            <a:ext cx="6081445" cy="1800200"/>
+          </a:xfrm>
+          <a:prstGeom prst="rect">
+            <a:avLst/>
+          </a:prstGeom>
+        </p:spPr>
+      </p:pic>
+      <p:pic>
+        <p:nvPicPr>
+          <p:cNvPr id="3" name="圖片 2"/>
+          <p:cNvPicPr>
+            <a:picLocks noChangeAspect="1"/>
+          </p:cNvPicPr>
+          <p:nvPr/>
+        </p:nvPicPr>
+        <p:blipFill>
+          <a:blip r:embed="rId3"/>
+          <a:stretch>
+            <a:fillRect/>
+          </a:stretch>
+        </p:blipFill>
+        <p:spPr>
+          <a:xfrm>
+            <a:off x="827584" y="2420888"/>
+            <a:ext cx="3456384" cy="3314826"/>
+          </a:xfrm>
+          <a:prstGeom prst="rect">
+            <a:avLst/>
+          </a:prstGeom>
+        </p:spPr>
+      </p:pic>
+      <p:pic>
+        <p:nvPicPr>
+          <p:cNvPr id="4" name="圖片 3"/>
+          <p:cNvPicPr>
+            <a:picLocks noChangeAspect="1"/>
+          </p:cNvPicPr>
+          <p:nvPr/>
+        </p:nvPicPr>
+        <p:blipFill>
+          <a:blip r:embed="rId4"/>
+          <a:stretch>
+            <a:fillRect/>
+          </a:stretch>
+        </p:blipFill>
+        <p:spPr>
+          <a:xfrm>
+            <a:off x="4860032" y="1467810"/>
+            <a:ext cx="3384376" cy="5062917"/>
+          </a:xfrm>
+          <a:prstGeom prst="rect">
+            <a:avLst/>
+          </a:prstGeom>
+        </p:spPr>
+      </p:pic>
+    </p:spTree>
+    <p:extLst>
+      <p:ext uri="{BB962C8B-B14F-4D97-AF65-F5344CB8AC3E}">
+        <p14:creationId xmlns:p14="http://schemas.microsoft.com/office/powerpoint/2010/main" val="1886146435"/>
+      </p:ext>
+    </p:extLst>
+  </p:cSld>
+  <p:clrMapOvr>
+    <a:masterClrMapping/>
+  </p:clrMapOvr>
+</p:sld>
+</file>
+
+<file path=ppt/slides/slide44.xml><?xml version="1.0" encoding="utf-8"?>
+<p:sld xmlns:a="http://schemas.openxmlformats.org/drawingml/2006/main" xmlns:r="http://schemas.openxmlformats.org/officeDocument/2006/relationships" xmlns:p="http://schemas.openxmlformats.org/presentationml/2006/main">
+  <p:cSld>
+    <p:spTree>
+      <p:nvGrpSpPr>
+        <p:cNvPr id="1" name=""/>
+        <p:cNvGrpSpPr/>
+        <p:nvPr/>
+      </p:nvGrpSpPr>
+      <p:grpSpPr>
+        <a:xfrm>
+          <a:off x="0" y="0"/>
+          <a:ext cx="0" cy="0"/>
+          <a:chOff x="0" y="0"/>
+          <a:chExt cx="0" cy="0"/>
+        </a:xfrm>
+      </p:grpSpPr>
+      <p:pic>
+        <p:nvPicPr>
+          <p:cNvPr id="2" name="圖片 1"/>
+          <p:cNvPicPr>
+            <a:picLocks noChangeAspect="1"/>
+          </p:cNvPicPr>
+          <p:nvPr/>
+        </p:nvPicPr>
+        <p:blipFill>
+          <a:blip r:embed="rId2"/>
+          <a:stretch>
+            <a:fillRect/>
+          </a:stretch>
+        </p:blipFill>
+        <p:spPr>
+          <a:xfrm>
+            <a:off x="107504" y="2276872"/>
+            <a:ext cx="4536504" cy="2050458"/>
+          </a:xfrm>
+          <a:prstGeom prst="rect">
+            <a:avLst/>
+          </a:prstGeom>
+        </p:spPr>
+      </p:pic>
+      <p:pic>
+        <p:nvPicPr>
+          <p:cNvPr id="3" name="圖片 2"/>
+          <p:cNvPicPr>
+            <a:picLocks noChangeAspect="1"/>
+          </p:cNvPicPr>
+          <p:nvPr/>
+        </p:nvPicPr>
+        <p:blipFill>
+          <a:blip r:embed="rId3"/>
+          <a:stretch>
+            <a:fillRect/>
+          </a:stretch>
+        </p:blipFill>
+        <p:spPr>
+          <a:xfrm>
+            <a:off x="4644008" y="1052736"/>
+            <a:ext cx="4077851" cy="4899912"/>
+          </a:xfrm>
+          <a:prstGeom prst="rect">
+            <a:avLst/>
+          </a:prstGeom>
+        </p:spPr>
+      </p:pic>
+    </p:spTree>
+    <p:extLst>
+      <p:ext uri="{BB962C8B-B14F-4D97-AF65-F5344CB8AC3E}">
+        <p14:creationId xmlns:p14="http://schemas.microsoft.com/office/powerpoint/2010/main" val="88291186"/>
+      </p:ext>
+    </p:extLst>
+  </p:cSld>
+  <p:clrMapOvr>
+    <a:masterClrMapping/>
+  </p:clrMapOvr>
+</p:sld>
+</file>
+
+<file path=ppt/slides/slide45.xml><?xml version="1.0" encoding="utf-8"?>
+<p:sld xmlns:a="http://schemas.openxmlformats.org/drawingml/2006/main" xmlns:r="http://schemas.openxmlformats.org/officeDocument/2006/relationships" xmlns:p="http://schemas.openxmlformats.org/presentationml/2006/main">
+  <p:cSld>
+    <p:spTree>
+      <p:nvGrpSpPr>
+        <p:cNvPr id="1" name=""/>
+        <p:cNvGrpSpPr/>
+        <p:nvPr/>
+      </p:nvGrpSpPr>
+      <p:grpSpPr>
+        <a:xfrm>
+          <a:off x="0" y="0"/>
+          <a:ext cx="0" cy="0"/>
+          <a:chOff x="0" y="0"/>
+          <a:chExt cx="0" cy="0"/>
+        </a:xfrm>
+      </p:grpSpPr>
+      <p:pic>
+        <p:nvPicPr>
+          <p:cNvPr id="2" name="圖片 1"/>
+          <p:cNvPicPr>
+            <a:picLocks noChangeAspect="1"/>
+          </p:cNvPicPr>
+          <p:nvPr/>
+        </p:nvPicPr>
+        <p:blipFill>
+          <a:blip r:embed="rId2"/>
+          <a:stretch>
+            <a:fillRect/>
+          </a:stretch>
+        </p:blipFill>
+        <p:spPr>
+          <a:xfrm>
+            <a:off x="1979712" y="260648"/>
+            <a:ext cx="5227283" cy="1922140"/>
+          </a:xfrm>
+          <a:prstGeom prst="rect">
+            <a:avLst/>
+          </a:prstGeom>
+        </p:spPr>
+      </p:pic>
+      <p:pic>
+        <p:nvPicPr>
+          <p:cNvPr id="3" name="圖片 2"/>
+          <p:cNvPicPr>
+            <a:picLocks noChangeAspect="1"/>
+          </p:cNvPicPr>
+          <p:nvPr/>
+        </p:nvPicPr>
+        <p:blipFill>
+          <a:blip r:embed="rId3"/>
+          <a:stretch>
+            <a:fillRect/>
+          </a:stretch>
+        </p:blipFill>
+        <p:spPr>
+          <a:xfrm>
+            <a:off x="1259632" y="2636912"/>
+            <a:ext cx="6840760" cy="3791265"/>
+          </a:xfrm>
+          <a:prstGeom prst="rect">
+            <a:avLst/>
+          </a:prstGeom>
+        </p:spPr>
+      </p:pic>
+    </p:spTree>
+    <p:extLst>
+      <p:ext uri="{BB962C8B-B14F-4D97-AF65-F5344CB8AC3E}">
+        <p14:creationId xmlns:p14="http://schemas.microsoft.com/office/powerpoint/2010/main" val="1282943227"/>
+      </p:ext>
+    </p:extLst>
+  </p:cSld>
+  <p:clrMapOvr>
+    <a:masterClrMapping/>
+  </p:clrMapOvr>
+</p:sld>
+</file>
+
+<file path=ppt/slides/slide46.xml><?xml version="1.0" encoding="utf-8"?>
+<p:sld xmlns:a="http://schemas.openxmlformats.org/drawingml/2006/main" xmlns:r="http://schemas.openxmlformats.org/officeDocument/2006/relationships" xmlns:p="http://schemas.openxmlformats.org/presentationml/2006/main">
+  <p:cSld>
+    <p:spTree>
+      <p:nvGrpSpPr>
+        <p:cNvPr id="1" name=""/>
+        <p:cNvGrpSpPr/>
+        <p:nvPr/>
+      </p:nvGrpSpPr>
+      <p:grpSpPr>
+        <a:xfrm>
+          <a:off x="0" y="0"/>
+          <a:ext cx="0" cy="0"/>
+          <a:chOff x="0" y="0"/>
+          <a:chExt cx="0" cy="0"/>
+        </a:xfrm>
+      </p:grpSpPr>
+      <p:pic>
+        <p:nvPicPr>
+          <p:cNvPr id="2" name="圖片 1"/>
+          <p:cNvPicPr>
+            <a:picLocks noChangeAspect="1"/>
+          </p:cNvPicPr>
+          <p:nvPr/>
+        </p:nvPicPr>
+        <p:blipFill>
+          <a:blip r:embed="rId2"/>
+          <a:stretch>
+            <a:fillRect/>
+          </a:stretch>
+        </p:blipFill>
+        <p:spPr>
+          <a:xfrm>
+            <a:off x="1907704" y="116632"/>
+            <a:ext cx="4410818" cy="3007989"/>
+          </a:xfrm>
+          <a:prstGeom prst="rect">
+            <a:avLst/>
+          </a:prstGeom>
+        </p:spPr>
+      </p:pic>
+      <p:pic>
+        <p:nvPicPr>
+          <p:cNvPr id="3" name="圖片 2"/>
+          <p:cNvPicPr>
+            <a:picLocks noChangeAspect="1"/>
+          </p:cNvPicPr>
+          <p:nvPr/>
+        </p:nvPicPr>
+        <p:blipFill>
+          <a:blip r:embed="rId3"/>
+          <a:stretch>
+            <a:fillRect/>
+          </a:stretch>
+        </p:blipFill>
+        <p:spPr>
+          <a:xfrm>
+            <a:off x="1331640" y="3284984"/>
+            <a:ext cx="6480720" cy="3281377"/>
+          </a:xfrm>
+          <a:prstGeom prst="rect">
+            <a:avLst/>
+          </a:prstGeom>
+        </p:spPr>
+      </p:pic>
+    </p:spTree>
+    <p:extLst>
+      <p:ext uri="{BB962C8B-B14F-4D97-AF65-F5344CB8AC3E}">
+        <p14:creationId xmlns:p14="http://schemas.microsoft.com/office/powerpoint/2010/main" val="3351087808"/>
+      </p:ext>
+    </p:extLst>
+  </p:cSld>
+  <p:clrMapOvr>
+    <a:masterClrMapping/>
+  </p:clrMapOvr>
+</p:sld>
+</file>
+
+<file path=ppt/slides/slide47.xml><?xml version="1.0" encoding="utf-8"?>
+<p:sld xmlns:a="http://schemas.openxmlformats.org/drawingml/2006/main" xmlns:r="http://schemas.openxmlformats.org/officeDocument/2006/relationships" xmlns:p="http://schemas.openxmlformats.org/presentationml/2006/main">
+  <p:cSld>
+    <p:spTree>
+      <p:nvGrpSpPr>
+        <p:cNvPr id="1" name=""/>
+        <p:cNvGrpSpPr/>
+        <p:nvPr/>
+      </p:nvGrpSpPr>
+      <p:grpSpPr>
+        <a:xfrm>
+          <a:off x="0" y="0"/>
+          <a:ext cx="0" cy="0"/>
+          <a:chOff x="0" y="0"/>
+          <a:chExt cx="0" cy="0"/>
+        </a:xfrm>
+      </p:grpSpPr>
+      <p:sp>
+        <p:nvSpPr>
+          <p:cNvPr id="2" name="文字方塊 1"/>
+          <p:cNvSpPr txBox="1"/>
+          <p:nvPr/>
+        </p:nvSpPr>
+        <p:spPr>
+          <a:xfrm>
+            <a:off x="611560" y="548680"/>
+            <a:ext cx="1005403" cy="584775"/>
+          </a:xfrm>
+          <a:prstGeom prst="rect">
+            <a:avLst/>
+          </a:prstGeom>
+          <a:noFill/>
+        </p:spPr>
+        <p:txBody>
+          <a:bodyPr wrap="none" rtlCol="0">
+            <a:spAutoFit/>
+          </a:bodyPr>
+          <a:lstStyle/>
+          <a:p>
+            <a:r>
+              <a:rPr lang="zh-TW" altLang="en-US" sz="3200" dirty="0" smtClean="0"/>
+              <a:t>練習</a:t>
+            </a:r>
+            <a:endParaRPr lang="zh-TW" altLang="en-US" sz="3200" dirty="0"/>
+          </a:p>
+        </p:txBody>
+      </p:sp>
+      <p:pic>
+        <p:nvPicPr>
+          <p:cNvPr id="3" name="圖片 2"/>
+          <p:cNvPicPr>
+            <a:picLocks noChangeAspect="1"/>
+          </p:cNvPicPr>
+          <p:nvPr/>
+        </p:nvPicPr>
+        <p:blipFill>
+          <a:blip r:embed="rId2"/>
+          <a:stretch>
+            <a:fillRect/>
+          </a:stretch>
+        </p:blipFill>
+        <p:spPr>
+          <a:xfrm>
+            <a:off x="827584" y="1340768"/>
+            <a:ext cx="3384376" cy="4784016"/>
+          </a:xfrm>
+          <a:prstGeom prst="rect">
+            <a:avLst/>
+          </a:prstGeom>
+        </p:spPr>
+      </p:pic>
+      <p:pic>
+        <p:nvPicPr>
+          <p:cNvPr id="4" name="圖片 3"/>
+          <p:cNvPicPr>
+            <a:picLocks noChangeAspect="1"/>
+          </p:cNvPicPr>
+          <p:nvPr/>
+        </p:nvPicPr>
+        <p:blipFill>
+          <a:blip r:embed="rId3"/>
+          <a:stretch>
+            <a:fillRect/>
+          </a:stretch>
+        </p:blipFill>
+        <p:spPr>
+          <a:xfrm>
+            <a:off x="4860032" y="2852936"/>
+            <a:ext cx="3528392" cy="1966069"/>
+          </a:xfrm>
+          <a:prstGeom prst="rect">
+            <a:avLst/>
+          </a:prstGeom>
+        </p:spPr>
+      </p:pic>
+    </p:spTree>
+    <p:extLst>
+      <p:ext uri="{BB962C8B-B14F-4D97-AF65-F5344CB8AC3E}">
+        <p14:creationId xmlns:p14="http://schemas.microsoft.com/office/powerpoint/2010/main" val="3017131515"/>
+      </p:ext>
+    </p:extLst>
+  </p:cSld>
+  <p:clrMapOvr>
+    <a:masterClrMapping/>
+  </p:clrMapOvr>
+</p:sld>
+</file>
+
+<file path=ppt/slides/slide48.xml><?xml version="1.0" encoding="utf-8"?>
+<p:sld xmlns:a="http://schemas.openxmlformats.org/drawingml/2006/main" xmlns:r="http://schemas.openxmlformats.org/officeDocument/2006/relationships" xmlns:p="http://schemas.openxmlformats.org/presentationml/2006/main">
+  <p:cSld>
+    <p:spTree>
+      <p:nvGrpSpPr>
+        <p:cNvPr id="1" name=""/>
+        <p:cNvGrpSpPr/>
+        <p:nvPr/>
+      </p:nvGrpSpPr>
+      <p:grpSpPr>
+        <a:xfrm>
+          <a:off x="0" y="0"/>
+          <a:ext cx="0" cy="0"/>
+          <a:chOff x="0" y="0"/>
+          <a:chExt cx="0" cy="0"/>
+        </a:xfrm>
+      </p:grpSpPr>
+      <p:sp>
+        <p:nvSpPr>
+          <p:cNvPr id="2" name="文字方塊 1"/>
+          <p:cNvSpPr txBox="1"/>
+          <p:nvPr/>
+        </p:nvSpPr>
+        <p:spPr>
+          <a:xfrm>
+            <a:off x="611560" y="548680"/>
+            <a:ext cx="1005403" cy="584775"/>
+          </a:xfrm>
+          <a:prstGeom prst="rect">
+            <a:avLst/>
+          </a:prstGeom>
+          <a:noFill/>
+        </p:spPr>
+        <p:txBody>
+          <a:bodyPr wrap="none" rtlCol="0">
+            <a:spAutoFit/>
+          </a:bodyPr>
+          <a:lstStyle/>
+          <a:p>
+            <a:r>
+              <a:rPr lang="zh-TW" altLang="en-US" sz="3200" dirty="0" smtClean="0"/>
+              <a:t>練習</a:t>
+            </a:r>
+            <a:endParaRPr lang="zh-TW" altLang="en-US" sz="3200" dirty="0"/>
+          </a:p>
+        </p:txBody>
+      </p:sp>
+      <p:pic>
+        <p:nvPicPr>
+          <p:cNvPr id="3" name="圖片 2"/>
+          <p:cNvPicPr>
+            <a:picLocks noChangeAspect="1"/>
+          </p:cNvPicPr>
+          <p:nvPr/>
+        </p:nvPicPr>
+        <p:blipFill>
+          <a:blip r:embed="rId2"/>
+          <a:stretch>
+            <a:fillRect/>
+          </a:stretch>
+        </p:blipFill>
+        <p:spPr>
+          <a:xfrm>
+            <a:off x="395536" y="1412776"/>
+            <a:ext cx="4895850" cy="3629025"/>
+          </a:xfrm>
+          <a:prstGeom prst="rect">
+            <a:avLst/>
+          </a:prstGeom>
+        </p:spPr>
+      </p:pic>
+      <p:pic>
+        <p:nvPicPr>
+          <p:cNvPr id="4" name="圖片 3"/>
+          <p:cNvPicPr>
+            <a:picLocks noChangeAspect="1"/>
+          </p:cNvPicPr>
+          <p:nvPr/>
+        </p:nvPicPr>
+        <p:blipFill>
+          <a:blip r:embed="rId3"/>
+          <a:stretch>
+            <a:fillRect/>
+          </a:stretch>
+        </p:blipFill>
+        <p:spPr>
+          <a:xfrm>
+            <a:off x="5580112" y="1196752"/>
+            <a:ext cx="3024336" cy="4579709"/>
+          </a:xfrm>
+          <a:prstGeom prst="rect">
+            <a:avLst/>
+          </a:prstGeom>
+        </p:spPr>
+      </p:pic>
+    </p:spTree>
+    <p:extLst>
+      <p:ext uri="{BB962C8B-B14F-4D97-AF65-F5344CB8AC3E}">
+        <p14:creationId xmlns:p14="http://schemas.microsoft.com/office/powerpoint/2010/main" val="3423492621"/>
+      </p:ext>
+    </p:extLst>
+  </p:cSld>
+  <p:clrMapOvr>
+    <a:masterClrMapping/>
+  </p:clrMapOvr>
+</p:sld>
+</file>
+
+<file path=ppt/slides/slide5.xml><?xml version="1.0" encoding="utf-8"?>
+<p:sld xmlns:a="http://schemas.openxmlformats.org/drawingml/2006/main" xmlns:r="http://schemas.openxmlformats.org/officeDocument/2006/relationships" xmlns:p="http://schemas.openxmlformats.org/presentationml/2006/main">
+  <p:cSld>
+    <p:bg>
+      <p:bgPr>
+        <a:solidFill>
+          <a:schemeClr val="accent1">
+            <a:lumMod val="50000"/>
+          </a:schemeClr>
+        </a:solidFill>
+        <a:effectLst/>
+      </p:bgPr>
+    </p:bg>
+    <p:spTree>
+      <p:nvGrpSpPr>
+        <p:cNvPr id="1" name=""/>
+        <p:cNvGrpSpPr/>
+        <p:nvPr/>
+      </p:nvGrpSpPr>
+      <p:grpSpPr>
+        <a:xfrm>
+          <a:off x="0" y="0"/>
+          <a:ext cx="0" cy="0"/>
+          <a:chOff x="0" y="0"/>
+          <a:chExt cx="0" cy="0"/>
+        </a:xfrm>
+      </p:grpSpPr>
+      <p:sp>
+        <p:nvSpPr>
+          <p:cNvPr id="2" name="文字方塊 1"/>
+          <p:cNvSpPr txBox="1"/>
+          <p:nvPr/>
+        </p:nvSpPr>
+        <p:spPr>
+          <a:xfrm>
+            <a:off x="3275856" y="2780928"/>
+            <a:ext cx="2435282" cy="1323439"/>
+          </a:xfrm>
+          <a:prstGeom prst="rect">
+            <a:avLst/>
+          </a:prstGeom>
+          <a:noFill/>
+        </p:spPr>
+        <p:txBody>
+          <a:bodyPr wrap="none" rtlCol="0">
+            <a:spAutoFit/>
+          </a:bodyPr>
+          <a:lstStyle/>
+          <a:p>
+            <a:pPr algn="ctr"/>
+            <a:r>
+              <a:rPr lang="en-US" altLang="zh-TW" sz="4000" dirty="0" smtClean="0">
+                <a:solidFill>
+                  <a:schemeClr val="bg1"/>
+                </a:solidFill>
+              </a:rPr>
+              <a:t>HTML</a:t>
+            </a:r>
+            <a:r>
+              <a:rPr lang="zh-TW" altLang="en-US" sz="4000" dirty="0" smtClean="0">
+                <a:solidFill>
+                  <a:schemeClr val="bg1"/>
+                </a:solidFill>
+              </a:rPr>
+              <a:t>實戰</a:t>
+            </a:r>
+            <a:endParaRPr lang="en-US" altLang="zh-TW" sz="4000" dirty="0" smtClean="0">
+              <a:solidFill>
+                <a:schemeClr val="bg1"/>
+              </a:solidFill>
+            </a:endParaRPr>
+          </a:p>
+          <a:p>
+            <a:pPr algn="ctr"/>
+            <a:r>
+              <a:rPr lang="en-US" altLang="zh-TW" sz="4000" dirty="0" smtClean="0">
+                <a:solidFill>
+                  <a:schemeClr val="bg1"/>
+                </a:solidFill>
+              </a:rPr>
+              <a:t>Ch02</a:t>
+            </a:r>
+            <a:endParaRPr lang="zh-TW" altLang="en-US" sz="4000" dirty="0">
+              <a:solidFill>
+                <a:schemeClr val="bg1"/>
+              </a:solidFill>
+            </a:endParaRPr>
+          </a:p>
+        </p:txBody>
+      </p:sp>
+    </p:spTree>
+    <p:extLst>
+      <p:ext uri="{BB962C8B-B14F-4D97-AF65-F5344CB8AC3E}">
+        <p14:creationId xmlns:p14="http://schemas.microsoft.com/office/powerpoint/2010/main" val="3075469912"/>
       </p:ext>
     </p:extLst>
   </p:cSld>
@@ -6403,7 +9344,7 @@
       </p:grpSpPr>
       <p:pic>
         <p:nvPicPr>
-          <p:cNvPr id="5122" name="Picture 2"/>
+          <p:cNvPr id="3074" name="Picture 2"/>
           <p:cNvPicPr>
             <a:picLocks noChangeAspect="1" noChangeArrowheads="1"/>
           </p:cNvPicPr>
@@ -6424,8 +9365,8 @@
         </p:blipFill>
         <p:spPr bwMode="auto">
           <a:xfrm>
-            <a:off x="2051720" y="476672"/>
-            <a:ext cx="6334125" cy="2076450"/>
+            <a:off x="2231740" y="404664"/>
+            <a:ext cx="4680520" cy="3133348"/>
           </a:xfrm>
           <a:prstGeom prst="rect">
             <a:avLst/>
@@ -6467,7 +9408,7 @@
       </p:pic>
       <p:pic>
         <p:nvPicPr>
-          <p:cNvPr id="5124" name="Picture 4"/>
+          <p:cNvPr id="3075" name="Picture 3"/>
           <p:cNvPicPr>
             <a:picLocks noChangeAspect="1" noChangeArrowheads="1"/>
           </p:cNvPicPr>
@@ -6488,8 +9429,8 @@
         </p:blipFill>
         <p:spPr bwMode="auto">
           <a:xfrm>
-            <a:off x="2337173" y="3068959"/>
-            <a:ext cx="6048672" cy="2565085"/>
+            <a:off x="2195736" y="4221088"/>
+            <a:ext cx="4752528" cy="2090398"/>
           </a:xfrm>
           <a:prstGeom prst="rect">
             <a:avLst/>
@@ -6529,10 +9470,40 @@
           </a:extLst>
         </p:spPr>
       </p:pic>
+      <p:sp>
+        <p:nvSpPr>
+          <p:cNvPr id="2" name="文字方塊 1"/>
+          <p:cNvSpPr txBox="1"/>
+          <p:nvPr/>
+        </p:nvSpPr>
+        <p:spPr>
+          <a:xfrm>
+            <a:off x="611560" y="620688"/>
+            <a:ext cx="1019831" cy="584775"/>
+          </a:xfrm>
+          <a:prstGeom prst="rect">
+            <a:avLst/>
+          </a:prstGeom>
+          <a:noFill/>
+        </p:spPr>
+        <p:txBody>
+          <a:bodyPr wrap="none" rtlCol="0">
+            <a:spAutoFit/>
+          </a:bodyPr>
+          <a:lstStyle/>
+          <a:p>
+            <a:r>
+              <a:rPr lang="en-US" altLang="zh-TW" sz="3200" dirty="0" smtClean="0"/>
+              <a:t>body</a:t>
+            </a:r>
+            <a:endParaRPr lang="zh-TW" altLang="en-US" sz="3200" dirty="0"/>
+          </a:p>
+        </p:txBody>
+      </p:sp>
     </p:spTree>
     <p:extLst>
       <p:ext uri="{BB962C8B-B14F-4D97-AF65-F5344CB8AC3E}">
-        <p14:creationId xmlns:p14="http://schemas.microsoft.com/office/powerpoint/2010/main" val="3089581464"/>
+        <p14:creationId xmlns:p14="http://schemas.microsoft.com/office/powerpoint/2010/main" val="3147014987"/>
       </p:ext>
     </p:extLst>
   </p:cSld>
@@ -6561,7 +9532,7 @@
       </p:grpSpPr>
       <p:pic>
         <p:nvPicPr>
-          <p:cNvPr id="8194" name="Picture 2"/>
+          <p:cNvPr id="5122" name="Picture 2"/>
           <p:cNvPicPr>
             <a:picLocks noChangeAspect="1" noChangeArrowheads="1"/>
           </p:cNvPicPr>
@@ -6582,8 +9553,8 @@
         </p:blipFill>
         <p:spPr bwMode="auto">
           <a:xfrm>
-            <a:off x="755576" y="1484784"/>
-            <a:ext cx="4032448" cy="4056813"/>
+            <a:off x="2051720" y="476672"/>
+            <a:ext cx="6334125" cy="2076450"/>
           </a:xfrm>
           <a:prstGeom prst="rect">
             <a:avLst/>
@@ -6625,7 +9596,7 @@
       </p:pic>
       <p:pic>
         <p:nvPicPr>
-          <p:cNvPr id="8195" name="Picture 3"/>
+          <p:cNvPr id="5124" name="Picture 4"/>
           <p:cNvPicPr>
             <a:picLocks noChangeAspect="1" noChangeArrowheads="1"/>
           </p:cNvPicPr>
@@ -6646,8 +9617,8 @@
         </p:blipFill>
         <p:spPr bwMode="auto">
           <a:xfrm>
-            <a:off x="5148064" y="802999"/>
-            <a:ext cx="3384376" cy="4856967"/>
+            <a:off x="2337173" y="3068959"/>
+            <a:ext cx="6048672" cy="2565085"/>
           </a:xfrm>
           <a:prstGeom prst="rect">
             <a:avLst/>
@@ -6695,8 +9666,8 @@
         </p:nvSpPr>
         <p:spPr>
           <a:xfrm>
-            <a:off x="539552" y="548680"/>
-            <a:ext cx="1107996" cy="523220"/>
+            <a:off x="611560" y="620688"/>
+            <a:ext cx="1019831" cy="584775"/>
           </a:xfrm>
           <a:prstGeom prst="rect">
             <a:avLst/>
@@ -6710,21 +9681,17 @@
           <a:lstStyle/>
           <a:p>
             <a:r>
-              <a:rPr lang="en-US" altLang="zh-TW" sz="2800" dirty="0"/>
-              <a:t>h</a:t>
-            </a:r>
-            <a:r>
-              <a:rPr lang="en-US" altLang="zh-TW" sz="2800" dirty="0" smtClean="0"/>
-              <a:t>1~h6</a:t>
-            </a:r>
-            <a:endParaRPr lang="zh-TW" altLang="en-US" sz="2800" dirty="0"/>
+              <a:rPr lang="en-US" altLang="zh-TW" sz="3200" dirty="0" smtClean="0"/>
+              <a:t>body</a:t>
+            </a:r>
+            <a:endParaRPr lang="zh-TW" altLang="en-US" sz="3200" dirty="0"/>
           </a:p>
         </p:txBody>
       </p:sp>
     </p:spTree>
     <p:extLst>
       <p:ext uri="{BB962C8B-B14F-4D97-AF65-F5344CB8AC3E}">
-        <p14:creationId xmlns:p14="http://schemas.microsoft.com/office/powerpoint/2010/main" val="4017783369"/>
+        <p14:creationId xmlns:p14="http://schemas.microsoft.com/office/powerpoint/2010/main" val="3089581464"/>
       </p:ext>
     </p:extLst>
   </p:cSld>
@@ -6753,7 +9720,7 @@
       </p:grpSpPr>
       <p:pic>
         <p:nvPicPr>
-          <p:cNvPr id="7170" name="Picture 2"/>
+          <p:cNvPr id="8194" name="Picture 2"/>
           <p:cNvPicPr>
             <a:picLocks noChangeAspect="1" noChangeArrowheads="1"/>
           </p:cNvPicPr>
@@ -6774,8 +9741,8 @@
         </p:blipFill>
         <p:spPr bwMode="auto">
           <a:xfrm>
-            <a:off x="1969056" y="260648"/>
-            <a:ext cx="6572250" cy="2886075"/>
+            <a:off x="755576" y="1484784"/>
+            <a:ext cx="4032448" cy="4056813"/>
           </a:xfrm>
           <a:prstGeom prst="rect">
             <a:avLst/>
@@ -6817,7 +9784,7 @@
       </p:pic>
       <p:pic>
         <p:nvPicPr>
-          <p:cNvPr id="7171" name="Picture 3"/>
+          <p:cNvPr id="8195" name="Picture 3"/>
           <p:cNvPicPr>
             <a:picLocks noChangeAspect="1" noChangeArrowheads="1"/>
           </p:cNvPicPr>
@@ -6838,8 +9805,8 @@
         </p:blipFill>
         <p:spPr bwMode="auto">
           <a:xfrm>
-            <a:off x="2662893" y="3232887"/>
-            <a:ext cx="5184576" cy="3456384"/>
+            <a:off x="5148064" y="802999"/>
+            <a:ext cx="3384376" cy="4856967"/>
           </a:xfrm>
           <a:prstGeom prst="rect">
             <a:avLst/>
@@ -6888,7 +9855,7 @@
         <p:spPr>
           <a:xfrm>
             <a:off x="539552" y="548680"/>
-            <a:ext cx="373820" cy="523220"/>
+            <a:ext cx="1107996" cy="523220"/>
           </a:xfrm>
           <a:prstGeom prst="rect">
             <a:avLst/>
@@ -6902,8 +9869,12 @@
           <a:lstStyle/>
           <a:p>
             <a:r>
+              <a:rPr lang="en-US" altLang="zh-TW" sz="2800" dirty="0"/>
+              <a:t>h</a:t>
+            </a:r>
+            <a:r>
               <a:rPr lang="en-US" altLang="zh-TW" sz="2800" dirty="0" smtClean="0"/>
-              <a:t>p</a:t>
+              <a:t>1~h6</a:t>
             </a:r>
             <a:endParaRPr lang="zh-TW" altLang="en-US" sz="2800" dirty="0"/>
           </a:p>
@@ -6912,7 +9883,7 @@
     </p:spTree>
     <p:extLst>
       <p:ext uri="{BB962C8B-B14F-4D97-AF65-F5344CB8AC3E}">
-        <p14:creationId xmlns:p14="http://schemas.microsoft.com/office/powerpoint/2010/main" val="191168249"/>
+        <p14:creationId xmlns:p14="http://schemas.microsoft.com/office/powerpoint/2010/main" val="4017783369"/>
       </p:ext>
     </p:extLst>
   </p:cSld>
@@ -6941,7 +9912,7 @@
       </p:grpSpPr>
       <p:pic>
         <p:nvPicPr>
-          <p:cNvPr id="6146" name="Picture 2"/>
+          <p:cNvPr id="7170" name="Picture 2"/>
           <p:cNvPicPr>
             <a:picLocks noChangeAspect="1" noChangeArrowheads="1"/>
           </p:cNvPicPr>
@@ -6962,8 +9933,8 @@
         </p:blipFill>
         <p:spPr bwMode="auto">
           <a:xfrm>
-            <a:off x="2195736" y="185557"/>
-            <a:ext cx="6353175" cy="3362325"/>
+            <a:off x="1969056" y="260648"/>
+            <a:ext cx="6572250" cy="2886075"/>
           </a:xfrm>
           <a:prstGeom prst="rect">
             <a:avLst/>
@@ -7005,7 +9976,7 @@
       </p:pic>
       <p:pic>
         <p:nvPicPr>
-          <p:cNvPr id="6147" name="Picture 3"/>
+          <p:cNvPr id="7171" name="Picture 3"/>
           <p:cNvPicPr>
             <a:picLocks noChangeAspect="1" noChangeArrowheads="1"/>
           </p:cNvPicPr>
@@ -7026,8 +9997,8 @@
         </p:blipFill>
         <p:spPr bwMode="auto">
           <a:xfrm>
-            <a:off x="3491880" y="3685288"/>
-            <a:ext cx="4118788" cy="2708895"/>
+            <a:off x="2662893" y="3232887"/>
+            <a:ext cx="5184576" cy="3456384"/>
           </a:xfrm>
           <a:prstGeom prst="rect">
             <a:avLst/>
@@ -7076,7 +10047,7 @@
         <p:spPr>
           <a:xfrm>
             <a:off x="539552" y="548680"/>
-            <a:ext cx="617477" cy="523220"/>
+            <a:ext cx="373820" cy="523220"/>
           </a:xfrm>
           <a:prstGeom prst="rect">
             <a:avLst/>
@@ -7091,7 +10062,7 @@
           <a:p>
             <a:r>
               <a:rPr lang="en-US" altLang="zh-TW" sz="2800" dirty="0" smtClean="0"/>
-              <a:t>div</a:t>
+              <a:t>p</a:t>
             </a:r>
             <a:endParaRPr lang="zh-TW" altLang="en-US" sz="2800" dirty="0"/>
           </a:p>
@@ -7100,7 +10071,7 @@
     </p:spTree>
     <p:extLst>
       <p:ext uri="{BB962C8B-B14F-4D97-AF65-F5344CB8AC3E}">
-        <p14:creationId xmlns:p14="http://schemas.microsoft.com/office/powerpoint/2010/main" val="3712141395"/>
+        <p14:creationId xmlns:p14="http://schemas.microsoft.com/office/powerpoint/2010/main" val="191168249"/>
       </p:ext>
     </p:extLst>
   </p:cSld>
@@ -7393,4 +10364,265 @@
   <a:objectDefaults/>
   <a:extraClrSchemeLst/>
 </a:theme>
+</file>
+
+<file path=ppt/theme/theme2.xml><?xml version="1.0" encoding="utf-8"?>
+<a:theme xmlns:a="http://schemas.openxmlformats.org/drawingml/2006/main" name="Office 佈景主題">
+  <a:themeElements>
+    <a:clrScheme name="Office">
+      <a:dk1>
+        <a:sysClr val="windowText" lastClr="000000"/>
+      </a:dk1>
+      <a:lt1>
+        <a:sysClr val="window" lastClr="FFFFFF"/>
+      </a:lt1>
+      <a:dk2>
+        <a:srgbClr val="44546A"/>
+      </a:dk2>
+      <a:lt2>
+        <a:srgbClr val="E7E6E6"/>
+      </a:lt2>
+      <a:accent1>
+        <a:srgbClr val="5B9BD5"/>
+      </a:accent1>
+      <a:accent2>
+        <a:srgbClr val="ED7D31"/>
+      </a:accent2>
+      <a:accent3>
+        <a:srgbClr val="A5A5A5"/>
+      </a:accent3>
+      <a:accent4>
+        <a:srgbClr val="FFC000"/>
+      </a:accent4>
+      <a:accent5>
+        <a:srgbClr val="4472C4"/>
+      </a:accent5>
+      <a:accent6>
+        <a:srgbClr val="70AD47"/>
+      </a:accent6>
+      <a:hlink>
+        <a:srgbClr val="0563C1"/>
+      </a:hlink>
+      <a:folHlink>
+        <a:srgbClr val="954F72"/>
+      </a:folHlink>
+    </a:clrScheme>
+    <a:fontScheme name="Office">
+      <a:majorFont>
+        <a:latin typeface="Calibri Light" panose="020F0302020204030204"/>
+        <a:ea typeface=""/>
+        <a:cs typeface=""/>
+        <a:font script="Jpan" typeface="ＭＳ Ｐゴシック"/>
+        <a:font script="Hang" typeface="맑은 고딕"/>
+        <a:font script="Hans" typeface="宋体"/>
+        <a:font script="Hant" typeface="新細明體"/>
+        <a:font script="Arab" typeface="Times New Roman"/>
+        <a:font script="Hebr" typeface="Times New Roman"/>
+        <a:font script="Thai" typeface="Angsana New"/>
+        <a:font script="Ethi" typeface="Nyala"/>
+        <a:font script="Beng" typeface="Vrinda"/>
+        <a:font script="Gujr" typeface="Shruti"/>
+        <a:font script="Khmr" typeface="MoolBoran"/>
+        <a:font script="Knda" typeface="Tunga"/>
+        <a:font script="Guru" typeface="Raavi"/>
+        <a:font script="Cans" typeface="Euphemia"/>
+        <a:font script="Cher" typeface="Plantagenet Cherokee"/>
+        <a:font script="Yiii" typeface="Microsoft Yi Baiti"/>
+        <a:font script="Tibt" typeface="Microsoft Himalaya"/>
+        <a:font script="Thaa" typeface="MV Boli"/>
+        <a:font script="Deva" typeface="Mangal"/>
+        <a:font script="Telu" typeface="Gautami"/>
+        <a:font script="Taml" typeface="Latha"/>
+        <a:font script="Syrc" typeface="Estrangelo Edessa"/>
+        <a:font script="Orya" typeface="Kalinga"/>
+        <a:font script="Mlym" typeface="Kartika"/>
+        <a:font script="Laoo" typeface="DokChampa"/>
+        <a:font script="Sinh" typeface="Iskoola Pota"/>
+        <a:font script="Mong" typeface="Mongolian Baiti"/>
+        <a:font script="Viet" typeface="Times New Roman"/>
+        <a:font script="Uigh" typeface="Microsoft Uighur"/>
+        <a:font script="Geor" typeface="Sylfaen"/>
+      </a:majorFont>
+      <a:minorFont>
+        <a:latin typeface="Calibri" panose="020F0502020204030204"/>
+        <a:ea typeface=""/>
+        <a:cs typeface=""/>
+        <a:font script="Jpan" typeface="ＭＳ Ｐゴシック"/>
+        <a:font script="Hang" typeface="맑은 고딕"/>
+        <a:font script="Hans" typeface="宋体"/>
+        <a:font script="Hant" typeface="新細明體"/>
+        <a:font script="Arab" typeface="Arial"/>
+        <a:font script="Hebr" typeface="Arial"/>
+        <a:font script="Thai" typeface="Cordia New"/>
+        <a:font script="Ethi" typeface="Nyala"/>
+        <a:font script="Beng" typeface="Vrinda"/>
+        <a:font script="Gujr" typeface="Shruti"/>
+        <a:font script="Khmr" typeface="DaunPenh"/>
+        <a:font script="Knda" typeface="Tunga"/>
+        <a:font script="Guru" typeface="Raavi"/>
+        <a:font script="Cans" typeface="Euphemia"/>
+        <a:font script="Cher" typeface="Plantagenet Cherokee"/>
+        <a:font script="Yiii" typeface="Microsoft Yi Baiti"/>
+        <a:font script="Tibt" typeface="Microsoft Himalaya"/>
+        <a:font script="Thaa" typeface="MV Boli"/>
+        <a:font script="Deva" typeface="Mangal"/>
+        <a:font script="Telu" typeface="Gautami"/>
+        <a:font script="Taml" typeface="Latha"/>
+        <a:font script="Syrc" typeface="Estrangelo Edessa"/>
+        <a:font script="Orya" typeface="Kalinga"/>
+        <a:font script="Mlym" typeface="Kartika"/>
+        <a:font script="Laoo" typeface="DokChampa"/>
+        <a:font script="Sinh" typeface="Iskoola Pota"/>
+        <a:font script="Mong" typeface="Mongolian Baiti"/>
+        <a:font script="Viet" typeface="Arial"/>
+        <a:font script="Uigh" typeface="Microsoft Uighur"/>
+        <a:font script="Geor" typeface="Sylfaen"/>
+      </a:minorFont>
+    </a:fontScheme>
+    <a:fmtScheme name="Office">
+      <a:fillStyleLst>
+        <a:solidFill>
+          <a:schemeClr val="phClr"/>
+        </a:solidFill>
+        <a:gradFill rotWithShape="1">
+          <a:gsLst>
+            <a:gs pos="0">
+              <a:schemeClr val="phClr">
+                <a:lumMod val="110000"/>
+                <a:satMod val="105000"/>
+                <a:tint val="67000"/>
+              </a:schemeClr>
+            </a:gs>
+            <a:gs pos="50000">
+              <a:schemeClr val="phClr">
+                <a:lumMod val="105000"/>
+                <a:satMod val="103000"/>
+                <a:tint val="73000"/>
+              </a:schemeClr>
+            </a:gs>
+            <a:gs pos="100000">
+              <a:schemeClr val="phClr">
+                <a:lumMod val="105000"/>
+                <a:satMod val="109000"/>
+                <a:tint val="81000"/>
+              </a:schemeClr>
+            </a:gs>
+          </a:gsLst>
+          <a:lin ang="5400000" scaled="0"/>
+        </a:gradFill>
+        <a:gradFill rotWithShape="1">
+          <a:gsLst>
+            <a:gs pos="0">
+              <a:schemeClr val="phClr">
+                <a:satMod val="103000"/>
+                <a:lumMod val="102000"/>
+                <a:tint val="94000"/>
+              </a:schemeClr>
+            </a:gs>
+            <a:gs pos="50000">
+              <a:schemeClr val="phClr">
+                <a:satMod val="110000"/>
+                <a:lumMod val="100000"/>
+                <a:shade val="100000"/>
+              </a:schemeClr>
+            </a:gs>
+            <a:gs pos="100000">
+              <a:schemeClr val="phClr">
+                <a:lumMod val="99000"/>
+                <a:satMod val="120000"/>
+                <a:shade val="78000"/>
+              </a:schemeClr>
+            </a:gs>
+          </a:gsLst>
+          <a:lin ang="5400000" scaled="0"/>
+        </a:gradFill>
+      </a:fillStyleLst>
+      <a:lnStyleLst>
+        <a:ln w="6350" cap="flat" cmpd="sng" algn="ctr">
+          <a:solidFill>
+            <a:schemeClr val="phClr"/>
+          </a:solidFill>
+          <a:prstDash val="solid"/>
+          <a:miter lim="800000"/>
+        </a:ln>
+        <a:ln w="12700" cap="flat" cmpd="sng" algn="ctr">
+          <a:solidFill>
+            <a:schemeClr val="phClr"/>
+          </a:solidFill>
+          <a:prstDash val="solid"/>
+          <a:miter lim="800000"/>
+        </a:ln>
+        <a:ln w="19050" cap="flat" cmpd="sng" algn="ctr">
+          <a:solidFill>
+            <a:schemeClr val="phClr"/>
+          </a:solidFill>
+          <a:prstDash val="solid"/>
+          <a:miter lim="800000"/>
+        </a:ln>
+      </a:lnStyleLst>
+      <a:effectStyleLst>
+        <a:effectStyle>
+          <a:effectLst/>
+        </a:effectStyle>
+        <a:effectStyle>
+          <a:effectLst/>
+        </a:effectStyle>
+        <a:effectStyle>
+          <a:effectLst>
+            <a:outerShdw blurRad="57150" dist="19050" dir="5400000" algn="ctr" rotWithShape="0">
+              <a:srgbClr val="000000">
+                <a:alpha val="63000"/>
+              </a:srgbClr>
+            </a:outerShdw>
+          </a:effectLst>
+        </a:effectStyle>
+      </a:effectStyleLst>
+      <a:bgFillStyleLst>
+        <a:solidFill>
+          <a:schemeClr val="phClr"/>
+        </a:solidFill>
+        <a:solidFill>
+          <a:schemeClr val="phClr">
+            <a:tint val="95000"/>
+            <a:satMod val="170000"/>
+          </a:schemeClr>
+        </a:solidFill>
+        <a:gradFill rotWithShape="1">
+          <a:gsLst>
+            <a:gs pos="0">
+              <a:schemeClr val="phClr">
+                <a:tint val="93000"/>
+                <a:satMod val="150000"/>
+                <a:shade val="98000"/>
+                <a:lumMod val="102000"/>
+              </a:schemeClr>
+            </a:gs>
+            <a:gs pos="50000">
+              <a:schemeClr val="phClr">
+                <a:tint val="98000"/>
+                <a:satMod val="130000"/>
+                <a:shade val="90000"/>
+                <a:lumMod val="103000"/>
+              </a:schemeClr>
+            </a:gs>
+            <a:gs pos="100000">
+              <a:schemeClr val="phClr">
+                <a:shade val="63000"/>
+                <a:satMod val="120000"/>
+              </a:schemeClr>
+            </a:gs>
+          </a:gsLst>
+          <a:lin ang="5400000" scaled="0"/>
+        </a:gradFill>
+      </a:bgFillStyleLst>
+    </a:fmtScheme>
+  </a:themeElements>
+  <a:objectDefaults/>
+  <a:extraClrSchemeLst/>
+  <a:extLst>
+    <a:ext uri="{05A4C25C-085E-4340-85A3-A5531E510DB2}">
+      <thm15:themeFamily xmlns:thm15="http://schemas.microsoft.com/office/thememl/2012/main" name="Office Theme" id="{62F939B6-93AF-4DB8-9C6B-D6C7DFDC589F}" vid="{4A3C46E8-61CC-4603-A589-7422A47A8E4A}"/>
+    </a:ext>
+  </a:extLst>
+</a:theme>
 </file>
--- a/網站開發與安全/20210303.pptx
+++ b/網站開發與安全/20210303.pptx
@@ -5,7 +5,7 @@
     <p:sldMasterId id="2147483648" r:id="rId1"/>
   </p:sldMasterIdLst>
   <p:notesMasterIdLst>
-    <p:notesMasterId r:id="rId50"/>
+    <p:notesMasterId r:id="rId52"/>
   </p:notesMasterIdLst>
   <p:sldIdLst>
     <p:sldId id="256" r:id="rId2"/>
@@ -44,18 +44,20 @@
     <p:sldId id="290" r:id="rId35"/>
     <p:sldId id="278" r:id="rId36"/>
     <p:sldId id="291" r:id="rId37"/>
-    <p:sldId id="292" r:id="rId38"/>
-    <p:sldId id="293" r:id="rId39"/>
-    <p:sldId id="295" r:id="rId40"/>
-    <p:sldId id="294" r:id="rId41"/>
-    <p:sldId id="296" r:id="rId42"/>
-    <p:sldId id="297" r:id="rId43"/>
-    <p:sldId id="298" r:id="rId44"/>
-    <p:sldId id="301" r:id="rId45"/>
-    <p:sldId id="302" r:id="rId46"/>
-    <p:sldId id="303" r:id="rId47"/>
-    <p:sldId id="300" r:id="rId48"/>
-    <p:sldId id="299" r:id="rId49"/>
+    <p:sldId id="304" r:id="rId38"/>
+    <p:sldId id="305" r:id="rId39"/>
+    <p:sldId id="292" r:id="rId40"/>
+    <p:sldId id="293" r:id="rId41"/>
+    <p:sldId id="295" r:id="rId42"/>
+    <p:sldId id="294" r:id="rId43"/>
+    <p:sldId id="296" r:id="rId44"/>
+    <p:sldId id="297" r:id="rId45"/>
+    <p:sldId id="298" r:id="rId46"/>
+    <p:sldId id="301" r:id="rId47"/>
+    <p:sldId id="302" r:id="rId48"/>
+    <p:sldId id="303" r:id="rId49"/>
+    <p:sldId id="300" r:id="rId50"/>
+    <p:sldId id="299" r:id="rId51"/>
   </p:sldIdLst>
   <p:sldSz cx="9144000" cy="6858000" type="screen4x3"/>
   <p:notesSz cx="6858000" cy="9144000"/>
@@ -156,7 +158,7 @@
   </p:defaultTextStyle>
   <p:extLst>
     <p:ext uri="{EFAFB233-063F-42B5-8137-9DF3F51BA10A}">
-      <p15:sldGuideLst xmlns:p15="http://schemas.microsoft.com/office/powerpoint/2012/main">
+      <p15:sldGuideLst xmlns:p15="http://schemas.microsoft.com/office/powerpoint/2012/main" xmlns="">
         <p15:guide id="1" orient="horz" pos="2160">
           <p15:clr>
             <a:srgbClr val="A4A3A4"/>
@@ -255,7 +257,7 @@
           <a:p>
             <a:fld id="{1862D4FE-A2D6-4ADF-90BB-F2F48BCF42C5}" type="datetimeFigureOut">
               <a:rPr lang="zh-TW" altLang="en-US" smtClean="0"/>
-              <a:t>2021/3/3</a:t>
+              <a:t>2021/3/10</a:t>
             </a:fld>
             <a:endParaRPr lang="zh-TW" altLang="en-US"/>
           </a:p>
@@ -788,7 +790,7 @@
           <a:p>
             <a:fld id="{0522AC60-92F1-46F2-B03A-975154B494C2}" type="datetimeFigureOut">
               <a:rPr lang="zh-TW" altLang="en-US" smtClean="0"/>
-              <a:t>2021/3/3</a:t>
+              <a:t>2021/3/10</a:t>
             </a:fld>
             <a:endParaRPr lang="zh-TW" altLang="en-US"/>
           </a:p>
@@ -958,7 +960,7 @@
           <a:p>
             <a:fld id="{0522AC60-92F1-46F2-B03A-975154B494C2}" type="datetimeFigureOut">
               <a:rPr lang="zh-TW" altLang="en-US" smtClean="0"/>
-              <a:t>2021/3/3</a:t>
+              <a:t>2021/3/10</a:t>
             </a:fld>
             <a:endParaRPr lang="zh-TW" altLang="en-US"/>
           </a:p>
@@ -1138,7 +1140,7 @@
           <a:p>
             <a:fld id="{0522AC60-92F1-46F2-B03A-975154B494C2}" type="datetimeFigureOut">
               <a:rPr lang="zh-TW" altLang="en-US" smtClean="0"/>
-              <a:t>2021/3/3</a:t>
+              <a:t>2021/3/10</a:t>
             </a:fld>
             <a:endParaRPr lang="zh-TW" altLang="en-US"/>
           </a:p>
@@ -1308,7 +1310,7 @@
           <a:p>
             <a:fld id="{0522AC60-92F1-46F2-B03A-975154B494C2}" type="datetimeFigureOut">
               <a:rPr lang="zh-TW" altLang="en-US" smtClean="0"/>
-              <a:t>2021/3/3</a:t>
+              <a:t>2021/3/10</a:t>
             </a:fld>
             <a:endParaRPr lang="zh-TW" altLang="en-US"/>
           </a:p>
@@ -1554,7 +1556,7 @@
           <a:p>
             <a:fld id="{0522AC60-92F1-46F2-B03A-975154B494C2}" type="datetimeFigureOut">
               <a:rPr lang="zh-TW" altLang="en-US" smtClean="0"/>
-              <a:t>2021/3/3</a:t>
+              <a:t>2021/3/10</a:t>
             </a:fld>
             <a:endParaRPr lang="zh-TW" altLang="en-US"/>
           </a:p>
@@ -1842,7 +1844,7 @@
           <a:p>
             <a:fld id="{0522AC60-92F1-46F2-B03A-975154B494C2}" type="datetimeFigureOut">
               <a:rPr lang="zh-TW" altLang="en-US" smtClean="0"/>
-              <a:t>2021/3/3</a:t>
+              <a:t>2021/3/10</a:t>
             </a:fld>
             <a:endParaRPr lang="zh-TW" altLang="en-US"/>
           </a:p>
@@ -2264,7 +2266,7 @@
           <a:p>
             <a:fld id="{0522AC60-92F1-46F2-B03A-975154B494C2}" type="datetimeFigureOut">
               <a:rPr lang="zh-TW" altLang="en-US" smtClean="0"/>
-              <a:t>2021/3/3</a:t>
+              <a:t>2021/3/10</a:t>
             </a:fld>
             <a:endParaRPr lang="zh-TW" altLang="en-US"/>
           </a:p>
@@ -2382,7 +2384,7 @@
           <a:p>
             <a:fld id="{0522AC60-92F1-46F2-B03A-975154B494C2}" type="datetimeFigureOut">
               <a:rPr lang="zh-TW" altLang="en-US" smtClean="0"/>
-              <a:t>2021/3/3</a:t>
+              <a:t>2021/3/10</a:t>
             </a:fld>
             <a:endParaRPr lang="zh-TW" altLang="en-US"/>
           </a:p>
@@ -2477,7 +2479,7 @@
           <a:p>
             <a:fld id="{0522AC60-92F1-46F2-B03A-975154B494C2}" type="datetimeFigureOut">
               <a:rPr lang="zh-TW" altLang="en-US" smtClean="0"/>
-              <a:t>2021/3/3</a:t>
+              <a:t>2021/3/10</a:t>
             </a:fld>
             <a:endParaRPr lang="zh-TW" altLang="en-US"/>
           </a:p>
@@ -2754,7 +2756,7 @@
           <a:p>
             <a:fld id="{0522AC60-92F1-46F2-B03A-975154B494C2}" type="datetimeFigureOut">
               <a:rPr lang="zh-TW" altLang="en-US" smtClean="0"/>
-              <a:t>2021/3/3</a:t>
+              <a:t>2021/3/10</a:t>
             </a:fld>
             <a:endParaRPr lang="zh-TW" altLang="en-US"/>
           </a:p>
@@ -3007,7 +3009,7 @@
           <a:p>
             <a:fld id="{0522AC60-92F1-46F2-B03A-975154B494C2}" type="datetimeFigureOut">
               <a:rPr lang="zh-TW" altLang="en-US" smtClean="0"/>
-              <a:t>2021/3/3</a:t>
+              <a:t>2021/3/10</a:t>
             </a:fld>
             <a:endParaRPr lang="zh-TW" altLang="en-US"/>
           </a:p>
@@ -3220,7 +3222,7 @@
           <a:p>
             <a:fld id="{0522AC60-92F1-46F2-B03A-975154B494C2}" type="datetimeFigureOut">
               <a:rPr lang="zh-TW" altLang="en-US" smtClean="0"/>
-              <a:t>2021/3/3</a:t>
+              <a:t>2021/3/10</a:t>
             </a:fld>
             <a:endParaRPr lang="zh-TW" altLang="en-US"/>
           </a:p>
@@ -6293,7 +6295,7 @@
         </p:blipFill>
         <p:spPr bwMode="auto">
           <a:xfrm>
-            <a:off x="1171575" y="1196752"/>
+            <a:off x="2195736" y="538081"/>
             <a:ext cx="6800850" cy="2657475"/>
           </a:xfrm>
           <a:prstGeom prst="rect">
@@ -6357,8 +6359,200 @@
         </p:blipFill>
         <p:spPr bwMode="auto">
           <a:xfrm>
-            <a:off x="2699792" y="3654802"/>
-            <a:ext cx="3888432" cy="2851517"/>
+            <a:off x="179512" y="3284984"/>
+            <a:ext cx="3102890" cy="2275453"/>
+          </a:xfrm>
+          <a:prstGeom prst="rect">
+            <a:avLst/>
+          </a:prstGeom>
+          <a:noFill/>
+          <a:ln>
+            <a:noFill/>
+          </a:ln>
+          <a:effectLst/>
+          <a:extLst>
+            <a:ext uri="{909E8E84-426E-40DD-AFC4-6F175D3DCCD1}">
+              <a14:hiddenFill xmlns:a14="http://schemas.microsoft.com/office/drawing/2010/main">
+                <a:solidFill>
+                  <a:schemeClr val="accent1"/>
+                </a:solidFill>
+              </a14:hiddenFill>
+            </a:ext>
+            <a:ext uri="{91240B29-F687-4F45-9708-019B960494DF}">
+              <a14:hiddenLine xmlns:a14="http://schemas.microsoft.com/office/drawing/2010/main" w="9525">
+                <a:solidFill>
+                  <a:schemeClr val="tx1"/>
+                </a:solidFill>
+                <a:miter lim="800000"/>
+                <a:headEnd/>
+                <a:tailEnd/>
+              </a14:hiddenLine>
+            </a:ext>
+            <a:ext uri="{AF507438-7753-43E0-B8FC-AC1667EBCBE1}">
+              <a14:hiddenEffects xmlns:a14="http://schemas.microsoft.com/office/drawing/2010/main">
+                <a:effectLst>
+                  <a:outerShdw dist="35921" dir="2700000" algn="ctr" rotWithShape="0">
+                    <a:schemeClr val="bg2"/>
+                  </a:outerShdw>
+                </a:effectLst>
+              </a14:hiddenEffects>
+            </a:ext>
+          </a:extLst>
+        </p:spPr>
+      </p:pic>
+      <p:pic>
+        <p:nvPicPr>
+          <p:cNvPr id="1026" name="Picture 2"/>
+          <p:cNvPicPr>
+            <a:picLocks noChangeAspect="1" noChangeArrowheads="1"/>
+          </p:cNvPicPr>
+          <p:nvPr/>
+        </p:nvPicPr>
+        <p:blipFill>
+          <a:blip r:embed="rId4">
+            <a:extLst>
+              <a:ext uri="{28A0092B-C50C-407E-A947-70E740481C1C}">
+                <a14:useLocalDpi xmlns:a14="http://schemas.microsoft.com/office/drawing/2010/main" val="0"/>
+              </a:ext>
+            </a:extLst>
+          </a:blip>
+          <a:srcRect/>
+          <a:stretch>
+            <a:fillRect/>
+          </a:stretch>
+        </p:blipFill>
+        <p:spPr bwMode="auto">
+          <a:xfrm>
+            <a:off x="3419872" y="3284984"/>
+            <a:ext cx="2782501" cy="1143795"/>
+          </a:xfrm>
+          <a:prstGeom prst="rect">
+            <a:avLst/>
+          </a:prstGeom>
+          <a:noFill/>
+          <a:ln>
+            <a:noFill/>
+          </a:ln>
+          <a:effectLst/>
+          <a:extLst>
+            <a:ext uri="{909E8E84-426E-40DD-AFC4-6F175D3DCCD1}">
+              <a14:hiddenFill xmlns:a14="http://schemas.microsoft.com/office/drawing/2010/main">
+                <a:solidFill>
+                  <a:schemeClr val="accent1"/>
+                </a:solidFill>
+              </a14:hiddenFill>
+            </a:ext>
+            <a:ext uri="{91240B29-F687-4F45-9708-019B960494DF}">
+              <a14:hiddenLine xmlns:a14="http://schemas.microsoft.com/office/drawing/2010/main" w="9525">
+                <a:solidFill>
+                  <a:schemeClr val="tx1"/>
+                </a:solidFill>
+                <a:miter lim="800000"/>
+                <a:headEnd/>
+                <a:tailEnd/>
+              </a14:hiddenLine>
+            </a:ext>
+            <a:ext uri="{AF507438-7753-43E0-B8FC-AC1667EBCBE1}">
+              <a14:hiddenEffects xmlns:a14="http://schemas.microsoft.com/office/drawing/2010/main">
+                <a:effectLst>
+                  <a:outerShdw dist="35921" dir="2700000" algn="ctr" rotWithShape="0">
+                    <a:schemeClr val="bg2"/>
+                  </a:outerShdw>
+                </a:effectLst>
+              </a14:hiddenEffects>
+            </a:ext>
+          </a:extLst>
+        </p:spPr>
+      </p:pic>
+      <p:pic>
+        <p:nvPicPr>
+          <p:cNvPr id="1028" name="Picture 4"/>
+          <p:cNvPicPr>
+            <a:picLocks noChangeAspect="1" noChangeArrowheads="1"/>
+          </p:cNvPicPr>
+          <p:nvPr/>
+        </p:nvPicPr>
+        <p:blipFill>
+          <a:blip r:embed="rId5">
+            <a:extLst>
+              <a:ext uri="{28A0092B-C50C-407E-A947-70E740481C1C}">
+                <a14:useLocalDpi xmlns:a14="http://schemas.microsoft.com/office/drawing/2010/main" val="0"/>
+              </a:ext>
+            </a:extLst>
+          </a:blip>
+          <a:srcRect/>
+          <a:stretch>
+            <a:fillRect/>
+          </a:stretch>
+        </p:blipFill>
+        <p:spPr bwMode="auto">
+          <a:xfrm>
+            <a:off x="3303954" y="4509120"/>
+            <a:ext cx="3355573" cy="720080"/>
+          </a:xfrm>
+          <a:prstGeom prst="rect">
+            <a:avLst/>
+          </a:prstGeom>
+          <a:noFill/>
+          <a:ln>
+            <a:noFill/>
+          </a:ln>
+          <a:effectLst/>
+          <a:extLst>
+            <a:ext uri="{909E8E84-426E-40DD-AFC4-6F175D3DCCD1}">
+              <a14:hiddenFill xmlns:a14="http://schemas.microsoft.com/office/drawing/2010/main">
+                <a:solidFill>
+                  <a:schemeClr val="accent1"/>
+                </a:solidFill>
+              </a14:hiddenFill>
+            </a:ext>
+            <a:ext uri="{91240B29-F687-4F45-9708-019B960494DF}">
+              <a14:hiddenLine xmlns:a14="http://schemas.microsoft.com/office/drawing/2010/main" w="9525">
+                <a:solidFill>
+                  <a:schemeClr val="tx1"/>
+                </a:solidFill>
+                <a:miter lim="800000"/>
+                <a:headEnd/>
+                <a:tailEnd/>
+              </a14:hiddenLine>
+            </a:ext>
+            <a:ext uri="{AF507438-7753-43E0-B8FC-AC1667EBCBE1}">
+              <a14:hiddenEffects xmlns:a14="http://schemas.microsoft.com/office/drawing/2010/main">
+                <a:effectLst>
+                  <a:outerShdw dist="35921" dir="2700000" algn="ctr" rotWithShape="0">
+                    <a:schemeClr val="bg2"/>
+                  </a:outerShdw>
+                </a:effectLst>
+              </a14:hiddenEffects>
+            </a:ext>
+          </a:extLst>
+        </p:spPr>
+      </p:pic>
+      <p:pic>
+        <p:nvPicPr>
+          <p:cNvPr id="1029" name="Picture 5"/>
+          <p:cNvPicPr>
+            <a:picLocks noChangeAspect="1" noChangeArrowheads="1"/>
+          </p:cNvPicPr>
+          <p:nvPr/>
+        </p:nvPicPr>
+        <p:blipFill>
+          <a:blip r:embed="rId6">
+            <a:extLst>
+              <a:ext uri="{28A0092B-C50C-407E-A947-70E740481C1C}">
+                <a14:useLocalDpi xmlns:a14="http://schemas.microsoft.com/office/drawing/2010/main" val="0"/>
+              </a:ext>
+            </a:extLst>
+          </a:blip>
+          <a:srcRect/>
+          <a:stretch>
+            <a:fillRect/>
+          </a:stretch>
+        </p:blipFill>
+        <p:spPr bwMode="auto">
+          <a:xfrm>
+            <a:off x="2915816" y="5445224"/>
+            <a:ext cx="3993629" cy="1536490"/>
           </a:xfrm>
           <a:prstGeom prst="rect">
             <a:avLst/>
@@ -7944,6 +8138,382 @@
 <file path=ppt/slides/slide37.xml><?xml version="1.0" encoding="utf-8"?>
 <p:sld xmlns:a="http://schemas.openxmlformats.org/drawingml/2006/main" xmlns:r="http://schemas.openxmlformats.org/officeDocument/2006/relationships" xmlns:p="http://schemas.openxmlformats.org/presentationml/2006/main">
   <p:cSld>
+    <p:spTree>
+      <p:nvGrpSpPr>
+        <p:cNvPr id="1" name=""/>
+        <p:cNvGrpSpPr/>
+        <p:nvPr/>
+      </p:nvGrpSpPr>
+      <p:grpSpPr>
+        <a:xfrm>
+          <a:off x="0" y="0"/>
+          <a:ext cx="0" cy="0"/>
+          <a:chOff x="0" y="0"/>
+          <a:chExt cx="0" cy="0"/>
+        </a:xfrm>
+      </p:grpSpPr>
+      <p:sp>
+        <p:nvSpPr>
+          <p:cNvPr id="2" name="文字方塊 1"/>
+          <p:cNvSpPr txBox="1"/>
+          <p:nvPr/>
+        </p:nvSpPr>
+        <p:spPr>
+          <a:xfrm>
+            <a:off x="755576" y="548680"/>
+            <a:ext cx="902811" cy="523220"/>
+          </a:xfrm>
+          <a:prstGeom prst="rect">
+            <a:avLst/>
+          </a:prstGeom>
+          <a:noFill/>
+        </p:spPr>
+        <p:txBody>
+          <a:bodyPr wrap="none" rtlCol="0">
+            <a:spAutoFit/>
+          </a:bodyPr>
+          <a:lstStyle/>
+          <a:p>
+            <a:r>
+              <a:rPr lang="zh-TW" altLang="en-US" sz="2800" dirty="0" smtClean="0"/>
+              <a:t>練習</a:t>
+            </a:r>
+            <a:endParaRPr lang="zh-TW" altLang="en-US" sz="2800" dirty="0"/>
+          </a:p>
+        </p:txBody>
+      </p:sp>
+      <p:pic>
+        <p:nvPicPr>
+          <p:cNvPr id="2050" name="Picture 2"/>
+          <p:cNvPicPr>
+            <a:picLocks noChangeAspect="1" noChangeArrowheads="1"/>
+          </p:cNvPicPr>
+          <p:nvPr/>
+        </p:nvPicPr>
+        <p:blipFill>
+          <a:blip r:embed="rId2">
+            <a:extLst>
+              <a:ext uri="{28A0092B-C50C-407E-A947-70E740481C1C}">
+                <a14:useLocalDpi xmlns:a14="http://schemas.microsoft.com/office/drawing/2010/main" val="0"/>
+              </a:ext>
+            </a:extLst>
+          </a:blip>
+          <a:srcRect/>
+          <a:stretch>
+            <a:fillRect/>
+          </a:stretch>
+        </p:blipFill>
+        <p:spPr bwMode="auto">
+          <a:xfrm>
+            <a:off x="2924115" y="5157192"/>
+            <a:ext cx="4038178" cy="1381482"/>
+          </a:xfrm>
+          <a:prstGeom prst="rect">
+            <a:avLst/>
+          </a:prstGeom>
+          <a:noFill/>
+          <a:ln>
+            <a:noFill/>
+          </a:ln>
+          <a:effectLst/>
+          <a:extLst>
+            <a:ext uri="{909E8E84-426E-40DD-AFC4-6F175D3DCCD1}">
+              <a14:hiddenFill xmlns:a14="http://schemas.microsoft.com/office/drawing/2010/main">
+                <a:solidFill>
+                  <a:schemeClr val="accent1"/>
+                </a:solidFill>
+              </a14:hiddenFill>
+            </a:ext>
+            <a:ext uri="{91240B29-F687-4F45-9708-019B960494DF}">
+              <a14:hiddenLine xmlns:a14="http://schemas.microsoft.com/office/drawing/2010/main" w="9525">
+                <a:solidFill>
+                  <a:schemeClr val="tx1"/>
+                </a:solidFill>
+                <a:miter lim="800000"/>
+                <a:headEnd/>
+                <a:tailEnd/>
+              </a14:hiddenLine>
+            </a:ext>
+            <a:ext uri="{AF507438-7753-43E0-B8FC-AC1667EBCBE1}">
+              <a14:hiddenEffects xmlns:a14="http://schemas.microsoft.com/office/drawing/2010/main">
+                <a:effectLst>
+                  <a:outerShdw dist="35921" dir="2700000" algn="ctr" rotWithShape="0">
+                    <a:schemeClr val="bg2"/>
+                  </a:outerShdw>
+                </a:effectLst>
+              </a14:hiddenEffects>
+            </a:ext>
+          </a:extLst>
+        </p:spPr>
+      </p:pic>
+      <p:pic>
+        <p:nvPicPr>
+          <p:cNvPr id="2051" name="Picture 3"/>
+          <p:cNvPicPr>
+            <a:picLocks noChangeAspect="1" noChangeArrowheads="1"/>
+          </p:cNvPicPr>
+          <p:nvPr/>
+        </p:nvPicPr>
+        <p:blipFill>
+          <a:blip r:embed="rId3">
+            <a:extLst>
+              <a:ext uri="{28A0092B-C50C-407E-A947-70E740481C1C}">
+                <a14:useLocalDpi xmlns:a14="http://schemas.microsoft.com/office/drawing/2010/main" val="0"/>
+              </a:ext>
+            </a:extLst>
+          </a:blip>
+          <a:srcRect/>
+          <a:stretch>
+            <a:fillRect/>
+          </a:stretch>
+        </p:blipFill>
+        <p:spPr bwMode="auto">
+          <a:xfrm>
+            <a:off x="2483768" y="548680"/>
+            <a:ext cx="4381500" cy="4429125"/>
+          </a:xfrm>
+          <a:prstGeom prst="rect">
+            <a:avLst/>
+          </a:prstGeom>
+          <a:noFill/>
+          <a:ln>
+            <a:noFill/>
+          </a:ln>
+          <a:effectLst/>
+          <a:extLst>
+            <a:ext uri="{909E8E84-426E-40DD-AFC4-6F175D3DCCD1}">
+              <a14:hiddenFill xmlns:a14="http://schemas.microsoft.com/office/drawing/2010/main">
+                <a:solidFill>
+                  <a:schemeClr val="accent1"/>
+                </a:solidFill>
+              </a14:hiddenFill>
+            </a:ext>
+            <a:ext uri="{91240B29-F687-4F45-9708-019B960494DF}">
+              <a14:hiddenLine xmlns:a14="http://schemas.microsoft.com/office/drawing/2010/main" w="9525">
+                <a:solidFill>
+                  <a:schemeClr val="tx1"/>
+                </a:solidFill>
+                <a:miter lim="800000"/>
+                <a:headEnd/>
+                <a:tailEnd/>
+              </a14:hiddenLine>
+            </a:ext>
+            <a:ext uri="{AF507438-7753-43E0-B8FC-AC1667EBCBE1}">
+              <a14:hiddenEffects xmlns:a14="http://schemas.microsoft.com/office/drawing/2010/main">
+                <a:effectLst>
+                  <a:outerShdw dist="35921" dir="2700000" algn="ctr" rotWithShape="0">
+                    <a:schemeClr val="bg2"/>
+                  </a:outerShdw>
+                </a:effectLst>
+              </a14:hiddenEffects>
+            </a:ext>
+          </a:extLst>
+        </p:spPr>
+      </p:pic>
+    </p:spTree>
+    <p:extLst>
+      <p:ext uri="{BB962C8B-B14F-4D97-AF65-F5344CB8AC3E}">
+        <p14:creationId xmlns:p14="http://schemas.microsoft.com/office/powerpoint/2010/main" val="922193358"/>
+      </p:ext>
+    </p:extLst>
+  </p:cSld>
+  <p:clrMapOvr>
+    <a:masterClrMapping/>
+  </p:clrMapOvr>
+</p:sld>
+</file>
+
+<file path=ppt/slides/slide38.xml><?xml version="1.0" encoding="utf-8"?>
+<p:sld xmlns:a="http://schemas.openxmlformats.org/drawingml/2006/main" xmlns:r="http://schemas.openxmlformats.org/officeDocument/2006/relationships" xmlns:p="http://schemas.openxmlformats.org/presentationml/2006/main">
+  <p:cSld>
+    <p:spTree>
+      <p:nvGrpSpPr>
+        <p:cNvPr id="1" name=""/>
+        <p:cNvGrpSpPr/>
+        <p:nvPr/>
+      </p:nvGrpSpPr>
+      <p:grpSpPr>
+        <a:xfrm>
+          <a:off x="0" y="0"/>
+          <a:ext cx="0" cy="0"/>
+          <a:chOff x="0" y="0"/>
+          <a:chExt cx="0" cy="0"/>
+        </a:xfrm>
+      </p:grpSpPr>
+      <p:pic>
+        <p:nvPicPr>
+          <p:cNvPr id="3074" name="Picture 2"/>
+          <p:cNvPicPr>
+            <a:picLocks noChangeAspect="1" noChangeArrowheads="1"/>
+          </p:cNvPicPr>
+          <p:nvPr/>
+        </p:nvPicPr>
+        <p:blipFill>
+          <a:blip r:embed="rId2">
+            <a:extLst>
+              <a:ext uri="{28A0092B-C50C-407E-A947-70E740481C1C}">
+                <a14:useLocalDpi xmlns:a14="http://schemas.microsoft.com/office/drawing/2010/main" val="0"/>
+              </a:ext>
+            </a:extLst>
+          </a:blip>
+          <a:srcRect/>
+          <a:stretch>
+            <a:fillRect/>
+          </a:stretch>
+        </p:blipFill>
+        <p:spPr bwMode="auto">
+          <a:xfrm>
+            <a:off x="2195735" y="4509120"/>
+            <a:ext cx="5538339" cy="1510456"/>
+          </a:xfrm>
+          <a:prstGeom prst="rect">
+            <a:avLst/>
+          </a:prstGeom>
+          <a:noFill/>
+          <a:ln>
+            <a:noFill/>
+          </a:ln>
+          <a:effectLst/>
+          <a:extLst>
+            <a:ext uri="{909E8E84-426E-40DD-AFC4-6F175D3DCCD1}">
+              <a14:hiddenFill xmlns:a14="http://schemas.microsoft.com/office/drawing/2010/main">
+                <a:solidFill>
+                  <a:schemeClr val="accent1"/>
+                </a:solidFill>
+              </a14:hiddenFill>
+            </a:ext>
+            <a:ext uri="{91240B29-F687-4F45-9708-019B960494DF}">
+              <a14:hiddenLine xmlns:a14="http://schemas.microsoft.com/office/drawing/2010/main" w="9525">
+                <a:solidFill>
+                  <a:schemeClr val="tx1"/>
+                </a:solidFill>
+                <a:miter lim="800000"/>
+                <a:headEnd/>
+                <a:tailEnd/>
+              </a14:hiddenLine>
+            </a:ext>
+            <a:ext uri="{AF507438-7753-43E0-B8FC-AC1667EBCBE1}">
+              <a14:hiddenEffects xmlns:a14="http://schemas.microsoft.com/office/drawing/2010/main">
+                <a:effectLst>
+                  <a:outerShdw dist="35921" dir="2700000" algn="ctr" rotWithShape="0">
+                    <a:schemeClr val="bg2"/>
+                  </a:outerShdw>
+                </a:effectLst>
+              </a14:hiddenEffects>
+            </a:ext>
+          </a:extLst>
+        </p:spPr>
+      </p:pic>
+      <p:sp>
+        <p:nvSpPr>
+          <p:cNvPr id="3" name="文字方塊 2"/>
+          <p:cNvSpPr txBox="1"/>
+          <p:nvPr/>
+        </p:nvSpPr>
+        <p:spPr>
+          <a:xfrm>
+            <a:off x="755576" y="548680"/>
+            <a:ext cx="902811" cy="523220"/>
+          </a:xfrm>
+          <a:prstGeom prst="rect">
+            <a:avLst/>
+          </a:prstGeom>
+          <a:noFill/>
+        </p:spPr>
+        <p:txBody>
+          <a:bodyPr wrap="none" rtlCol="0">
+            <a:spAutoFit/>
+          </a:bodyPr>
+          <a:lstStyle/>
+          <a:p>
+            <a:r>
+              <a:rPr lang="zh-TW" altLang="en-US" sz="2800" dirty="0" smtClean="0"/>
+              <a:t>練習</a:t>
+            </a:r>
+            <a:endParaRPr lang="zh-TW" altLang="en-US" sz="2800" dirty="0"/>
+          </a:p>
+        </p:txBody>
+      </p:sp>
+      <p:pic>
+        <p:nvPicPr>
+          <p:cNvPr id="3075" name="Picture 3"/>
+          <p:cNvPicPr>
+            <a:picLocks noChangeAspect="1" noChangeArrowheads="1"/>
+          </p:cNvPicPr>
+          <p:nvPr/>
+        </p:nvPicPr>
+        <p:blipFill>
+          <a:blip r:embed="rId3">
+            <a:extLst>
+              <a:ext uri="{28A0092B-C50C-407E-A947-70E740481C1C}">
+                <a14:useLocalDpi xmlns:a14="http://schemas.microsoft.com/office/drawing/2010/main" val="0"/>
+              </a:ext>
+            </a:extLst>
+          </a:blip>
+          <a:srcRect/>
+          <a:stretch>
+            <a:fillRect/>
+          </a:stretch>
+        </p:blipFill>
+        <p:spPr bwMode="auto">
+          <a:xfrm>
+            <a:off x="1979712" y="1556792"/>
+            <a:ext cx="5800725" cy="2238375"/>
+          </a:xfrm>
+          <a:prstGeom prst="rect">
+            <a:avLst/>
+          </a:prstGeom>
+          <a:noFill/>
+          <a:ln>
+            <a:noFill/>
+          </a:ln>
+          <a:effectLst/>
+          <a:extLst>
+            <a:ext uri="{909E8E84-426E-40DD-AFC4-6F175D3DCCD1}">
+              <a14:hiddenFill xmlns:a14="http://schemas.microsoft.com/office/drawing/2010/main">
+                <a:solidFill>
+                  <a:schemeClr val="accent1"/>
+                </a:solidFill>
+              </a14:hiddenFill>
+            </a:ext>
+            <a:ext uri="{91240B29-F687-4F45-9708-019B960494DF}">
+              <a14:hiddenLine xmlns:a14="http://schemas.microsoft.com/office/drawing/2010/main" w="9525">
+                <a:solidFill>
+                  <a:schemeClr val="tx1"/>
+                </a:solidFill>
+                <a:miter lim="800000"/>
+                <a:headEnd/>
+                <a:tailEnd/>
+              </a14:hiddenLine>
+            </a:ext>
+            <a:ext uri="{AF507438-7753-43E0-B8FC-AC1667EBCBE1}">
+              <a14:hiddenEffects xmlns:a14="http://schemas.microsoft.com/office/drawing/2010/main">
+                <a:effectLst>
+                  <a:outerShdw dist="35921" dir="2700000" algn="ctr" rotWithShape="0">
+                    <a:schemeClr val="bg2"/>
+                  </a:outerShdw>
+                </a:effectLst>
+              </a14:hiddenEffects>
+            </a:ext>
+          </a:extLst>
+        </p:spPr>
+      </p:pic>
+    </p:spTree>
+    <p:extLst>
+      <p:ext uri="{BB962C8B-B14F-4D97-AF65-F5344CB8AC3E}">
+        <p14:creationId xmlns:p14="http://schemas.microsoft.com/office/powerpoint/2010/main" val="2403218791"/>
+      </p:ext>
+    </p:extLst>
+  </p:cSld>
+  <p:clrMapOvr>
+    <a:masterClrMapping/>
+  </p:clrMapOvr>
+</p:sld>
+</file>
+
+<file path=ppt/slides/slide39.xml><?xml version="1.0" encoding="utf-8"?>
+<p:sld xmlns:a="http://schemas.openxmlformats.org/drawingml/2006/main" xmlns:r="http://schemas.openxmlformats.org/officeDocument/2006/relationships" xmlns:p="http://schemas.openxmlformats.org/presentationml/2006/main">
+  <p:cSld>
     <p:bg>
       <p:bgPr>
         <a:solidFill>
@@ -8035,162 +8605,6 @@
     <p:extLst>
       <p:ext uri="{BB962C8B-B14F-4D97-AF65-F5344CB8AC3E}">
         <p14:creationId xmlns:p14="http://schemas.microsoft.com/office/powerpoint/2010/main" val="3870458044"/>
-      </p:ext>
-    </p:extLst>
-  </p:cSld>
-  <p:clrMapOvr>
-    <a:masterClrMapping/>
-  </p:clrMapOvr>
-</p:sld>
-</file>
-
-<file path=ppt/slides/slide38.xml><?xml version="1.0" encoding="utf-8"?>
-<p:sld xmlns:a="http://schemas.openxmlformats.org/drawingml/2006/main" xmlns:r="http://schemas.openxmlformats.org/officeDocument/2006/relationships" xmlns:p="http://schemas.openxmlformats.org/presentationml/2006/main">
-  <p:cSld>
-    <p:spTree>
-      <p:nvGrpSpPr>
-        <p:cNvPr id="1" name=""/>
-        <p:cNvGrpSpPr/>
-        <p:nvPr/>
-      </p:nvGrpSpPr>
-      <p:grpSpPr>
-        <a:xfrm>
-          <a:off x="0" y="0"/>
-          <a:ext cx="0" cy="0"/>
-          <a:chOff x="0" y="0"/>
-          <a:chExt cx="0" cy="0"/>
-        </a:xfrm>
-      </p:grpSpPr>
-      <p:pic>
-        <p:nvPicPr>
-          <p:cNvPr id="4" name="圖片 3"/>
-          <p:cNvPicPr>
-            <a:picLocks noChangeAspect="1"/>
-          </p:cNvPicPr>
-          <p:nvPr/>
-        </p:nvPicPr>
-        <p:blipFill>
-          <a:blip r:embed="rId2"/>
-          <a:stretch>
-            <a:fillRect/>
-          </a:stretch>
-        </p:blipFill>
-        <p:spPr>
-          <a:xfrm>
-            <a:off x="179512" y="1268147"/>
-            <a:ext cx="4464496" cy="3652769"/>
-          </a:xfrm>
-          <a:prstGeom prst="rect">
-            <a:avLst/>
-          </a:prstGeom>
-        </p:spPr>
-      </p:pic>
-      <p:pic>
-        <p:nvPicPr>
-          <p:cNvPr id="3" name="圖片 2"/>
-          <p:cNvPicPr>
-            <a:picLocks noChangeAspect="1"/>
-          </p:cNvPicPr>
-          <p:nvPr/>
-        </p:nvPicPr>
-        <p:blipFill>
-          <a:blip r:embed="rId3"/>
-          <a:stretch>
-            <a:fillRect/>
-          </a:stretch>
-        </p:blipFill>
-        <p:spPr>
-          <a:xfrm>
-            <a:off x="4499992" y="1513434"/>
-            <a:ext cx="4546124" cy="3447678"/>
-          </a:xfrm>
-          <a:prstGeom prst="rect">
-            <a:avLst/>
-          </a:prstGeom>
-        </p:spPr>
-      </p:pic>
-    </p:spTree>
-    <p:extLst>
-      <p:ext uri="{BB962C8B-B14F-4D97-AF65-F5344CB8AC3E}">
-        <p14:creationId xmlns:p14="http://schemas.microsoft.com/office/powerpoint/2010/main" val="2547060128"/>
-      </p:ext>
-    </p:extLst>
-  </p:cSld>
-  <p:clrMapOvr>
-    <a:masterClrMapping/>
-  </p:clrMapOvr>
-</p:sld>
-</file>
-
-<file path=ppt/slides/slide39.xml><?xml version="1.0" encoding="utf-8"?>
-<p:sld xmlns:a="http://schemas.openxmlformats.org/drawingml/2006/main" xmlns:r="http://schemas.openxmlformats.org/officeDocument/2006/relationships" xmlns:p="http://schemas.openxmlformats.org/presentationml/2006/main">
-  <p:cSld>
-    <p:spTree>
-      <p:nvGrpSpPr>
-        <p:cNvPr id="1" name=""/>
-        <p:cNvGrpSpPr/>
-        <p:nvPr/>
-      </p:nvGrpSpPr>
-      <p:grpSpPr>
-        <a:xfrm>
-          <a:off x="0" y="0"/>
-          <a:ext cx="0" cy="0"/>
-          <a:chOff x="0" y="0"/>
-          <a:chExt cx="0" cy="0"/>
-        </a:xfrm>
-      </p:grpSpPr>
-      <p:pic>
-        <p:nvPicPr>
-          <p:cNvPr id="2" name="圖片 1"/>
-          <p:cNvPicPr>
-            <a:picLocks noChangeAspect="1"/>
-          </p:cNvPicPr>
-          <p:nvPr/>
-        </p:nvPicPr>
-        <p:blipFill>
-          <a:blip r:embed="rId2"/>
-          <a:stretch>
-            <a:fillRect/>
-          </a:stretch>
-        </p:blipFill>
-        <p:spPr>
-          <a:xfrm>
-            <a:off x="1763688" y="188640"/>
-            <a:ext cx="4695825" cy="3429000"/>
-          </a:xfrm>
-          <a:prstGeom prst="rect">
-            <a:avLst/>
-          </a:prstGeom>
-        </p:spPr>
-      </p:pic>
-      <p:pic>
-        <p:nvPicPr>
-          <p:cNvPr id="3" name="圖片 2"/>
-          <p:cNvPicPr>
-            <a:picLocks noChangeAspect="1"/>
-          </p:cNvPicPr>
-          <p:nvPr/>
-        </p:nvPicPr>
-        <p:blipFill>
-          <a:blip r:embed="rId3"/>
-          <a:stretch>
-            <a:fillRect/>
-          </a:stretch>
-        </p:blipFill>
-        <p:spPr>
-          <a:xfrm>
-            <a:off x="2125637" y="3789040"/>
-            <a:ext cx="4862566" cy="2751956"/>
-          </a:xfrm>
-          <a:prstGeom prst="rect">
-            <a:avLst/>
-          </a:prstGeom>
-        </p:spPr>
-      </p:pic>
-    </p:spTree>
-    <p:extLst>
-      <p:ext uri="{BB962C8B-B14F-4D97-AF65-F5344CB8AC3E}">
-        <p14:creationId xmlns:p14="http://schemas.microsoft.com/office/powerpoint/2010/main" val="3086836525"/>
       </p:ext>
     </p:extLst>
   </p:cSld>
@@ -8407,7 +8821,7 @@
       </p:grpSpPr>
       <p:pic>
         <p:nvPicPr>
-          <p:cNvPr id="2" name="圖片 1"/>
+          <p:cNvPr id="4" name="圖片 3"/>
           <p:cNvPicPr>
             <a:picLocks noChangeAspect="1"/>
           </p:cNvPicPr>
@@ -8421,8 +8835,8 @@
         </p:blipFill>
         <p:spPr>
           <a:xfrm>
-            <a:off x="467544" y="1268760"/>
-            <a:ext cx="3744416" cy="4144176"/>
+            <a:off x="179512" y="1268147"/>
+            <a:ext cx="4464496" cy="3652769"/>
           </a:xfrm>
           <a:prstGeom prst="rect">
             <a:avLst/>
@@ -8445,8 +8859,8 @@
         </p:blipFill>
         <p:spPr>
           <a:xfrm>
-            <a:off x="4788024" y="2312876"/>
-            <a:ext cx="3875363" cy="2055944"/>
+            <a:off x="4499992" y="1513434"/>
+            <a:ext cx="4546124" cy="3447678"/>
           </a:xfrm>
           <a:prstGeom prst="rect">
             <a:avLst/>
@@ -8456,7 +8870,7 @@
     </p:spTree>
     <p:extLst>
       <p:ext uri="{BB962C8B-B14F-4D97-AF65-F5344CB8AC3E}">
-        <p14:creationId xmlns:p14="http://schemas.microsoft.com/office/powerpoint/2010/main" val="2770236762"/>
+        <p14:creationId xmlns:p14="http://schemas.microsoft.com/office/powerpoint/2010/main" val="2547060128"/>
       </p:ext>
     </p:extLst>
   </p:cSld>
@@ -8499,8 +8913,8 @@
         </p:blipFill>
         <p:spPr>
           <a:xfrm>
-            <a:off x="539552" y="1356654"/>
-            <a:ext cx="4104456" cy="4386549"/>
+            <a:off x="1763688" y="188640"/>
+            <a:ext cx="4695825" cy="3429000"/>
           </a:xfrm>
           <a:prstGeom prst="rect">
             <a:avLst/>
@@ -8523,8 +8937,8 @@
         </p:blipFill>
         <p:spPr>
           <a:xfrm>
-            <a:off x="4893990" y="2564904"/>
-            <a:ext cx="4250010" cy="2104958"/>
+            <a:off x="2125637" y="3789040"/>
+            <a:ext cx="4862566" cy="2751956"/>
           </a:xfrm>
           <a:prstGeom prst="rect">
             <a:avLst/>
@@ -8534,7 +8948,7 @@
     </p:spTree>
     <p:extLst>
       <p:ext uri="{BB962C8B-B14F-4D97-AF65-F5344CB8AC3E}">
-        <p14:creationId xmlns:p14="http://schemas.microsoft.com/office/powerpoint/2010/main" val="3437311666"/>
+        <p14:creationId xmlns:p14="http://schemas.microsoft.com/office/powerpoint/2010/main" val="3086836525"/>
       </p:ext>
     </p:extLst>
   </p:cSld>
@@ -8577,8 +8991,8 @@
         </p:blipFill>
         <p:spPr>
           <a:xfrm>
-            <a:off x="558435" y="1674540"/>
-            <a:ext cx="2257425" cy="3705225"/>
+            <a:off x="467544" y="1268760"/>
+            <a:ext cx="3744416" cy="4144176"/>
           </a:xfrm>
           <a:prstGeom prst="rect">
             <a:avLst/>
@@ -8601,56 +9015,8 @@
         </p:blipFill>
         <p:spPr>
           <a:xfrm>
-            <a:off x="539552" y="188640"/>
-            <a:ext cx="5019675" cy="1485900"/>
-          </a:xfrm>
-          <a:prstGeom prst="rect">
-            <a:avLst/>
-          </a:prstGeom>
-        </p:spPr>
-      </p:pic>
-      <p:pic>
-        <p:nvPicPr>
-          <p:cNvPr id="4" name="圖片 3"/>
-          <p:cNvPicPr>
-            <a:picLocks noChangeAspect="1"/>
-          </p:cNvPicPr>
-          <p:nvPr/>
-        </p:nvPicPr>
-        <p:blipFill>
-          <a:blip r:embed="rId4"/>
-          <a:stretch>
-            <a:fillRect/>
-          </a:stretch>
-        </p:blipFill>
-        <p:spPr>
-          <a:xfrm>
-            <a:off x="558435" y="5445224"/>
-            <a:ext cx="4038600" cy="1200150"/>
-          </a:xfrm>
-          <a:prstGeom prst="rect">
-            <a:avLst/>
-          </a:prstGeom>
-        </p:spPr>
-      </p:pic>
-      <p:pic>
-        <p:nvPicPr>
-          <p:cNvPr id="5" name="圖片 4"/>
-          <p:cNvPicPr>
-            <a:picLocks noChangeAspect="1"/>
-          </p:cNvPicPr>
-          <p:nvPr/>
-        </p:nvPicPr>
-        <p:blipFill>
-          <a:blip r:embed="rId5"/>
-          <a:stretch>
-            <a:fillRect/>
-          </a:stretch>
-        </p:blipFill>
-        <p:spPr>
-          <a:xfrm>
-            <a:off x="5148064" y="1253710"/>
-            <a:ext cx="3096344" cy="5130719"/>
+            <a:off x="4788024" y="2312876"/>
+            <a:ext cx="3875363" cy="2055944"/>
           </a:xfrm>
           <a:prstGeom prst="rect">
             <a:avLst/>
@@ -8660,7 +9026,7 @@
     </p:spTree>
     <p:extLst>
       <p:ext uri="{BB962C8B-B14F-4D97-AF65-F5344CB8AC3E}">
-        <p14:creationId xmlns:p14="http://schemas.microsoft.com/office/powerpoint/2010/main" val="2287794232"/>
+        <p14:creationId xmlns:p14="http://schemas.microsoft.com/office/powerpoint/2010/main" val="2770236762"/>
       </p:ext>
     </p:extLst>
   </p:cSld>
@@ -8703,8 +9069,8 @@
         </p:blipFill>
         <p:spPr>
           <a:xfrm>
-            <a:off x="683568" y="332656"/>
-            <a:ext cx="6081445" cy="1800200"/>
+            <a:off x="539552" y="1356654"/>
+            <a:ext cx="4104456" cy="4386549"/>
           </a:xfrm>
           <a:prstGeom prst="rect">
             <a:avLst/>
@@ -8727,32 +9093,8 @@
         </p:blipFill>
         <p:spPr>
           <a:xfrm>
-            <a:off x="827584" y="2420888"/>
-            <a:ext cx="3456384" cy="3314826"/>
-          </a:xfrm>
-          <a:prstGeom prst="rect">
-            <a:avLst/>
-          </a:prstGeom>
-        </p:spPr>
-      </p:pic>
-      <p:pic>
-        <p:nvPicPr>
-          <p:cNvPr id="4" name="圖片 3"/>
-          <p:cNvPicPr>
-            <a:picLocks noChangeAspect="1"/>
-          </p:cNvPicPr>
-          <p:nvPr/>
-        </p:nvPicPr>
-        <p:blipFill>
-          <a:blip r:embed="rId4"/>
-          <a:stretch>
-            <a:fillRect/>
-          </a:stretch>
-        </p:blipFill>
-        <p:spPr>
-          <a:xfrm>
-            <a:off x="4860032" y="1467810"/>
-            <a:ext cx="3384376" cy="5062917"/>
+            <a:off x="4893990" y="2564904"/>
+            <a:ext cx="4250010" cy="2104958"/>
           </a:xfrm>
           <a:prstGeom prst="rect">
             <a:avLst/>
@@ -8762,7 +9104,7 @@
     </p:spTree>
     <p:extLst>
       <p:ext uri="{BB962C8B-B14F-4D97-AF65-F5344CB8AC3E}">
-        <p14:creationId xmlns:p14="http://schemas.microsoft.com/office/powerpoint/2010/main" val="1886146435"/>
+        <p14:creationId xmlns:p14="http://schemas.microsoft.com/office/powerpoint/2010/main" val="3437311666"/>
       </p:ext>
     </p:extLst>
   </p:cSld>
@@ -8805,8 +9147,8 @@
         </p:blipFill>
         <p:spPr>
           <a:xfrm>
-            <a:off x="107504" y="2276872"/>
-            <a:ext cx="4536504" cy="2050458"/>
+            <a:off x="558435" y="1674540"/>
+            <a:ext cx="2257425" cy="3705225"/>
           </a:xfrm>
           <a:prstGeom prst="rect">
             <a:avLst/>
@@ -8829,8 +9171,56 @@
         </p:blipFill>
         <p:spPr>
           <a:xfrm>
-            <a:off x="4644008" y="1052736"/>
-            <a:ext cx="4077851" cy="4899912"/>
+            <a:off x="539552" y="188640"/>
+            <a:ext cx="5019675" cy="1485900"/>
+          </a:xfrm>
+          <a:prstGeom prst="rect">
+            <a:avLst/>
+          </a:prstGeom>
+        </p:spPr>
+      </p:pic>
+      <p:pic>
+        <p:nvPicPr>
+          <p:cNvPr id="4" name="圖片 3"/>
+          <p:cNvPicPr>
+            <a:picLocks noChangeAspect="1"/>
+          </p:cNvPicPr>
+          <p:nvPr/>
+        </p:nvPicPr>
+        <p:blipFill>
+          <a:blip r:embed="rId4"/>
+          <a:stretch>
+            <a:fillRect/>
+          </a:stretch>
+        </p:blipFill>
+        <p:spPr>
+          <a:xfrm>
+            <a:off x="558435" y="5445224"/>
+            <a:ext cx="4038600" cy="1200150"/>
+          </a:xfrm>
+          <a:prstGeom prst="rect">
+            <a:avLst/>
+          </a:prstGeom>
+        </p:spPr>
+      </p:pic>
+      <p:pic>
+        <p:nvPicPr>
+          <p:cNvPr id="5" name="圖片 4"/>
+          <p:cNvPicPr>
+            <a:picLocks noChangeAspect="1"/>
+          </p:cNvPicPr>
+          <p:nvPr/>
+        </p:nvPicPr>
+        <p:blipFill>
+          <a:blip r:embed="rId5"/>
+          <a:stretch>
+            <a:fillRect/>
+          </a:stretch>
+        </p:blipFill>
+        <p:spPr>
+          <a:xfrm>
+            <a:off x="5148064" y="1253710"/>
+            <a:ext cx="3096344" cy="5130719"/>
           </a:xfrm>
           <a:prstGeom prst="rect">
             <a:avLst/>
@@ -8840,7 +9230,7 @@
     </p:spTree>
     <p:extLst>
       <p:ext uri="{BB962C8B-B14F-4D97-AF65-F5344CB8AC3E}">
-        <p14:creationId xmlns:p14="http://schemas.microsoft.com/office/powerpoint/2010/main" val="88291186"/>
+        <p14:creationId xmlns:p14="http://schemas.microsoft.com/office/powerpoint/2010/main" val="2287794232"/>
       </p:ext>
     </p:extLst>
   </p:cSld>
@@ -8883,8 +9273,8 @@
         </p:blipFill>
         <p:spPr>
           <a:xfrm>
-            <a:off x="1979712" y="260648"/>
-            <a:ext cx="5227283" cy="1922140"/>
+            <a:off x="683568" y="332656"/>
+            <a:ext cx="6081445" cy="1800200"/>
           </a:xfrm>
           <a:prstGeom prst="rect">
             <a:avLst/>
@@ -8907,8 +9297,32 @@
         </p:blipFill>
         <p:spPr>
           <a:xfrm>
-            <a:off x="1259632" y="2636912"/>
-            <a:ext cx="6840760" cy="3791265"/>
+            <a:off x="827584" y="2420888"/>
+            <a:ext cx="3456384" cy="3314826"/>
+          </a:xfrm>
+          <a:prstGeom prst="rect">
+            <a:avLst/>
+          </a:prstGeom>
+        </p:spPr>
+      </p:pic>
+      <p:pic>
+        <p:nvPicPr>
+          <p:cNvPr id="4" name="圖片 3"/>
+          <p:cNvPicPr>
+            <a:picLocks noChangeAspect="1"/>
+          </p:cNvPicPr>
+          <p:nvPr/>
+        </p:nvPicPr>
+        <p:blipFill>
+          <a:blip r:embed="rId4"/>
+          <a:stretch>
+            <a:fillRect/>
+          </a:stretch>
+        </p:blipFill>
+        <p:spPr>
+          <a:xfrm>
+            <a:off x="4860032" y="1467810"/>
+            <a:ext cx="3384376" cy="5062917"/>
           </a:xfrm>
           <a:prstGeom prst="rect">
             <a:avLst/>
@@ -8918,7 +9332,7 @@
     </p:spTree>
     <p:extLst>
       <p:ext uri="{BB962C8B-B14F-4D97-AF65-F5344CB8AC3E}">
-        <p14:creationId xmlns:p14="http://schemas.microsoft.com/office/powerpoint/2010/main" val="1282943227"/>
+        <p14:creationId xmlns:p14="http://schemas.microsoft.com/office/powerpoint/2010/main" val="1886146435"/>
       </p:ext>
     </p:extLst>
   </p:cSld>
@@ -8961,8 +9375,8 @@
         </p:blipFill>
         <p:spPr>
           <a:xfrm>
-            <a:off x="1907704" y="116632"/>
-            <a:ext cx="4410818" cy="3007989"/>
+            <a:off x="107504" y="2276872"/>
+            <a:ext cx="4536504" cy="2050458"/>
           </a:xfrm>
           <a:prstGeom prst="rect">
             <a:avLst/>
@@ -8985,8 +9399,8 @@
         </p:blipFill>
         <p:spPr>
           <a:xfrm>
-            <a:off x="1331640" y="3284984"/>
-            <a:ext cx="6480720" cy="3281377"/>
+            <a:off x="4644008" y="1052736"/>
+            <a:ext cx="4077851" cy="4899912"/>
           </a:xfrm>
           <a:prstGeom prst="rect">
             <a:avLst/>
@@ -8996,7 +9410,7 @@
     </p:spTree>
     <p:extLst>
       <p:ext uri="{BB962C8B-B14F-4D97-AF65-F5344CB8AC3E}">
-        <p14:creationId xmlns:p14="http://schemas.microsoft.com/office/powerpoint/2010/main" val="3351087808"/>
+        <p14:creationId xmlns:p14="http://schemas.microsoft.com/office/powerpoint/2010/main" val="88291186"/>
       </p:ext>
     </p:extLst>
   </p:cSld>
@@ -9023,39 +9437,9 @@
           <a:chExt cx="0" cy="0"/>
         </a:xfrm>
       </p:grpSpPr>
-      <p:sp>
-        <p:nvSpPr>
-          <p:cNvPr id="2" name="文字方塊 1"/>
-          <p:cNvSpPr txBox="1"/>
-          <p:nvPr/>
-        </p:nvSpPr>
-        <p:spPr>
-          <a:xfrm>
-            <a:off x="611560" y="548680"/>
-            <a:ext cx="1005403" cy="584775"/>
-          </a:xfrm>
-          <a:prstGeom prst="rect">
-            <a:avLst/>
-          </a:prstGeom>
-          <a:noFill/>
-        </p:spPr>
-        <p:txBody>
-          <a:bodyPr wrap="none" rtlCol="0">
-            <a:spAutoFit/>
-          </a:bodyPr>
-          <a:lstStyle/>
-          <a:p>
-            <a:r>
-              <a:rPr lang="zh-TW" altLang="en-US" sz="3200" dirty="0" smtClean="0"/>
-              <a:t>練習</a:t>
-            </a:r>
-            <a:endParaRPr lang="zh-TW" altLang="en-US" sz="3200" dirty="0"/>
-          </a:p>
-        </p:txBody>
-      </p:sp>
       <p:pic>
         <p:nvPicPr>
-          <p:cNvPr id="3" name="圖片 2"/>
+          <p:cNvPr id="2" name="圖片 1"/>
           <p:cNvPicPr>
             <a:picLocks noChangeAspect="1"/>
           </p:cNvPicPr>
@@ -9069,8 +9453,8 @@
         </p:blipFill>
         <p:spPr>
           <a:xfrm>
-            <a:off x="827584" y="1340768"/>
-            <a:ext cx="3384376" cy="4784016"/>
+            <a:off x="1979712" y="260648"/>
+            <a:ext cx="5227283" cy="1922140"/>
           </a:xfrm>
           <a:prstGeom prst="rect">
             <a:avLst/>
@@ -9079,7 +9463,7 @@
       </p:pic>
       <p:pic>
         <p:nvPicPr>
-          <p:cNvPr id="4" name="圖片 3"/>
+          <p:cNvPr id="3" name="圖片 2"/>
           <p:cNvPicPr>
             <a:picLocks noChangeAspect="1"/>
           </p:cNvPicPr>
@@ -9093,8 +9477,8 @@
         </p:blipFill>
         <p:spPr>
           <a:xfrm>
-            <a:off x="4860032" y="2852936"/>
-            <a:ext cx="3528392" cy="1966069"/>
+            <a:off x="1259632" y="2636912"/>
+            <a:ext cx="6840760" cy="3791265"/>
           </a:xfrm>
           <a:prstGeom prst="rect">
             <a:avLst/>
@@ -9104,7 +9488,7 @@
     </p:spTree>
     <p:extLst>
       <p:ext uri="{BB962C8B-B14F-4D97-AF65-F5344CB8AC3E}">
-        <p14:creationId xmlns:p14="http://schemas.microsoft.com/office/powerpoint/2010/main" val="3017131515"/>
+        <p14:creationId xmlns:p14="http://schemas.microsoft.com/office/powerpoint/2010/main" val="1282943227"/>
       </p:ext>
     </p:extLst>
   </p:cSld>
@@ -9131,6 +9515,84 @@
           <a:chExt cx="0" cy="0"/>
         </a:xfrm>
       </p:grpSpPr>
+      <p:pic>
+        <p:nvPicPr>
+          <p:cNvPr id="2" name="圖片 1"/>
+          <p:cNvPicPr>
+            <a:picLocks noChangeAspect="1"/>
+          </p:cNvPicPr>
+          <p:nvPr/>
+        </p:nvPicPr>
+        <p:blipFill>
+          <a:blip r:embed="rId2"/>
+          <a:stretch>
+            <a:fillRect/>
+          </a:stretch>
+        </p:blipFill>
+        <p:spPr>
+          <a:xfrm>
+            <a:off x="1907704" y="116632"/>
+            <a:ext cx="4410818" cy="3007989"/>
+          </a:xfrm>
+          <a:prstGeom prst="rect">
+            <a:avLst/>
+          </a:prstGeom>
+        </p:spPr>
+      </p:pic>
+      <p:pic>
+        <p:nvPicPr>
+          <p:cNvPr id="3" name="圖片 2"/>
+          <p:cNvPicPr>
+            <a:picLocks noChangeAspect="1"/>
+          </p:cNvPicPr>
+          <p:nvPr/>
+        </p:nvPicPr>
+        <p:blipFill>
+          <a:blip r:embed="rId3"/>
+          <a:stretch>
+            <a:fillRect/>
+          </a:stretch>
+        </p:blipFill>
+        <p:spPr>
+          <a:xfrm>
+            <a:off x="1331640" y="3284984"/>
+            <a:ext cx="6480720" cy="3281377"/>
+          </a:xfrm>
+          <a:prstGeom prst="rect">
+            <a:avLst/>
+          </a:prstGeom>
+        </p:spPr>
+      </p:pic>
+    </p:spTree>
+    <p:extLst>
+      <p:ext uri="{BB962C8B-B14F-4D97-AF65-F5344CB8AC3E}">
+        <p14:creationId xmlns:p14="http://schemas.microsoft.com/office/powerpoint/2010/main" val="3351087808"/>
+      </p:ext>
+    </p:extLst>
+  </p:cSld>
+  <p:clrMapOvr>
+    <a:masterClrMapping/>
+  </p:clrMapOvr>
+</p:sld>
+</file>
+
+<file path=ppt/slides/slide49.xml><?xml version="1.0" encoding="utf-8"?>
+<p:sld xmlns:a="http://schemas.openxmlformats.org/drawingml/2006/main" xmlns:r="http://schemas.openxmlformats.org/officeDocument/2006/relationships" xmlns:p="http://schemas.openxmlformats.org/presentationml/2006/main">
+  <p:cSld>
+    <p:spTree>
+      <p:nvGrpSpPr>
+        <p:cNvPr id="1" name=""/>
+        <p:cNvGrpSpPr/>
+        <p:nvPr/>
+      </p:nvGrpSpPr>
+      <p:grpSpPr>
+        <a:xfrm>
+          <a:off x="0" y="0"/>
+          <a:ext cx="0" cy="0"/>
+          <a:chOff x="0" y="0"/>
+          <a:chExt cx="0" cy="0"/>
+        </a:xfrm>
+      </p:grpSpPr>
       <p:sp>
         <p:nvSpPr>
           <p:cNvPr id="2" name="文字方塊 1"/>
@@ -9177,8 +9639,8 @@
         </p:blipFill>
         <p:spPr>
           <a:xfrm>
-            <a:off x="395536" y="1412776"/>
-            <a:ext cx="4895850" cy="3629025"/>
+            <a:off x="827584" y="1340768"/>
+            <a:ext cx="3384376" cy="4784016"/>
           </a:xfrm>
           <a:prstGeom prst="rect">
             <a:avLst/>
@@ -9201,8 +9663,8 @@
         </p:blipFill>
         <p:spPr>
           <a:xfrm>
-            <a:off x="5580112" y="1196752"/>
-            <a:ext cx="3024336" cy="4579709"/>
+            <a:off x="4860032" y="2852936"/>
+            <a:ext cx="3528392" cy="1966069"/>
           </a:xfrm>
           <a:prstGeom prst="rect">
             <a:avLst/>
@@ -9212,7 +9674,7 @@
     </p:spTree>
     <p:extLst>
       <p:ext uri="{BB962C8B-B14F-4D97-AF65-F5344CB8AC3E}">
-        <p14:creationId xmlns:p14="http://schemas.microsoft.com/office/powerpoint/2010/main" val="3423492621"/>
+        <p14:creationId xmlns:p14="http://schemas.microsoft.com/office/powerpoint/2010/main" val="3017131515"/>
       </p:ext>
     </p:extLst>
   </p:cSld>
@@ -9316,6 +9778,114 @@
     <p:extLst>
       <p:ext uri="{BB962C8B-B14F-4D97-AF65-F5344CB8AC3E}">
         <p14:creationId xmlns:p14="http://schemas.microsoft.com/office/powerpoint/2010/main" val="3075469912"/>
+      </p:ext>
+    </p:extLst>
+  </p:cSld>
+  <p:clrMapOvr>
+    <a:masterClrMapping/>
+  </p:clrMapOvr>
+</p:sld>
+</file>
+
+<file path=ppt/slides/slide50.xml><?xml version="1.0" encoding="utf-8"?>
+<p:sld xmlns:a="http://schemas.openxmlformats.org/drawingml/2006/main" xmlns:r="http://schemas.openxmlformats.org/officeDocument/2006/relationships" xmlns:p="http://schemas.openxmlformats.org/presentationml/2006/main">
+  <p:cSld>
+    <p:spTree>
+      <p:nvGrpSpPr>
+        <p:cNvPr id="1" name=""/>
+        <p:cNvGrpSpPr/>
+        <p:nvPr/>
+      </p:nvGrpSpPr>
+      <p:grpSpPr>
+        <a:xfrm>
+          <a:off x="0" y="0"/>
+          <a:ext cx="0" cy="0"/>
+          <a:chOff x="0" y="0"/>
+          <a:chExt cx="0" cy="0"/>
+        </a:xfrm>
+      </p:grpSpPr>
+      <p:sp>
+        <p:nvSpPr>
+          <p:cNvPr id="2" name="文字方塊 1"/>
+          <p:cNvSpPr txBox="1"/>
+          <p:nvPr/>
+        </p:nvSpPr>
+        <p:spPr>
+          <a:xfrm>
+            <a:off x="611560" y="548680"/>
+            <a:ext cx="1005403" cy="584775"/>
+          </a:xfrm>
+          <a:prstGeom prst="rect">
+            <a:avLst/>
+          </a:prstGeom>
+          <a:noFill/>
+        </p:spPr>
+        <p:txBody>
+          <a:bodyPr wrap="none" rtlCol="0">
+            <a:spAutoFit/>
+          </a:bodyPr>
+          <a:lstStyle/>
+          <a:p>
+            <a:r>
+              <a:rPr lang="zh-TW" altLang="en-US" sz="3200" dirty="0" smtClean="0"/>
+              <a:t>練習</a:t>
+            </a:r>
+            <a:endParaRPr lang="zh-TW" altLang="en-US" sz="3200" dirty="0"/>
+          </a:p>
+        </p:txBody>
+      </p:sp>
+      <p:pic>
+        <p:nvPicPr>
+          <p:cNvPr id="3" name="圖片 2"/>
+          <p:cNvPicPr>
+            <a:picLocks noChangeAspect="1"/>
+          </p:cNvPicPr>
+          <p:nvPr/>
+        </p:nvPicPr>
+        <p:blipFill>
+          <a:blip r:embed="rId2"/>
+          <a:stretch>
+            <a:fillRect/>
+          </a:stretch>
+        </p:blipFill>
+        <p:spPr>
+          <a:xfrm>
+            <a:off x="395536" y="1412776"/>
+            <a:ext cx="4895850" cy="3629025"/>
+          </a:xfrm>
+          <a:prstGeom prst="rect">
+            <a:avLst/>
+          </a:prstGeom>
+        </p:spPr>
+      </p:pic>
+      <p:pic>
+        <p:nvPicPr>
+          <p:cNvPr id="4" name="圖片 3"/>
+          <p:cNvPicPr>
+            <a:picLocks noChangeAspect="1"/>
+          </p:cNvPicPr>
+          <p:nvPr/>
+        </p:nvPicPr>
+        <p:blipFill>
+          <a:blip r:embed="rId3"/>
+          <a:stretch>
+            <a:fillRect/>
+          </a:stretch>
+        </p:blipFill>
+        <p:spPr>
+          <a:xfrm>
+            <a:off x="5580112" y="1196752"/>
+            <a:ext cx="3024336" cy="4579709"/>
+          </a:xfrm>
+          <a:prstGeom prst="rect">
+            <a:avLst/>
+          </a:prstGeom>
+        </p:spPr>
+      </p:pic>
+    </p:spTree>
+    <p:extLst>
+      <p:ext uri="{BB962C8B-B14F-4D97-AF65-F5344CB8AC3E}">
+        <p14:creationId xmlns:p14="http://schemas.microsoft.com/office/powerpoint/2010/main" val="3423492621"/>
       </p:ext>
     </p:extLst>
   </p:cSld>
@@ -10409,7 +10979,7 @@
     </a:clrScheme>
     <a:fontScheme name="Office">
       <a:majorFont>
-        <a:latin typeface="Calibri Light" panose="020F0302020204030204"/>
+        <a:latin typeface="Calibri Light"/>
         <a:ea typeface=""/>
         <a:cs typeface=""/>
         <a:font script="Jpan" typeface="ＭＳ Ｐゴシック"/>
@@ -10444,7 +11014,7 @@
         <a:font script="Geor" typeface="Sylfaen"/>
       </a:majorFont>
       <a:minorFont>
-        <a:latin typeface="Calibri" panose="020F0502020204030204"/>
+        <a:latin typeface="Calibri"/>
         <a:ea typeface=""/>
         <a:cs typeface=""/>
         <a:font script="Jpan" typeface="ＭＳ Ｐゴシック"/>
@@ -10621,7 +11191,7 @@
   <a:extraClrSchemeLst/>
   <a:extLst>
     <a:ext uri="{05A4C25C-085E-4340-85A3-A5531E510DB2}">
-      <thm15:themeFamily xmlns:thm15="http://schemas.microsoft.com/office/thememl/2012/main" name="Office Theme" id="{62F939B6-93AF-4DB8-9C6B-D6C7DFDC589F}" vid="{4A3C46E8-61CC-4603-A589-7422A47A8E4A}"/>
+      <thm15:themeFamily xmlns:thm15="http://schemas.microsoft.com/office/thememl/2012/main" xmlns="" name="Office Theme" id="{62F939B6-93AF-4DB8-9C6B-D6C7DFDC589F}" vid="{4A3C46E8-61CC-4603-A589-7422A47A8E4A}"/>
     </a:ext>
   </a:extLst>
 </a:theme>
